--- a/practice_github_basic/fig/slide.pptx
+++ b/practice_github_basic/fig/slide.pptx
@@ -257,7 +257,7 @@
           </a:lstStyle>
           <a:p>
             <a:fld id="{6B8D1B20-A248-FB47-8240-73C0C5F47C9D}" type="datetimeFigureOut">
-              <a:t>2021/10/27</a:t>
+              <a:t>2022/9/27</a:t>
             </a:fld>
             <a:endParaRPr kumimoji="1" lang="ja-JP" altLang="en-US"/>
           </a:p>
@@ -26525,49 +26525,12 @@
           <a:chExt cx="0" cy="0"/>
         </a:xfrm>
       </p:grpSpPr>
-      <p:sp>
-        <p:nvSpPr>
-          <p:cNvPr id="2" name="テキスト プレースホルダー 1">
-            <a:extLst>
-              <a:ext uri="{FF2B5EF4-FFF2-40B4-BE49-F238E27FC236}">
-                <a16:creationId xmlns:a16="http://schemas.microsoft.com/office/drawing/2014/main" id="{94C970AF-BE56-446B-9CB8-0EF49B11C074}"/>
-              </a:ext>
-            </a:extLst>
-          </p:cNvPr>
-          <p:cNvSpPr>
-            <a:spLocks noGrp="1"/>
-          </p:cNvSpPr>
-          <p:nvPr>
-            <p:ph type="body" sz="quarter" idx="10"/>
-          </p:nvPr>
-        </p:nvSpPr>
-        <p:spPr/>
-        <p:txBody>
-          <a:bodyPr/>
-          <a:lstStyle/>
-          <a:p>
-            <a:r>
-              <a:rPr lang="ja-JP" altLang="en-US"/>
-              <a:t>発展課題</a:t>
-            </a:r>
-            <a:r>
-              <a:rPr lang="en-US" altLang="ja-JP"/>
-              <a:t> - </a:t>
-            </a:r>
-            <a:r>
-              <a:rPr lang="ja-JP" altLang="en-US"/>
-              <a:t>プルリクエスト</a:t>
-            </a:r>
-            <a:endParaRPr kumimoji="1" lang="ja-JP" altLang="en-US"/>
-          </a:p>
-        </p:txBody>
-      </p:sp>
       <p:pic>
         <p:nvPicPr>
-          <p:cNvPr id="4" name="図 3">
-            <a:extLst>
-              <a:ext uri="{FF2B5EF4-FFF2-40B4-BE49-F238E27FC236}">
-                <a16:creationId xmlns:a16="http://schemas.microsoft.com/office/drawing/2014/main" id="{2378D592-079F-4EE7-8F29-B4BB707D08F7}"/>
+          <p:cNvPr id="8" name="図 7">
+            <a:extLst>
+              <a:ext uri="{FF2B5EF4-FFF2-40B4-BE49-F238E27FC236}">
+                <a16:creationId xmlns:a16="http://schemas.microsoft.com/office/drawing/2014/main" id="{FF392170-2392-E90B-A864-3034FC740E2E}"/>
               </a:ext>
             </a:extLst>
           </p:cNvPr>
@@ -26584,8 +26547,8 @@
         </p:blipFill>
         <p:spPr>
           <a:xfrm>
-            <a:off x="467544" y="1700808"/>
-            <a:ext cx="7809533" cy="3987362"/>
+            <a:off x="251520" y="1628800"/>
+            <a:ext cx="8280920" cy="4119442"/>
           </a:xfrm>
           <a:prstGeom prst="rect">
             <a:avLst/>
@@ -26594,6 +26557,43 @@
       </p:pic>
       <p:sp>
         <p:nvSpPr>
+          <p:cNvPr id="2" name="テキスト プレースホルダー 1">
+            <a:extLst>
+              <a:ext uri="{FF2B5EF4-FFF2-40B4-BE49-F238E27FC236}">
+                <a16:creationId xmlns:a16="http://schemas.microsoft.com/office/drawing/2014/main" id="{94C970AF-BE56-446B-9CB8-0EF49B11C074}"/>
+              </a:ext>
+            </a:extLst>
+          </p:cNvPr>
+          <p:cNvSpPr>
+            <a:spLocks noGrp="1"/>
+          </p:cNvSpPr>
+          <p:nvPr>
+            <p:ph type="body" sz="quarter" idx="10"/>
+          </p:nvPr>
+        </p:nvSpPr>
+        <p:spPr/>
+        <p:txBody>
+          <a:bodyPr/>
+          <a:lstStyle/>
+          <a:p>
+            <a:r>
+              <a:rPr lang="ja-JP" altLang="en-US"/>
+              <a:t>発展課題</a:t>
+            </a:r>
+            <a:r>
+              <a:rPr lang="en-US" altLang="ja-JP"/>
+              <a:t> - </a:t>
+            </a:r>
+            <a:r>
+              <a:rPr lang="ja-JP" altLang="en-US"/>
+              <a:t>プルリクエスト</a:t>
+            </a:r>
+            <a:endParaRPr kumimoji="1" lang="ja-JP" altLang="en-US"/>
+          </a:p>
+        </p:txBody>
+      </p:sp>
+      <p:sp>
+        <p:nvSpPr>
           <p:cNvPr id="5" name="四角形: 角を丸くする 4">
             <a:extLst>
               <a:ext uri="{FF2B5EF4-FFF2-40B4-BE49-F238E27FC236}">
@@ -26606,8 +26606,8 @@
         </p:nvSpPr>
         <p:spPr>
           <a:xfrm>
-            <a:off x="7236296" y="2060848"/>
-            <a:ext cx="576064" cy="360040"/>
+            <a:off x="6012160" y="2276872"/>
+            <a:ext cx="864096" cy="216024"/>
           </a:xfrm>
           <a:prstGeom prst="roundRect">
             <a:avLst/>
@@ -26659,7 +26659,7 @@
         <p:spPr>
           <a:xfrm>
             <a:off x="251520" y="1124744"/>
-            <a:ext cx="8699818" cy="461665"/>
+            <a:ext cx="4903907" cy="461665"/>
           </a:xfrm>
           <a:prstGeom prst="rect">
             <a:avLst/>
@@ -26673,22 +26673,10 @@
           <a:lstStyle/>
           <a:p>
             <a:r>
-              <a:rPr lang="ja-JP" altLang="en-US" sz="2400"/>
+              <a:rPr lang="ja-JP" altLang="en-US" sz="2400" dirty="0"/>
               <a:t>このボタンを押してフォークする</a:t>
             </a:r>
-            <a:r>
-              <a:rPr lang="en-US" altLang="ja-JP" sz="2400"/>
-              <a:t>(</a:t>
-            </a:r>
-            <a:r>
-              <a:rPr lang="ja-JP" altLang="en-US" sz="2400"/>
-              <a:t>数字をクリックしないこと</a:t>
-            </a:r>
-            <a:r>
-              <a:rPr lang="en-US" altLang="ja-JP" sz="2400"/>
-              <a:t>)</a:t>
-            </a:r>
-            <a:endParaRPr kumimoji="1" lang="ja-JP" altLang="en-US" sz="2400"/>
+            <a:endParaRPr kumimoji="1" lang="ja-JP" altLang="en-US" sz="2400" dirty="0"/>
           </a:p>
         </p:txBody>
       </p:sp>

--- a/practice_github_basic/fig/slide.pptx
+++ b/practice_github_basic/fig/slide.pptx
@@ -5,7 +5,7 @@
     <p:sldMasterId id="2147483663" r:id="rId1"/>
   </p:sldMasterIdLst>
   <p:notesMasterIdLst>
-    <p:notesMasterId r:id="rId53"/>
+    <p:notesMasterId r:id="rId55"/>
   </p:notesMasterIdLst>
   <p:sldIdLst>
     <p:sldId id="256" r:id="rId2"/>
@@ -51,14 +51,16 @@
     <p:sldId id="393" r:id="rId42"/>
     <p:sldId id="394" r:id="rId43"/>
     <p:sldId id="395" r:id="rId44"/>
-    <p:sldId id="396" r:id="rId45"/>
-    <p:sldId id="397" r:id="rId46"/>
-    <p:sldId id="398" r:id="rId47"/>
-    <p:sldId id="399" r:id="rId48"/>
-    <p:sldId id="400" r:id="rId49"/>
-    <p:sldId id="401" r:id="rId50"/>
-    <p:sldId id="402" r:id="rId51"/>
-    <p:sldId id="403" r:id="rId52"/>
+    <p:sldId id="405" r:id="rId45"/>
+    <p:sldId id="406" r:id="rId46"/>
+    <p:sldId id="408" r:id="rId47"/>
+    <p:sldId id="407" r:id="rId48"/>
+    <p:sldId id="398" r:id="rId49"/>
+    <p:sldId id="399" r:id="rId50"/>
+    <p:sldId id="400" r:id="rId51"/>
+    <p:sldId id="401" r:id="rId52"/>
+    <p:sldId id="402" r:id="rId53"/>
+    <p:sldId id="403" r:id="rId54"/>
   </p:sldIdLst>
   <p:sldSz cx="9144000" cy="6858000" type="screen4x3"/>
   <p:notesSz cx="6858000" cy="9144000"/>
@@ -257,7 +259,7 @@
           </a:lstStyle>
           <a:p>
             <a:fld id="{6B8D1B20-A248-FB47-8240-73C0C5F47C9D}" type="datetimeFigureOut">
-              <a:t>2022/9/27</a:t>
+              <a:t>2022/10/28</a:t>
             </a:fld>
             <a:endParaRPr kumimoji="1" lang="ja-JP" altLang="en-US"/>
           </a:p>
@@ -2336,6 +2338,53 @@
           <a:chExt cx="0" cy="0"/>
         </a:xfrm>
       </p:grpSpPr>
+      <p:pic>
+        <p:nvPicPr>
+          <p:cNvPr id="1026" name="Picture 2">
+            <a:extLst>
+              <a:ext uri="{FF2B5EF4-FFF2-40B4-BE49-F238E27FC236}">
+                <a16:creationId xmlns:a16="http://schemas.microsoft.com/office/drawing/2014/main" id="{9AA6627F-06F4-5A89-A030-BD9103F0BA8F}"/>
+              </a:ext>
+            </a:extLst>
+          </p:cNvPr>
+          <p:cNvPicPr>
+            <a:picLocks noChangeAspect="1" noChangeArrowheads="1"/>
+          </p:cNvPicPr>
+          <p:nvPr/>
+        </p:nvPicPr>
+        <p:blipFill>
+          <a:blip r:embed="rId2">
+            <a:extLst>
+              <a:ext uri="{28A0092B-C50C-407E-A947-70E740481C1C}">
+                <a14:useLocalDpi xmlns:a14="http://schemas.microsoft.com/office/drawing/2010/main" val="0"/>
+              </a:ext>
+            </a:extLst>
+          </a:blip>
+          <a:srcRect/>
+          <a:stretch>
+            <a:fillRect/>
+          </a:stretch>
+        </p:blipFill>
+        <p:spPr bwMode="auto">
+          <a:xfrm>
+            <a:off x="611560" y="1052736"/>
+            <a:ext cx="6912768" cy="4857310"/>
+          </a:xfrm>
+          <a:prstGeom prst="rect">
+            <a:avLst/>
+          </a:prstGeom>
+          <a:noFill/>
+          <a:extLst>
+            <a:ext uri="{909E8E84-426E-40DD-AFC4-6F175D3DCCD1}">
+              <a14:hiddenFill xmlns:a14="http://schemas.microsoft.com/office/drawing/2010/main">
+                <a:solidFill>
+                  <a:srgbClr val="FFFFFF"/>
+                </a:solidFill>
+              </a14:hiddenFill>
+            </a:ext>
+          </a:extLst>
+        </p:spPr>
+      </p:pic>
       <p:sp>
         <p:nvSpPr>
           <p:cNvPr id="2" name="テキスト プレースホルダー 1">
@@ -2373,36 +2422,6 @@
           </a:p>
         </p:txBody>
       </p:sp>
-      <p:pic>
-        <p:nvPicPr>
-          <p:cNvPr id="6" name="図 5">
-            <a:extLst>
-              <a:ext uri="{FF2B5EF4-FFF2-40B4-BE49-F238E27FC236}">
-                <a16:creationId xmlns:a16="http://schemas.microsoft.com/office/drawing/2014/main" id="{E71BC69D-7AB0-4FF0-9D61-0A25334C16B8}"/>
-              </a:ext>
-            </a:extLst>
-          </p:cNvPr>
-          <p:cNvPicPr>
-            <a:picLocks noChangeAspect="1"/>
-          </p:cNvPicPr>
-          <p:nvPr/>
-        </p:nvPicPr>
-        <p:blipFill>
-          <a:blip r:embed="rId2"/>
-          <a:stretch>
-            <a:fillRect/>
-          </a:stretch>
-        </p:blipFill>
-        <p:spPr>
-          <a:xfrm>
-            <a:off x="395536" y="1052736"/>
-            <a:ext cx="7704856" cy="4902452"/>
-          </a:xfrm>
-          <a:prstGeom prst="rect">
-            <a:avLst/>
-          </a:prstGeom>
-        </p:spPr>
-      </p:pic>
       <p:sp>
         <p:nvSpPr>
           <p:cNvPr id="7" name="四角形: 角を丸くする 6">
@@ -2417,11 +2436,13 @@
         </p:nvSpPr>
         <p:spPr>
           <a:xfrm>
-            <a:off x="899592" y="5301208"/>
-            <a:ext cx="1296144" cy="288032"/>
+            <a:off x="755576" y="3140968"/>
+            <a:ext cx="1152128" cy="216024"/>
           </a:xfrm>
           <a:prstGeom prst="roundRect">
-            <a:avLst/>
+            <a:avLst>
+              <a:gd name="adj" fmla="val 23550"/>
+            </a:avLst>
           </a:prstGeom>
           <a:noFill/>
           <a:ln w="38100">
@@ -2500,6 +2521,7 @@
             </a:extLst>
           </p:cNvPr>
           <p:cNvCxnSpPr>
+            <a:cxnSpLocks/>
             <a:stCxn id="8" idx="1"/>
             <a:endCxn id="7" idx="2"/>
           </p:cNvCxnSpPr>
@@ -2507,8 +2529,8 @@
         </p:nvCxnSpPr>
         <p:spPr>
           <a:xfrm rot="10800000">
-            <a:off x="1547664" y="5589240"/>
-            <a:ext cx="1656184" cy="760730"/>
+            <a:off x="1331640" y="3356992"/>
+            <a:ext cx="1872208" cy="2992978"/>
           </a:xfrm>
           <a:prstGeom prst="bentConnector2">
             <a:avLst/>
@@ -2566,6 +2588,53 @@
           <a:chExt cx="0" cy="0"/>
         </a:xfrm>
       </p:grpSpPr>
+      <p:pic>
+        <p:nvPicPr>
+          <p:cNvPr id="2050" name="Picture 2">
+            <a:extLst>
+              <a:ext uri="{FF2B5EF4-FFF2-40B4-BE49-F238E27FC236}">
+                <a16:creationId xmlns:a16="http://schemas.microsoft.com/office/drawing/2014/main" id="{E448FDF5-D21A-6CDF-0F68-C3E5EC48B3D7}"/>
+              </a:ext>
+            </a:extLst>
+          </p:cNvPr>
+          <p:cNvPicPr>
+            <a:picLocks noChangeAspect="1" noChangeArrowheads="1"/>
+          </p:cNvPicPr>
+          <p:nvPr/>
+        </p:nvPicPr>
+        <p:blipFill>
+          <a:blip r:embed="rId2">
+            <a:extLst>
+              <a:ext uri="{28A0092B-C50C-407E-A947-70E740481C1C}">
+                <a14:useLocalDpi xmlns:a14="http://schemas.microsoft.com/office/drawing/2010/main" val="0"/>
+              </a:ext>
+            </a:extLst>
+          </a:blip>
+          <a:srcRect/>
+          <a:stretch>
+            <a:fillRect/>
+          </a:stretch>
+        </p:blipFill>
+        <p:spPr bwMode="auto">
+          <a:xfrm>
+            <a:off x="683568" y="1628800"/>
+            <a:ext cx="7717890" cy="4320480"/>
+          </a:xfrm>
+          <a:prstGeom prst="rect">
+            <a:avLst/>
+          </a:prstGeom>
+          <a:noFill/>
+          <a:extLst>
+            <a:ext uri="{909E8E84-426E-40DD-AFC4-6F175D3DCCD1}">
+              <a14:hiddenFill xmlns:a14="http://schemas.microsoft.com/office/drawing/2010/main">
+                <a:solidFill>
+                  <a:srgbClr val="FFFFFF"/>
+                </a:solidFill>
+              </a14:hiddenFill>
+            </a:ext>
+          </a:extLst>
+        </p:spPr>
+      </p:pic>
       <p:sp>
         <p:nvSpPr>
           <p:cNvPr id="2" name="テキスト プレースホルダー 1">
@@ -2603,36 +2672,6 @@
           </a:p>
         </p:txBody>
       </p:sp>
-      <p:pic>
-        <p:nvPicPr>
-          <p:cNvPr id="4" name="図 3">
-            <a:extLst>
-              <a:ext uri="{FF2B5EF4-FFF2-40B4-BE49-F238E27FC236}">
-                <a16:creationId xmlns:a16="http://schemas.microsoft.com/office/drawing/2014/main" id="{D7FAEB9C-78C9-472E-B2C4-3BDA5733A0ED}"/>
-              </a:ext>
-            </a:extLst>
-          </p:cNvPr>
-          <p:cNvPicPr>
-            <a:picLocks noChangeAspect="1"/>
-          </p:cNvPicPr>
-          <p:nvPr/>
-        </p:nvPicPr>
-        <p:blipFill>
-          <a:blip r:embed="rId2"/>
-          <a:stretch>
-            <a:fillRect/>
-          </a:stretch>
-        </p:blipFill>
-        <p:spPr>
-          <a:xfrm>
-            <a:off x="179512" y="1556792"/>
-            <a:ext cx="8784976" cy="4669629"/>
-          </a:xfrm>
-          <a:prstGeom prst="rect">
-            <a:avLst/>
-          </a:prstGeom>
-        </p:spPr>
-      </p:pic>
       <p:sp>
         <p:nvSpPr>
           <p:cNvPr id="5" name="四角形: 角を丸くする 4">
@@ -2647,8 +2686,8 @@
         </p:nvSpPr>
         <p:spPr>
           <a:xfrm>
-            <a:off x="7236296" y="2636912"/>
-            <a:ext cx="1296144" cy="360040"/>
+            <a:off x="7524328" y="2636912"/>
+            <a:ext cx="792088" cy="360040"/>
           </a:xfrm>
           <a:prstGeom prst="roundRect">
             <a:avLst/>
@@ -2739,11 +2778,11 @@
         <p:spPr>
           <a:xfrm rot="10800000" flipH="1" flipV="1">
             <a:off x="7020272" y="1237402"/>
-            <a:ext cx="216024" cy="1579530"/>
+            <a:ext cx="504056" cy="1579530"/>
           </a:xfrm>
           <a:prstGeom prst="bentConnector3">
             <a:avLst>
-              <a:gd name="adj1" fmla="val -105822"/>
+              <a:gd name="adj1" fmla="val -45352"/>
             </a:avLst>
           </a:prstGeom>
           <a:ln>
@@ -4809,32 +4848,49 @@
       </p:grpSpPr>
       <p:pic>
         <p:nvPicPr>
-          <p:cNvPr id="15" name="図 14">
-            <a:extLst>
-              <a:ext uri="{FF2B5EF4-FFF2-40B4-BE49-F238E27FC236}">
-                <a16:creationId xmlns:a16="http://schemas.microsoft.com/office/drawing/2014/main" id="{02BB6D4E-F0FA-49AA-8EFD-4EFD9B7B3D2F}"/>
+          <p:cNvPr id="3074" name="Picture 2">
+            <a:extLst>
+              <a:ext uri="{FF2B5EF4-FFF2-40B4-BE49-F238E27FC236}">
+                <a16:creationId xmlns:a16="http://schemas.microsoft.com/office/drawing/2014/main" id="{BD501920-ADB7-3A51-87A2-A9CB30361633}"/>
               </a:ext>
             </a:extLst>
           </p:cNvPr>
           <p:cNvPicPr>
-            <a:picLocks noChangeAspect="1"/>
+            <a:picLocks noChangeAspect="1" noChangeArrowheads="1"/>
           </p:cNvPicPr>
           <p:nvPr/>
         </p:nvPicPr>
         <p:blipFill>
-          <a:blip r:embed="rId2"/>
+          <a:blip r:embed="rId2">
+            <a:extLst>
+              <a:ext uri="{28A0092B-C50C-407E-A947-70E740481C1C}">
+                <a14:useLocalDpi xmlns:a14="http://schemas.microsoft.com/office/drawing/2010/main" val="0"/>
+              </a:ext>
+            </a:extLst>
+          </a:blip>
+          <a:srcRect/>
           <a:stretch>
             <a:fillRect/>
           </a:stretch>
         </p:blipFill>
-        <p:spPr>
-          <a:xfrm>
-            <a:off x="395536" y="980728"/>
-            <a:ext cx="5832648" cy="5562930"/>
-          </a:xfrm>
-          <a:prstGeom prst="rect">
-            <a:avLst/>
-          </a:prstGeom>
+        <p:spPr bwMode="auto">
+          <a:xfrm>
+            <a:off x="539552" y="836712"/>
+            <a:ext cx="5400600" cy="5642820"/>
+          </a:xfrm>
+          <a:prstGeom prst="rect">
+            <a:avLst/>
+          </a:prstGeom>
+          <a:noFill/>
+          <a:extLst>
+            <a:ext uri="{909E8E84-426E-40DD-AFC4-6F175D3DCCD1}">
+              <a14:hiddenFill xmlns:a14="http://schemas.microsoft.com/office/drawing/2010/main">
+                <a:solidFill>
+                  <a:srgbClr val="FFFFFF"/>
+                </a:solidFill>
+              </a14:hiddenFill>
+            </a:ext>
+          </a:extLst>
         </p:spPr>
       </p:pic>
       <p:sp>
@@ -4888,8 +4944,8 @@
         </p:nvSpPr>
         <p:spPr>
           <a:xfrm>
-            <a:off x="683568" y="2780928"/>
-            <a:ext cx="4752528" cy="216024"/>
+            <a:off x="708204" y="2348880"/>
+            <a:ext cx="4511868" cy="216024"/>
           </a:xfrm>
           <a:prstGeom prst="roundRect">
             <a:avLst/>
@@ -4940,7 +4996,7 @@
         </p:nvSpPr>
         <p:spPr>
           <a:xfrm>
-            <a:off x="683568" y="3573016"/>
+            <a:off x="683568" y="2996952"/>
             <a:ext cx="2304256" cy="360040"/>
           </a:xfrm>
           <a:prstGeom prst="roundRect">
@@ -4993,7 +5049,7 @@
         <p:spPr>
           <a:xfrm>
             <a:off x="683568" y="5085184"/>
-            <a:ext cx="2952328" cy="576064"/>
+            <a:ext cx="1008112" cy="251158"/>
           </a:xfrm>
           <a:prstGeom prst="roundRect">
             <a:avLst/>
@@ -5044,7 +5100,7 @@
         </p:nvSpPr>
         <p:spPr>
           <a:xfrm>
-            <a:off x="683568" y="6093296"/>
+            <a:off x="683568" y="6021288"/>
             <a:ext cx="1008112" cy="288032"/>
           </a:xfrm>
           <a:prstGeom prst="roundRect">
@@ -5134,8 +5190,8 @@
         </p:nvCxnSpPr>
         <p:spPr>
           <a:xfrm rot="10800000">
-            <a:off x="1187624" y="6381328"/>
-            <a:ext cx="1008112" cy="184666"/>
+            <a:off x="1187624" y="6309320"/>
+            <a:ext cx="1008112" cy="256674"/>
           </a:xfrm>
           <a:prstGeom prst="bentConnector2">
             <a:avLst/>
@@ -5177,8 +5233,8 @@
         </p:nvSpPr>
         <p:spPr>
           <a:xfrm>
-            <a:off x="683568" y="4365104"/>
-            <a:ext cx="2952328" cy="288032"/>
+            <a:off x="683568" y="3789040"/>
+            <a:ext cx="2880320" cy="360040"/>
           </a:xfrm>
           <a:prstGeom prst="roundRect">
             <a:avLst/>
@@ -5267,9 +5323,9 @@
           <p:nvPr/>
         </p:nvCxnSpPr>
         <p:spPr>
-          <a:xfrm rot="10800000" flipV="1">
-            <a:off x="5436096" y="2677562"/>
-            <a:ext cx="1224136" cy="211378"/>
+          <a:xfrm rot="10800000">
+            <a:off x="5220072" y="2456892"/>
+            <a:ext cx="1440160" cy="220670"/>
           </a:xfrm>
           <a:prstGeom prst="bentConnector3">
             <a:avLst/>
@@ -5356,9 +5412,9 @@
           <p:nvPr/>
         </p:nvCxnSpPr>
         <p:spPr>
-          <a:xfrm rot="10800000" flipV="1">
-            <a:off x="2987824" y="3568368"/>
-            <a:ext cx="3888432" cy="184667"/>
+          <a:xfrm rot="10800000">
+            <a:off x="2987824" y="3176973"/>
+            <a:ext cx="3888432" cy="391397"/>
           </a:xfrm>
           <a:prstGeom prst="bentConnector3">
             <a:avLst/>
@@ -5436,15 +5492,16 @@
             </a:extLst>
           </p:cNvPr>
           <p:cNvCxnSpPr>
+            <a:cxnSpLocks/>
             <a:stCxn id="25" idx="1"/>
             <a:endCxn id="16" idx="3"/>
           </p:cNvCxnSpPr>
           <p:nvPr/>
         </p:nvCxnSpPr>
         <p:spPr>
-          <a:xfrm rot="10800000" flipV="1">
-            <a:off x="3635896" y="4310340"/>
-            <a:ext cx="2664296" cy="198780"/>
+          <a:xfrm rot="10800000">
+            <a:off x="3563888" y="3969060"/>
+            <a:ext cx="2736304" cy="341280"/>
           </a:xfrm>
           <a:prstGeom prst="bentConnector3">
             <a:avLst/>
@@ -5533,15 +5590,16 @@
             </a:extLst>
           </p:cNvPr>
           <p:cNvCxnSpPr>
+            <a:cxnSpLocks/>
             <a:stCxn id="30" idx="1"/>
             <a:endCxn id="7" idx="3"/>
           </p:cNvCxnSpPr>
           <p:nvPr/>
         </p:nvCxnSpPr>
         <p:spPr>
-          <a:xfrm rot="10800000" flipV="1">
-            <a:off x="3635896" y="5336342"/>
-            <a:ext cx="2808312" cy="36874"/>
+          <a:xfrm rot="10800000">
+            <a:off x="1691680" y="5210764"/>
+            <a:ext cx="4752528" cy="125579"/>
           </a:xfrm>
           <a:prstGeom prst="bentConnector3">
             <a:avLst/>
@@ -12446,6 +12504,53 @@
           <a:chExt cx="0" cy="0"/>
         </a:xfrm>
       </p:grpSpPr>
+      <p:pic>
+        <p:nvPicPr>
+          <p:cNvPr id="4098" name="Picture 2">
+            <a:extLst>
+              <a:ext uri="{FF2B5EF4-FFF2-40B4-BE49-F238E27FC236}">
+                <a16:creationId xmlns:a16="http://schemas.microsoft.com/office/drawing/2014/main" id="{1B46CEBD-0D4D-9F17-910B-564E4F8497C2}"/>
+              </a:ext>
+            </a:extLst>
+          </p:cNvPr>
+          <p:cNvPicPr>
+            <a:picLocks noChangeAspect="1" noChangeArrowheads="1"/>
+          </p:cNvPicPr>
+          <p:nvPr/>
+        </p:nvPicPr>
+        <p:blipFill>
+          <a:blip r:embed="rId2">
+            <a:extLst>
+              <a:ext uri="{28A0092B-C50C-407E-A947-70E740481C1C}">
+                <a14:useLocalDpi xmlns:a14="http://schemas.microsoft.com/office/drawing/2010/main" val="0"/>
+              </a:ext>
+            </a:extLst>
+          </a:blip>
+          <a:srcRect/>
+          <a:stretch>
+            <a:fillRect/>
+          </a:stretch>
+        </p:blipFill>
+        <p:spPr bwMode="auto">
+          <a:xfrm>
+            <a:off x="539552" y="1412776"/>
+            <a:ext cx="5445323" cy="5173961"/>
+          </a:xfrm>
+          <a:prstGeom prst="rect">
+            <a:avLst/>
+          </a:prstGeom>
+          <a:noFill/>
+          <a:extLst>
+            <a:ext uri="{909E8E84-426E-40DD-AFC4-6F175D3DCCD1}">
+              <a14:hiddenFill xmlns:a14="http://schemas.microsoft.com/office/drawing/2010/main">
+                <a:solidFill>
+                  <a:srgbClr val="FFFFFF"/>
+                </a:solidFill>
+              </a14:hiddenFill>
+            </a:ext>
+          </a:extLst>
+        </p:spPr>
+      </p:pic>
       <p:sp>
         <p:nvSpPr>
           <p:cNvPr id="2" name="テキスト プレースホルダー 1">
@@ -12522,36 +12627,6 @@
           </a:p>
         </p:txBody>
       </p:sp>
-      <p:pic>
-        <p:nvPicPr>
-          <p:cNvPr id="5" name="図 4">
-            <a:extLst>
-              <a:ext uri="{FF2B5EF4-FFF2-40B4-BE49-F238E27FC236}">
-                <a16:creationId xmlns:a16="http://schemas.microsoft.com/office/drawing/2014/main" id="{59F43244-ABC3-482A-8786-2BD8EBF89DD8}"/>
-              </a:ext>
-            </a:extLst>
-          </p:cNvPr>
-          <p:cNvPicPr>
-            <a:picLocks noChangeAspect="1"/>
-          </p:cNvPicPr>
-          <p:nvPr/>
-        </p:nvPicPr>
-        <p:blipFill>
-          <a:blip r:embed="rId2"/>
-          <a:stretch>
-            <a:fillRect/>
-          </a:stretch>
-        </p:blipFill>
-        <p:spPr>
-          <a:xfrm>
-            <a:off x="467544" y="1484784"/>
-            <a:ext cx="6336704" cy="4951077"/>
-          </a:xfrm>
-          <a:prstGeom prst="rect">
-            <a:avLst/>
-          </a:prstGeom>
-        </p:spPr>
-      </p:pic>
       <p:sp>
         <p:nvSpPr>
           <p:cNvPr id="6" name="四角形: 角を丸くする 5">
@@ -12566,8 +12641,8 @@
         </p:nvSpPr>
         <p:spPr>
           <a:xfrm>
-            <a:off x="611560" y="3212976"/>
-            <a:ext cx="4896544" cy="360040"/>
+            <a:off x="755576" y="2924944"/>
+            <a:ext cx="4392488" cy="288032"/>
           </a:xfrm>
           <a:prstGeom prst="roundRect">
             <a:avLst/>
@@ -12618,8 +12693,8 @@
         </p:nvSpPr>
         <p:spPr>
           <a:xfrm>
-            <a:off x="611560" y="4005064"/>
-            <a:ext cx="4896544" cy="432048"/>
+            <a:off x="755576" y="3501008"/>
+            <a:ext cx="4320480" cy="432048"/>
           </a:xfrm>
           <a:prstGeom prst="roundRect">
             <a:avLst/>
@@ -12670,8 +12745,8 @@
         </p:nvSpPr>
         <p:spPr>
           <a:xfrm>
-            <a:off x="611560" y="4797152"/>
-            <a:ext cx="216024" cy="1080120"/>
+            <a:off x="683568" y="4293096"/>
+            <a:ext cx="2592288" cy="1440160"/>
           </a:xfrm>
           <a:prstGeom prst="roundRect">
             <a:avLst/>
@@ -12808,15 +12883,16 @@
             </a:extLst>
           </p:cNvPr>
           <p:cNvCxnSpPr>
+            <a:cxnSpLocks/>
             <a:stCxn id="10" idx="1"/>
             <a:endCxn id="7" idx="3"/>
           </p:cNvCxnSpPr>
           <p:nvPr/>
         </p:nvCxnSpPr>
         <p:spPr>
-          <a:xfrm flipH="1">
-            <a:off x="5508104" y="4221088"/>
-            <a:ext cx="1656184" cy="0"/>
+          <a:xfrm flipH="1" flipV="1">
+            <a:off x="5076056" y="3717032"/>
+            <a:ext cx="2088232" cy="504056"/>
           </a:xfrm>
           <a:prstGeom prst="straightConnector1">
             <a:avLst/>
@@ -12862,8 +12938,8 @@
         </p:nvCxnSpPr>
         <p:spPr>
           <a:xfrm flipH="1" flipV="1">
-            <a:off x="5508104" y="3392996"/>
-            <a:ext cx="1512168" cy="871"/>
+            <a:off x="5148064" y="3068960"/>
+            <a:ext cx="1872208" cy="324907"/>
           </a:xfrm>
           <a:prstGeom prst="straightConnector1">
             <a:avLst/>
@@ -12905,8 +12981,8 @@
         </p:nvSpPr>
         <p:spPr>
           <a:xfrm>
-            <a:off x="5652120" y="5229200"/>
-            <a:ext cx="2954655" cy="369332"/>
+            <a:off x="6372200" y="4690010"/>
+            <a:ext cx="1890261" cy="646331"/>
           </a:xfrm>
           <a:prstGeom prst="rect">
             <a:avLst/>
@@ -12920,9 +12996,25 @@
           <a:lstStyle/>
           <a:p>
             <a:r>
-              <a:rPr kumimoji="1" lang="ja-JP" altLang="en-US"/>
-              <a:t>チェックを全て外しておく</a:t>
-            </a:r>
+              <a:rPr kumimoji="1" lang="ja-JP" altLang="en-US" dirty="0"/>
+              <a:t>チェックは外す</a:t>
+            </a:r>
+            <a:endParaRPr kumimoji="1" lang="en-US" altLang="ja-JP" dirty="0"/>
+          </a:p>
+          <a:p>
+            <a:r>
+              <a:rPr lang="ja-JP" altLang="en-US" dirty="0"/>
+              <a:t>残りは「</a:t>
+            </a:r>
+            <a:r>
+              <a:rPr lang="en-US" altLang="ja-JP" dirty="0"/>
+              <a:t>None</a:t>
+            </a:r>
+            <a:r>
+              <a:rPr lang="ja-JP" altLang="en-US" dirty="0"/>
+              <a:t>」</a:t>
+            </a:r>
+            <a:endParaRPr lang="en-US" altLang="ja-JP" dirty="0"/>
           </a:p>
         </p:txBody>
       </p:sp>
@@ -12936,16 +13028,151 @@
             </a:extLst>
           </p:cNvPr>
           <p:cNvCxnSpPr>
+            <a:cxnSpLocks/>
+            <a:stCxn id="17" idx="1"/>
             <a:endCxn id="8" idx="3"/>
           </p:cNvCxnSpPr>
           <p:nvPr/>
         </p:nvCxnSpPr>
         <p:spPr>
-          <a:xfrm flipH="1" flipV="1">
-            <a:off x="827584" y="5337212"/>
-            <a:ext cx="4824536" cy="36004"/>
+          <a:xfrm flipH="1">
+            <a:off x="3275856" y="5013176"/>
+            <a:ext cx="3096344" cy="0"/>
           </a:xfrm>
           <a:prstGeom prst="straightConnector1">
+            <a:avLst/>
+          </a:prstGeom>
+          <a:ln>
+            <a:solidFill>
+              <a:schemeClr val="tx1"/>
+            </a:solidFill>
+            <a:headEnd type="none" w="med" len="med"/>
+            <a:tailEnd type="triangle"/>
+          </a:ln>
+        </p:spPr>
+        <p:style>
+          <a:lnRef idx="1">
+            <a:schemeClr val="accent1"/>
+          </a:lnRef>
+          <a:fillRef idx="0">
+            <a:schemeClr val="accent1"/>
+          </a:fillRef>
+          <a:effectRef idx="0">
+            <a:schemeClr val="accent1"/>
+          </a:effectRef>
+          <a:fontRef idx="minor">
+            <a:schemeClr val="tx1"/>
+          </a:fontRef>
+        </p:style>
+      </p:cxnSp>
+      <p:sp>
+        <p:nvSpPr>
+          <p:cNvPr id="24" name="四角形: 角を丸くする 23">
+            <a:extLst>
+              <a:ext uri="{FF2B5EF4-FFF2-40B4-BE49-F238E27FC236}">
+                <a16:creationId xmlns:a16="http://schemas.microsoft.com/office/drawing/2014/main" id="{B39D14F3-FFF5-BF24-E531-C830288B4B8B}"/>
+              </a:ext>
+            </a:extLst>
+          </p:cNvPr>
+          <p:cNvSpPr/>
+          <p:nvPr/>
+        </p:nvSpPr>
+        <p:spPr>
+          <a:xfrm>
+            <a:off x="755576" y="6146327"/>
+            <a:ext cx="1008112" cy="288032"/>
+          </a:xfrm>
+          <a:prstGeom prst="roundRect">
+            <a:avLst/>
+          </a:prstGeom>
+          <a:noFill/>
+          <a:ln w="38100">
+            <a:solidFill>
+              <a:srgbClr val="FF0000"/>
+            </a:solidFill>
+          </a:ln>
+        </p:spPr>
+        <p:style>
+          <a:lnRef idx="2">
+            <a:schemeClr val="accent1">
+              <a:shade val="50000"/>
+            </a:schemeClr>
+          </a:lnRef>
+          <a:fillRef idx="1">
+            <a:schemeClr val="accent1"/>
+          </a:fillRef>
+          <a:effectRef idx="0">
+            <a:schemeClr val="accent1"/>
+          </a:effectRef>
+          <a:fontRef idx="minor">
+            <a:schemeClr val="lt1"/>
+          </a:fontRef>
+        </p:style>
+        <p:txBody>
+          <a:bodyPr rtlCol="0" anchor="ctr"/>
+          <a:lstStyle/>
+          <a:p>
+            <a:pPr algn="ctr"/>
+            <a:endParaRPr kumimoji="1" lang="ja-JP" altLang="en-US"/>
+          </a:p>
+        </p:txBody>
+      </p:sp>
+      <p:sp>
+        <p:nvSpPr>
+          <p:cNvPr id="25" name="テキスト ボックス 24">
+            <a:extLst>
+              <a:ext uri="{FF2B5EF4-FFF2-40B4-BE49-F238E27FC236}">
+                <a16:creationId xmlns:a16="http://schemas.microsoft.com/office/drawing/2014/main" id="{CB96415E-3368-24A8-D649-42A6D478D31B}"/>
+              </a:ext>
+            </a:extLst>
+          </p:cNvPr>
+          <p:cNvSpPr txBox="1"/>
+          <p:nvPr/>
+        </p:nvSpPr>
+        <p:spPr>
+          <a:xfrm>
+            <a:off x="2627784" y="6381328"/>
+            <a:ext cx="1338828" cy="369332"/>
+          </a:xfrm>
+          <a:prstGeom prst="rect">
+            <a:avLst/>
+          </a:prstGeom>
+          <a:noFill/>
+        </p:spPr>
+        <p:txBody>
+          <a:bodyPr wrap="none" rtlCol="0">
+            <a:spAutoFit/>
+          </a:bodyPr>
+          <a:lstStyle/>
+          <a:p>
+            <a:r>
+              <a:rPr kumimoji="1" lang="ja-JP" altLang="en-US" dirty="0"/>
+              <a:t>最後に押す</a:t>
+            </a:r>
+          </a:p>
+        </p:txBody>
+      </p:sp>
+      <p:cxnSp>
+        <p:nvCxnSpPr>
+          <p:cNvPr id="26" name="コネクタ: カギ線 25">
+            <a:extLst>
+              <a:ext uri="{FF2B5EF4-FFF2-40B4-BE49-F238E27FC236}">
+                <a16:creationId xmlns:a16="http://schemas.microsoft.com/office/drawing/2014/main" id="{8692CD2A-A671-5B46-4DF4-21F15DDC034A}"/>
+              </a:ext>
+            </a:extLst>
+          </p:cNvPr>
+          <p:cNvCxnSpPr>
+            <a:stCxn id="25" idx="1"/>
+            <a:endCxn id="24" idx="2"/>
+          </p:cNvCxnSpPr>
+          <p:nvPr/>
+        </p:nvCxnSpPr>
+        <p:spPr>
+          <a:xfrm rot="10800000">
+            <a:off x="1259632" y="6434360"/>
+            <a:ext cx="1368152" cy="131635"/>
+          </a:xfrm>
+          <a:prstGeom prst="bentConnector2">
             <a:avLst/>
           </a:prstGeom>
           <a:ln>
@@ -19020,10 +19247,10 @@
           <a:p>
             <a:pPr algn="ctr"/>
             <a:r>
-              <a:rPr kumimoji="1" lang="en-US" altLang="ja-JP"/>
+              <a:rPr kumimoji="1" lang="en-US" altLang="ja-JP" dirty="0"/>
               <a:t>1</a:t>
             </a:r>
-            <a:endParaRPr kumimoji="1" lang="ja-JP" altLang="en-US"/>
+            <a:endParaRPr kumimoji="1" lang="ja-JP" altLang="en-US" dirty="0"/>
           </a:p>
         </p:txBody>
       </p:sp>
@@ -22838,10 +23065,10 @@
           <a:lstStyle/>
           <a:p>
             <a:r>
-              <a:rPr lang="ja-JP" altLang="en-US" sz="3200"/>
+              <a:rPr lang="ja-JP" altLang="en-US" sz="3200" dirty="0"/>
               <a:t>カンバン方式</a:t>
             </a:r>
-            <a:endParaRPr kumimoji="1" lang="ja-JP" altLang="en-US" sz="3200"/>
+            <a:endParaRPr kumimoji="1" lang="ja-JP" altLang="en-US" sz="3200" dirty="0"/>
           </a:p>
         </p:txBody>
       </p:sp>
@@ -23588,6 +23815,53 @@
           <a:chExt cx="0" cy="0"/>
         </a:xfrm>
       </p:grpSpPr>
+      <p:pic>
+        <p:nvPicPr>
+          <p:cNvPr id="5124" name="Picture 4">
+            <a:extLst>
+              <a:ext uri="{FF2B5EF4-FFF2-40B4-BE49-F238E27FC236}">
+                <a16:creationId xmlns:a16="http://schemas.microsoft.com/office/drawing/2014/main" id="{2C455BDE-D40D-9443-7556-186EADCE75E9}"/>
+              </a:ext>
+            </a:extLst>
+          </p:cNvPr>
+          <p:cNvPicPr>
+            <a:picLocks noChangeAspect="1" noChangeArrowheads="1"/>
+          </p:cNvPicPr>
+          <p:nvPr/>
+        </p:nvPicPr>
+        <p:blipFill>
+          <a:blip r:embed="rId2">
+            <a:extLst>
+              <a:ext uri="{28A0092B-C50C-407E-A947-70E740481C1C}">
+                <a14:useLocalDpi xmlns:a14="http://schemas.microsoft.com/office/drawing/2010/main" val="0"/>
+              </a:ext>
+            </a:extLst>
+          </a:blip>
+          <a:srcRect/>
+          <a:stretch>
+            <a:fillRect/>
+          </a:stretch>
+        </p:blipFill>
+        <p:spPr bwMode="auto">
+          <a:xfrm>
+            <a:off x="611559" y="1556792"/>
+            <a:ext cx="7869477" cy="4248472"/>
+          </a:xfrm>
+          <a:prstGeom prst="rect">
+            <a:avLst/>
+          </a:prstGeom>
+          <a:noFill/>
+          <a:extLst>
+            <a:ext uri="{909E8E84-426E-40DD-AFC4-6F175D3DCCD1}">
+              <a14:hiddenFill xmlns:a14="http://schemas.microsoft.com/office/drawing/2010/main">
+                <a:solidFill>
+                  <a:srgbClr val="FFFFFF"/>
+                </a:solidFill>
+              </a14:hiddenFill>
+            </a:ext>
+          </a:extLst>
+        </p:spPr>
+      </p:pic>
       <p:sp>
         <p:nvSpPr>
           <p:cNvPr id="2" name="テキスト プレースホルダー 1">
@@ -23610,47 +23884,17 @@
           <a:lstStyle/>
           <a:p>
             <a:r>
-              <a:rPr lang="ja-JP" altLang="en-US"/>
+              <a:rPr lang="ja-JP" altLang="en-US" dirty="0"/>
               <a:t>課題</a:t>
             </a:r>
             <a:r>
-              <a:rPr lang="en-US" altLang="ja-JP"/>
+              <a:rPr lang="en-US" altLang="ja-JP" dirty="0"/>
               <a:t>4 - Step 1</a:t>
             </a:r>
-            <a:endParaRPr kumimoji="1" lang="ja-JP" altLang="en-US"/>
-          </a:p>
-        </p:txBody>
-      </p:sp>
-      <p:pic>
-        <p:nvPicPr>
-          <p:cNvPr id="4" name="図 3">
-            <a:extLst>
-              <a:ext uri="{FF2B5EF4-FFF2-40B4-BE49-F238E27FC236}">
-                <a16:creationId xmlns:a16="http://schemas.microsoft.com/office/drawing/2014/main" id="{D80D9C16-D0DE-4AA8-80A5-A8B3FA4FBC15}"/>
-              </a:ext>
-            </a:extLst>
-          </p:cNvPr>
-          <p:cNvPicPr>
-            <a:picLocks noChangeAspect="1"/>
-          </p:cNvPicPr>
-          <p:nvPr/>
-        </p:nvPicPr>
-        <p:blipFill>
-          <a:blip r:embed="rId2"/>
-          <a:stretch>
-            <a:fillRect/>
-          </a:stretch>
-        </p:blipFill>
-        <p:spPr>
-          <a:xfrm>
-            <a:off x="0" y="1988840"/>
-            <a:ext cx="9144000" cy="3727576"/>
-          </a:xfrm>
-          <a:prstGeom prst="rect">
-            <a:avLst/>
-          </a:prstGeom>
-        </p:spPr>
-      </p:pic>
+            <a:endParaRPr kumimoji="1" lang="ja-JP" altLang="en-US" dirty="0"/>
+          </a:p>
+        </p:txBody>
+      </p:sp>
       <p:sp>
         <p:nvSpPr>
           <p:cNvPr id="5" name="テキスト ボックス 4">
@@ -23704,8 +23948,8 @@
         </p:nvSpPr>
         <p:spPr>
           <a:xfrm>
-            <a:off x="3419872" y="2492896"/>
-            <a:ext cx="936104" cy="360040"/>
+            <a:off x="3419872" y="1988840"/>
+            <a:ext cx="720080" cy="216024"/>
           </a:xfrm>
           <a:prstGeom prst="roundRect">
             <a:avLst/>
@@ -23756,8 +24000,8 @@
         </p:nvSpPr>
         <p:spPr>
           <a:xfrm>
-            <a:off x="7884368" y="3284984"/>
-            <a:ext cx="1259632" cy="432048"/>
+            <a:off x="7452320" y="3645024"/>
+            <a:ext cx="1008112" cy="288032"/>
           </a:xfrm>
           <a:prstGeom prst="roundRect">
             <a:avLst/>
@@ -23790,6 +24034,232 @@
           <a:lstStyle/>
           <a:p>
             <a:pPr algn="ctr"/>
+            <a:endParaRPr kumimoji="1" lang="ja-JP" altLang="en-US"/>
+          </a:p>
+        </p:txBody>
+      </p:sp>
+      <p:sp>
+        <p:nvSpPr>
+          <p:cNvPr id="3" name="四角形: 角を丸くする 2">
+            <a:extLst>
+              <a:ext uri="{FF2B5EF4-FFF2-40B4-BE49-F238E27FC236}">
+                <a16:creationId xmlns:a16="http://schemas.microsoft.com/office/drawing/2014/main" id="{A713AE57-7E6E-9815-737E-1A458C81FB3A}"/>
+              </a:ext>
+            </a:extLst>
+          </p:cNvPr>
+          <p:cNvSpPr/>
+          <p:nvPr/>
+        </p:nvSpPr>
+        <p:spPr>
+          <a:xfrm>
+            <a:off x="5436096" y="4797152"/>
+            <a:ext cx="1944216" cy="288032"/>
+          </a:xfrm>
+          <a:prstGeom prst="roundRect">
+            <a:avLst/>
+          </a:prstGeom>
+          <a:noFill/>
+          <a:ln w="38100">
+            <a:solidFill>
+              <a:srgbClr val="FF0000"/>
+            </a:solidFill>
+          </a:ln>
+        </p:spPr>
+        <p:style>
+          <a:lnRef idx="2">
+            <a:schemeClr val="accent1">
+              <a:shade val="50000"/>
+            </a:schemeClr>
+          </a:lnRef>
+          <a:fillRef idx="1">
+            <a:schemeClr val="accent1"/>
+          </a:fillRef>
+          <a:effectRef idx="0">
+            <a:schemeClr val="accent1"/>
+          </a:effectRef>
+          <a:fontRef idx="minor">
+            <a:schemeClr val="lt1"/>
+          </a:fontRef>
+        </p:style>
+        <p:txBody>
+          <a:bodyPr rtlCol="0" anchor="ctr"/>
+          <a:lstStyle/>
+          <a:p>
+            <a:pPr algn="ctr"/>
+            <a:endParaRPr kumimoji="1" lang="ja-JP" altLang="en-US"/>
+          </a:p>
+        </p:txBody>
+      </p:sp>
+      <p:sp>
+        <p:nvSpPr>
+          <p:cNvPr id="8" name="楕円 7">
+            <a:extLst>
+              <a:ext uri="{FF2B5EF4-FFF2-40B4-BE49-F238E27FC236}">
+                <a16:creationId xmlns:a16="http://schemas.microsoft.com/office/drawing/2014/main" id="{47696DE3-4892-BA82-8EA5-0708507EEBA4}"/>
+              </a:ext>
+            </a:extLst>
+          </p:cNvPr>
+          <p:cNvSpPr/>
+          <p:nvPr/>
+        </p:nvSpPr>
+        <p:spPr>
+          <a:xfrm>
+            <a:off x="3707904" y="1484784"/>
+            <a:ext cx="432048" cy="438572"/>
+          </a:xfrm>
+          <a:prstGeom prst="ellipse">
+            <a:avLst/>
+          </a:prstGeom>
+          <a:solidFill>
+            <a:srgbClr val="FF0000"/>
+          </a:solidFill>
+          <a:ln>
+            <a:solidFill>
+              <a:schemeClr val="tx1"/>
+            </a:solidFill>
+          </a:ln>
+        </p:spPr>
+        <p:style>
+          <a:lnRef idx="2">
+            <a:schemeClr val="accent1">
+              <a:shade val="50000"/>
+            </a:schemeClr>
+          </a:lnRef>
+          <a:fillRef idx="1">
+            <a:schemeClr val="accent1"/>
+          </a:fillRef>
+          <a:effectRef idx="0">
+            <a:schemeClr val="accent1"/>
+          </a:effectRef>
+          <a:fontRef idx="minor">
+            <a:schemeClr val="lt1"/>
+          </a:fontRef>
+        </p:style>
+        <p:txBody>
+          <a:bodyPr rtlCol="0" anchor="ctr"/>
+          <a:lstStyle/>
+          <a:p>
+            <a:pPr algn="ctr"/>
+            <a:r>
+              <a:rPr kumimoji="1" lang="en-US" altLang="ja-JP" dirty="0"/>
+              <a:t>1</a:t>
+            </a:r>
+            <a:endParaRPr kumimoji="1" lang="ja-JP" altLang="en-US" dirty="0"/>
+          </a:p>
+        </p:txBody>
+      </p:sp>
+      <p:sp>
+        <p:nvSpPr>
+          <p:cNvPr id="9" name="楕円 8">
+            <a:extLst>
+              <a:ext uri="{FF2B5EF4-FFF2-40B4-BE49-F238E27FC236}">
+                <a16:creationId xmlns:a16="http://schemas.microsoft.com/office/drawing/2014/main" id="{5FA596F8-3BB5-2AFC-F558-8E265BB9A275}"/>
+              </a:ext>
+            </a:extLst>
+          </p:cNvPr>
+          <p:cNvSpPr/>
+          <p:nvPr/>
+        </p:nvSpPr>
+        <p:spPr>
+          <a:xfrm>
+            <a:off x="8604448" y="3501008"/>
+            <a:ext cx="432048" cy="438572"/>
+          </a:xfrm>
+          <a:prstGeom prst="ellipse">
+            <a:avLst/>
+          </a:prstGeom>
+          <a:solidFill>
+            <a:srgbClr val="FF0000"/>
+          </a:solidFill>
+          <a:ln>
+            <a:solidFill>
+              <a:schemeClr val="tx1"/>
+            </a:solidFill>
+          </a:ln>
+        </p:spPr>
+        <p:style>
+          <a:lnRef idx="2">
+            <a:schemeClr val="accent1">
+              <a:shade val="50000"/>
+            </a:schemeClr>
+          </a:lnRef>
+          <a:fillRef idx="1">
+            <a:schemeClr val="accent1"/>
+          </a:fillRef>
+          <a:effectRef idx="0">
+            <a:schemeClr val="accent1"/>
+          </a:effectRef>
+          <a:fontRef idx="minor">
+            <a:schemeClr val="lt1"/>
+          </a:fontRef>
+        </p:style>
+        <p:txBody>
+          <a:bodyPr rtlCol="0" anchor="ctr"/>
+          <a:lstStyle/>
+          <a:p>
+            <a:pPr algn="ctr"/>
+            <a:r>
+              <a:rPr kumimoji="1" lang="en-US" altLang="ja-JP"/>
+              <a:t>2</a:t>
+            </a:r>
+            <a:endParaRPr kumimoji="1" lang="ja-JP" altLang="en-US"/>
+          </a:p>
+        </p:txBody>
+      </p:sp>
+      <p:sp>
+        <p:nvSpPr>
+          <p:cNvPr id="10" name="楕円 9">
+            <a:extLst>
+              <a:ext uri="{FF2B5EF4-FFF2-40B4-BE49-F238E27FC236}">
+                <a16:creationId xmlns:a16="http://schemas.microsoft.com/office/drawing/2014/main" id="{9EDAE2A4-55D5-27D1-43D3-103C83E51979}"/>
+              </a:ext>
+            </a:extLst>
+          </p:cNvPr>
+          <p:cNvSpPr/>
+          <p:nvPr/>
+        </p:nvSpPr>
+        <p:spPr>
+          <a:xfrm>
+            <a:off x="5004048" y="4725144"/>
+            <a:ext cx="432048" cy="438572"/>
+          </a:xfrm>
+          <a:prstGeom prst="ellipse">
+            <a:avLst/>
+          </a:prstGeom>
+          <a:solidFill>
+            <a:srgbClr val="FF0000"/>
+          </a:solidFill>
+          <a:ln>
+            <a:solidFill>
+              <a:schemeClr val="tx1"/>
+            </a:solidFill>
+          </a:ln>
+        </p:spPr>
+        <p:style>
+          <a:lnRef idx="2">
+            <a:schemeClr val="accent1">
+              <a:shade val="50000"/>
+            </a:schemeClr>
+          </a:lnRef>
+          <a:fillRef idx="1">
+            <a:schemeClr val="accent1"/>
+          </a:fillRef>
+          <a:effectRef idx="0">
+            <a:schemeClr val="accent1"/>
+          </a:effectRef>
+          <a:fontRef idx="minor">
+            <a:schemeClr val="lt1"/>
+          </a:fontRef>
+        </p:style>
+        <p:txBody>
+          <a:bodyPr rtlCol="0" anchor="ctr"/>
+          <a:lstStyle/>
+          <a:p>
+            <a:pPr algn="ctr"/>
+            <a:r>
+              <a:rPr lang="en-US" altLang="ja-JP"/>
+              <a:t>3</a:t>
+            </a:r>
             <a:endParaRPr kumimoji="1" lang="ja-JP" altLang="en-US"/>
           </a:p>
         </p:txBody>
@@ -23824,12 +24294,59 @@
           <a:chExt cx="0" cy="0"/>
         </a:xfrm>
       </p:grpSpPr>
+      <p:pic>
+        <p:nvPicPr>
+          <p:cNvPr id="8196" name="Picture 4">
+            <a:extLst>
+              <a:ext uri="{FF2B5EF4-FFF2-40B4-BE49-F238E27FC236}">
+                <a16:creationId xmlns:a16="http://schemas.microsoft.com/office/drawing/2014/main" id="{1DB58A73-F50E-9CB9-9D50-1A058B933519}"/>
+              </a:ext>
+            </a:extLst>
+          </p:cNvPr>
+          <p:cNvPicPr>
+            <a:picLocks noChangeAspect="1" noChangeArrowheads="1"/>
+          </p:cNvPicPr>
+          <p:nvPr/>
+        </p:nvPicPr>
+        <p:blipFill>
+          <a:blip r:embed="rId2">
+            <a:extLst>
+              <a:ext uri="{28A0092B-C50C-407E-A947-70E740481C1C}">
+                <a14:useLocalDpi xmlns:a14="http://schemas.microsoft.com/office/drawing/2010/main" val="0"/>
+              </a:ext>
+            </a:extLst>
+          </a:blip>
+          <a:srcRect/>
+          <a:stretch>
+            <a:fillRect/>
+          </a:stretch>
+        </p:blipFill>
+        <p:spPr bwMode="auto">
+          <a:xfrm>
+            <a:off x="4283968" y="2204864"/>
+            <a:ext cx="4680520" cy="2487984"/>
+          </a:xfrm>
+          <a:prstGeom prst="rect">
+            <a:avLst/>
+          </a:prstGeom>
+          <a:noFill/>
+          <a:extLst>
+            <a:ext uri="{909E8E84-426E-40DD-AFC4-6F175D3DCCD1}">
+              <a14:hiddenFill xmlns:a14="http://schemas.microsoft.com/office/drawing/2010/main">
+                <a:solidFill>
+                  <a:srgbClr val="FFFFFF"/>
+                </a:solidFill>
+              </a14:hiddenFill>
+            </a:ext>
+          </a:extLst>
+        </p:spPr>
+      </p:pic>
       <p:sp>
         <p:nvSpPr>
           <p:cNvPr id="2" name="テキスト プレースホルダー 1">
             <a:extLst>
               <a:ext uri="{FF2B5EF4-FFF2-40B4-BE49-F238E27FC236}">
-                <a16:creationId xmlns:a16="http://schemas.microsoft.com/office/drawing/2014/main" id="{0D4701DB-10EF-442D-A36C-3BCF3D5B3756}"/>
+                <a16:creationId xmlns:a16="http://schemas.microsoft.com/office/drawing/2014/main" id="{7A074C00-59B3-1C2F-684F-44D79ED19E6C}"/>
               </a:ext>
             </a:extLst>
           </p:cNvPr>
@@ -23846,53 +24363,23 @@
           <a:lstStyle/>
           <a:p>
             <a:r>
-              <a:rPr lang="ja-JP" altLang="en-US"/>
+              <a:rPr lang="ja-JP" altLang="en-US" dirty="0"/>
               <a:t>課題</a:t>
             </a:r>
             <a:r>
-              <a:rPr lang="en-US" altLang="ja-JP"/>
+              <a:rPr lang="en-US" altLang="ja-JP" dirty="0"/>
               <a:t>4 - Step 1</a:t>
             </a:r>
-            <a:endParaRPr kumimoji="1" lang="ja-JP" altLang="en-US"/>
-          </a:p>
-        </p:txBody>
-      </p:sp>
-      <p:pic>
-        <p:nvPicPr>
-          <p:cNvPr id="4" name="図 3">
-            <a:extLst>
-              <a:ext uri="{FF2B5EF4-FFF2-40B4-BE49-F238E27FC236}">
-                <a16:creationId xmlns:a16="http://schemas.microsoft.com/office/drawing/2014/main" id="{3653F664-D401-4BF8-891F-EFE8F3158D28}"/>
-              </a:ext>
-            </a:extLst>
-          </p:cNvPr>
-          <p:cNvPicPr>
-            <a:picLocks noChangeAspect="1"/>
-          </p:cNvPicPr>
-          <p:nvPr/>
-        </p:nvPicPr>
-        <p:blipFill>
-          <a:blip r:embed="rId2"/>
-          <a:stretch>
-            <a:fillRect/>
-          </a:stretch>
-        </p:blipFill>
-        <p:spPr>
-          <a:xfrm>
-            <a:off x="323528" y="1052736"/>
-            <a:ext cx="8316416" cy="5159515"/>
-          </a:xfrm>
-          <a:prstGeom prst="rect">
-            <a:avLst/>
-          </a:prstGeom>
-        </p:spPr>
-      </p:pic>
-      <p:sp>
-        <p:nvSpPr>
-          <p:cNvPr id="5" name="四角形: 角を丸くする 4">
-            <a:extLst>
-              <a:ext uri="{FF2B5EF4-FFF2-40B4-BE49-F238E27FC236}">
-                <a16:creationId xmlns:a16="http://schemas.microsoft.com/office/drawing/2014/main" id="{96470A32-5D94-4F11-BFA4-07D19554E5BE}"/>
+            <a:endParaRPr kumimoji="1" lang="ja-JP" altLang="en-US" dirty="0"/>
+          </a:p>
+        </p:txBody>
+      </p:sp>
+      <p:sp>
+        <p:nvSpPr>
+          <p:cNvPr id="4" name="四角形: 角を丸くする 3">
+            <a:extLst>
+              <a:ext uri="{FF2B5EF4-FFF2-40B4-BE49-F238E27FC236}">
+                <a16:creationId xmlns:a16="http://schemas.microsoft.com/office/drawing/2014/main" id="{65CF963B-0480-3D40-27AF-5AF94BEB7A34}"/>
               </a:ext>
             </a:extLst>
           </p:cNvPr>
@@ -23901,8 +24388,8 @@
         </p:nvSpPr>
         <p:spPr>
           <a:xfrm>
-            <a:off x="1547664" y="2636912"/>
-            <a:ext cx="3816424" cy="360040"/>
+            <a:off x="7092280" y="4149080"/>
+            <a:ext cx="504056" cy="144016"/>
           </a:xfrm>
           <a:prstGeom prst="roundRect">
             <a:avLst/>
@@ -23939,12 +24426,59 @@
           </a:p>
         </p:txBody>
       </p:sp>
+      <p:pic>
+        <p:nvPicPr>
+          <p:cNvPr id="5" name="Picture 2">
+            <a:extLst>
+              <a:ext uri="{FF2B5EF4-FFF2-40B4-BE49-F238E27FC236}">
+                <a16:creationId xmlns:a16="http://schemas.microsoft.com/office/drawing/2014/main" id="{7C821309-DC96-0FBA-655D-BB7024794F32}"/>
+              </a:ext>
+            </a:extLst>
+          </p:cNvPr>
+          <p:cNvPicPr>
+            <a:picLocks noChangeAspect="1" noChangeArrowheads="1"/>
+          </p:cNvPicPr>
+          <p:nvPr/>
+        </p:nvPicPr>
+        <p:blipFill>
+          <a:blip r:embed="rId3">
+            <a:extLst>
+              <a:ext uri="{28A0092B-C50C-407E-A947-70E740481C1C}">
+                <a14:useLocalDpi xmlns:a14="http://schemas.microsoft.com/office/drawing/2010/main" val="0"/>
+              </a:ext>
+            </a:extLst>
+          </a:blip>
+          <a:srcRect/>
+          <a:stretch>
+            <a:fillRect/>
+          </a:stretch>
+        </p:blipFill>
+        <p:spPr bwMode="auto">
+          <a:xfrm>
+            <a:off x="179512" y="1988840"/>
+            <a:ext cx="3600400" cy="2948501"/>
+          </a:xfrm>
+          <a:prstGeom prst="rect">
+            <a:avLst/>
+          </a:prstGeom>
+          <a:noFill/>
+          <a:extLst>
+            <a:ext uri="{909E8E84-426E-40DD-AFC4-6F175D3DCCD1}">
+              <a14:hiddenFill xmlns:a14="http://schemas.microsoft.com/office/drawing/2010/main">
+                <a:solidFill>
+                  <a:srgbClr val="FFFFFF"/>
+                </a:solidFill>
+              </a14:hiddenFill>
+            </a:ext>
+          </a:extLst>
+        </p:spPr>
+      </p:pic>
       <p:sp>
         <p:nvSpPr>
           <p:cNvPr id="6" name="四角形: 角を丸くする 5">
             <a:extLst>
               <a:ext uri="{FF2B5EF4-FFF2-40B4-BE49-F238E27FC236}">
-                <a16:creationId xmlns:a16="http://schemas.microsoft.com/office/drawing/2014/main" id="{58E326C8-550E-4FDC-B1B0-2D44AF541795}"/>
+                <a16:creationId xmlns:a16="http://schemas.microsoft.com/office/drawing/2014/main" id="{D271A5F4-DC47-5A01-37D8-9DE0B36F99D0}"/>
               </a:ext>
             </a:extLst>
           </p:cNvPr>
@@ -23953,8 +24487,8 @@
         </p:nvSpPr>
         <p:spPr>
           <a:xfrm>
-            <a:off x="1547664" y="3284984"/>
-            <a:ext cx="6552728" cy="1296144"/>
+            <a:off x="3059831" y="4610906"/>
+            <a:ext cx="627505" cy="258254"/>
           </a:xfrm>
           <a:prstGeom prst="roundRect">
             <a:avLst/>
@@ -23993,10 +24527,10 @@
       </p:sp>
       <p:sp>
         <p:nvSpPr>
-          <p:cNvPr id="7" name="四角形: 角を丸くする 6">
-            <a:extLst>
-              <a:ext uri="{FF2B5EF4-FFF2-40B4-BE49-F238E27FC236}">
-                <a16:creationId xmlns:a16="http://schemas.microsoft.com/office/drawing/2014/main" id="{2D5EE178-D633-4269-AB23-49F6E49FF6CC}"/>
+          <p:cNvPr id="7" name="矢印: 右 6">
+            <a:extLst>
+              <a:ext uri="{FF2B5EF4-FFF2-40B4-BE49-F238E27FC236}">
+                <a16:creationId xmlns:a16="http://schemas.microsoft.com/office/drawing/2014/main" id="{6E7EEBCC-7B7B-BDC1-B2AC-63DB6C018E49}"/>
               </a:ext>
             </a:extLst>
           </p:cNvPr>
@@ -24005,16 +24539,18 @@
         </p:nvSpPr>
         <p:spPr>
           <a:xfrm>
-            <a:off x="1547664" y="5085184"/>
-            <a:ext cx="2160240" cy="432048"/>
-          </a:xfrm>
-          <a:prstGeom prst="roundRect">
-            <a:avLst/>
-          </a:prstGeom>
-          <a:noFill/>
-          <a:ln w="38100">
+            <a:off x="3851920" y="3356992"/>
+            <a:ext cx="360040" cy="268608"/>
+          </a:xfrm>
+          <a:prstGeom prst="rightArrow">
+            <a:avLst/>
+          </a:prstGeom>
+          <a:solidFill>
+            <a:srgbClr val="FF0000"/>
+          </a:solidFill>
+          <a:ln>
             <a:solidFill>
-              <a:srgbClr val="FF0000"/>
+              <a:schemeClr val="tx1"/>
             </a:solidFill>
           </a:ln>
         </p:spPr>
@@ -24043,150 +24579,10 @@
           </a:p>
         </p:txBody>
       </p:sp>
-      <p:sp>
-        <p:nvSpPr>
-          <p:cNvPr id="8" name="四角形: 角を丸くする 7">
-            <a:extLst>
-              <a:ext uri="{FF2B5EF4-FFF2-40B4-BE49-F238E27FC236}">
-                <a16:creationId xmlns:a16="http://schemas.microsoft.com/office/drawing/2014/main" id="{BB99C125-9729-4257-86EC-2C24DD38BD42}"/>
-              </a:ext>
-            </a:extLst>
-          </p:cNvPr>
-          <p:cNvSpPr/>
-          <p:nvPr/>
-        </p:nvSpPr>
-        <p:spPr>
-          <a:xfrm>
-            <a:off x="1547664" y="5661248"/>
-            <a:ext cx="1152128" cy="432048"/>
-          </a:xfrm>
-          <a:prstGeom prst="roundRect">
-            <a:avLst/>
-          </a:prstGeom>
-          <a:noFill/>
-          <a:ln w="38100">
-            <a:solidFill>
-              <a:srgbClr val="FF0000"/>
-            </a:solidFill>
-          </a:ln>
-        </p:spPr>
-        <p:style>
-          <a:lnRef idx="2">
-            <a:schemeClr val="accent1">
-              <a:shade val="50000"/>
-            </a:schemeClr>
-          </a:lnRef>
-          <a:fillRef idx="1">
-            <a:schemeClr val="accent1"/>
-          </a:fillRef>
-          <a:effectRef idx="0">
-            <a:schemeClr val="accent1"/>
-          </a:effectRef>
-          <a:fontRef idx="minor">
-            <a:schemeClr val="lt1"/>
-          </a:fontRef>
-        </p:style>
-        <p:txBody>
-          <a:bodyPr rtlCol="0" anchor="ctr"/>
-          <a:lstStyle/>
-          <a:p>
-            <a:pPr algn="ctr"/>
-            <a:endParaRPr kumimoji="1" lang="ja-JP" altLang="en-US"/>
-          </a:p>
-        </p:txBody>
-      </p:sp>
-      <p:sp>
-        <p:nvSpPr>
-          <p:cNvPr id="9" name="テキスト ボックス 8">
-            <a:extLst>
-              <a:ext uri="{FF2B5EF4-FFF2-40B4-BE49-F238E27FC236}">
-                <a16:creationId xmlns:a16="http://schemas.microsoft.com/office/drawing/2014/main" id="{44509695-C0AF-4EB6-B4C7-0AD5A4873373}"/>
-              </a:ext>
-            </a:extLst>
-          </p:cNvPr>
-          <p:cNvSpPr txBox="1"/>
-          <p:nvPr/>
-        </p:nvSpPr>
-        <p:spPr>
-          <a:xfrm>
-            <a:off x="4644008" y="5157192"/>
-            <a:ext cx="3275256" cy="369332"/>
-          </a:xfrm>
-          <a:prstGeom prst="rect">
-            <a:avLst/>
-          </a:prstGeom>
-          <a:noFill/>
-        </p:spPr>
-        <p:txBody>
-          <a:bodyPr wrap="none" rtlCol="0">
-            <a:spAutoFit/>
-          </a:bodyPr>
-          <a:lstStyle/>
-          <a:p>
-            <a:r>
-              <a:rPr kumimoji="1" lang="ja-JP" altLang="en-US"/>
-              <a:t>「</a:t>
-            </a:r>
-            <a:r>
-              <a:rPr kumimoji="1" lang="en-US" altLang="ja-JP"/>
-              <a:t>Automated kanban</a:t>
-            </a:r>
-            <a:r>
-              <a:rPr kumimoji="1" lang="ja-JP" altLang="en-US"/>
-              <a:t>」を選ぶ</a:t>
-            </a:r>
-          </a:p>
-        </p:txBody>
-      </p:sp>
-      <p:cxnSp>
-        <p:nvCxnSpPr>
-          <p:cNvPr id="11" name="直線矢印コネクタ 10">
-            <a:extLst>
-              <a:ext uri="{FF2B5EF4-FFF2-40B4-BE49-F238E27FC236}">
-                <a16:creationId xmlns:a16="http://schemas.microsoft.com/office/drawing/2014/main" id="{E8CD7ECC-C8D3-4756-8813-EE6A0D35454A}"/>
-              </a:ext>
-            </a:extLst>
-          </p:cNvPr>
-          <p:cNvCxnSpPr>
-            <a:endCxn id="7" idx="3"/>
-          </p:cNvCxnSpPr>
-          <p:nvPr/>
-        </p:nvCxnSpPr>
-        <p:spPr>
-          <a:xfrm flipH="1">
-            <a:off x="3707904" y="5301208"/>
-            <a:ext cx="936104" cy="0"/>
-          </a:xfrm>
-          <a:prstGeom prst="straightConnector1">
-            <a:avLst/>
-          </a:prstGeom>
-          <a:ln>
-            <a:solidFill>
-              <a:schemeClr val="tx1"/>
-            </a:solidFill>
-            <a:headEnd type="none" w="med" len="med"/>
-            <a:tailEnd type="triangle"/>
-          </a:ln>
-        </p:spPr>
-        <p:style>
-          <a:lnRef idx="1">
-            <a:schemeClr val="accent1"/>
-          </a:lnRef>
-          <a:fillRef idx="0">
-            <a:schemeClr val="accent1"/>
-          </a:fillRef>
-          <a:effectRef idx="0">
-            <a:schemeClr val="accent1"/>
-          </a:effectRef>
-          <a:fontRef idx="minor">
-            <a:schemeClr val="tx1"/>
-          </a:fontRef>
-        </p:style>
-      </p:cxnSp>
     </p:spTree>
     <p:extLst>
       <p:ext uri="{BB962C8B-B14F-4D97-AF65-F5344CB8AC3E}">
-        <p14:creationId xmlns:p14="http://schemas.microsoft.com/office/powerpoint/2010/main" val="1478001253"/>
+        <p14:creationId xmlns:p14="http://schemas.microsoft.com/office/powerpoint/2010/main" val="1410735674"/>
       </p:ext>
     </p:extLst>
   </p:cSld>
@@ -24218,7 +24614,7 @@
           <p:cNvPr id="2" name="テキスト プレースホルダー 1">
             <a:extLst>
               <a:ext uri="{FF2B5EF4-FFF2-40B4-BE49-F238E27FC236}">
-                <a16:creationId xmlns:a16="http://schemas.microsoft.com/office/drawing/2014/main" id="{0E38FA00-47DE-49F8-A060-FB57EED2D528}"/>
+                <a16:creationId xmlns:a16="http://schemas.microsoft.com/office/drawing/2014/main" id="{F23E6A00-0ABE-A536-6FCC-E25CC1203E14}"/>
               </a:ext>
             </a:extLst>
           </p:cNvPr>
@@ -24235,104 +24631,70 @@
           <a:lstStyle/>
           <a:p>
             <a:r>
-              <a:rPr lang="ja-JP" altLang="en-US"/>
+              <a:rPr lang="ja-JP" altLang="en-US" dirty="0"/>
               <a:t>課題</a:t>
             </a:r>
             <a:r>
-              <a:rPr lang="en-US" altLang="ja-JP"/>
+              <a:rPr lang="en-US" altLang="ja-JP" dirty="0"/>
               <a:t>4 - Step 1</a:t>
             </a:r>
-            <a:endParaRPr kumimoji="1" lang="ja-JP" altLang="en-US"/>
+            <a:endParaRPr kumimoji="1" lang="ja-JP" altLang="en-US" dirty="0"/>
           </a:p>
         </p:txBody>
       </p:sp>
       <p:pic>
         <p:nvPicPr>
-          <p:cNvPr id="4" name="図 3">
-            <a:extLst>
-              <a:ext uri="{FF2B5EF4-FFF2-40B4-BE49-F238E27FC236}">
-                <a16:creationId xmlns:a16="http://schemas.microsoft.com/office/drawing/2014/main" id="{E6BF6566-7FA1-4F10-A5EB-80E28A0E5936}"/>
+          <p:cNvPr id="9218" name="Picture 2">
+            <a:extLst>
+              <a:ext uri="{FF2B5EF4-FFF2-40B4-BE49-F238E27FC236}">
+                <a16:creationId xmlns:a16="http://schemas.microsoft.com/office/drawing/2014/main" id="{9A71AB60-03FD-6074-179F-A44DF1CC52EA}"/>
               </a:ext>
             </a:extLst>
           </p:cNvPr>
           <p:cNvPicPr>
-            <a:picLocks noChangeAspect="1"/>
+            <a:picLocks noChangeAspect="1" noChangeArrowheads="1"/>
           </p:cNvPicPr>
           <p:nvPr/>
         </p:nvPicPr>
         <p:blipFill>
-          <a:blip r:embed="rId2"/>
+          <a:blip r:embed="rId2">
+            <a:extLst>
+              <a:ext uri="{28A0092B-C50C-407E-A947-70E740481C1C}">
+                <a14:useLocalDpi xmlns:a14="http://schemas.microsoft.com/office/drawing/2010/main" val="0"/>
+              </a:ext>
+            </a:extLst>
+          </a:blip>
+          <a:srcRect/>
           <a:stretch>
             <a:fillRect/>
           </a:stretch>
         </p:blipFill>
-        <p:spPr>
-          <a:xfrm>
-            <a:off x="251520" y="1988840"/>
-            <a:ext cx="8709272" cy="3941140"/>
-          </a:xfrm>
-          <a:prstGeom prst="rect">
-            <a:avLst/>
-          </a:prstGeom>
+        <p:spPr bwMode="auto">
+          <a:xfrm>
+            <a:off x="1043608" y="1196752"/>
+            <a:ext cx="6676492" cy="4968552"/>
+          </a:xfrm>
+          <a:prstGeom prst="rect">
+            <a:avLst/>
+          </a:prstGeom>
+          <a:noFill/>
+          <a:extLst>
+            <a:ext uri="{909E8E84-426E-40DD-AFC4-6F175D3DCCD1}">
+              <a14:hiddenFill xmlns:a14="http://schemas.microsoft.com/office/drawing/2010/main">
+                <a:solidFill>
+                  <a:srgbClr val="FFFFFF"/>
+                </a:solidFill>
+              </a14:hiddenFill>
+            </a:ext>
+          </a:extLst>
         </p:spPr>
       </p:pic>
       <p:sp>
         <p:nvSpPr>
-          <p:cNvPr id="5" name="テキスト ボックス 4">
-            <a:extLst>
-              <a:ext uri="{FF2B5EF4-FFF2-40B4-BE49-F238E27FC236}">
-                <a16:creationId xmlns:a16="http://schemas.microsoft.com/office/drawing/2014/main" id="{7312EDA1-9500-472E-8D0E-3425BDC0FE82}"/>
-              </a:ext>
-            </a:extLst>
-          </p:cNvPr>
-          <p:cNvSpPr txBox="1"/>
-          <p:nvPr/>
-        </p:nvSpPr>
-        <p:spPr>
-          <a:xfrm>
-            <a:off x="395536" y="1196752"/>
-            <a:ext cx="7088800" cy="523220"/>
-          </a:xfrm>
-          <a:prstGeom prst="rect">
-            <a:avLst/>
-          </a:prstGeom>
-          <a:noFill/>
-        </p:spPr>
-        <p:txBody>
-          <a:bodyPr wrap="none" rtlCol="0">
-            <a:spAutoFit/>
-          </a:bodyPr>
-          <a:lstStyle/>
-          <a:p>
-            <a:r>
-              <a:rPr kumimoji="1" lang="ja-JP" altLang="en-US" sz="2800"/>
-              <a:t>サンプルカード</a:t>
-            </a:r>
-            <a:r>
-              <a:rPr kumimoji="1" lang="en-US" altLang="ja-JP" sz="2800"/>
-              <a:t>(3</a:t>
-            </a:r>
-            <a:r>
-              <a:rPr lang="ja-JP" altLang="en-US" sz="2800"/>
-              <a:t>枚</a:t>
-            </a:r>
-            <a:r>
-              <a:rPr kumimoji="1" lang="en-US" altLang="ja-JP" sz="2800"/>
-              <a:t>)</a:t>
-            </a:r>
-            <a:r>
-              <a:rPr kumimoji="1" lang="ja-JP" altLang="en-US" sz="2800"/>
-              <a:t>を全てアーカイブする</a:t>
-            </a:r>
-          </a:p>
-        </p:txBody>
-      </p:sp>
-      <p:sp>
-        <p:nvSpPr>
-          <p:cNvPr id="6" name="四角形: 角を丸くする 5">
-            <a:extLst>
-              <a:ext uri="{FF2B5EF4-FFF2-40B4-BE49-F238E27FC236}">
-                <a16:creationId xmlns:a16="http://schemas.microsoft.com/office/drawing/2014/main" id="{6C72E7AA-5938-4613-9F5A-CDDCECBA8349}"/>
+          <p:cNvPr id="3" name="四角形: 角を丸くする 2">
+            <a:extLst>
+              <a:ext uri="{FF2B5EF4-FFF2-40B4-BE49-F238E27FC236}">
+                <a16:creationId xmlns:a16="http://schemas.microsoft.com/office/drawing/2014/main" id="{F2514F2D-59B0-378E-05D4-497D62B95BAB}"/>
               </a:ext>
             </a:extLst>
           </p:cNvPr>
@@ -24341,8 +24703,8 @@
         </p:nvSpPr>
         <p:spPr>
           <a:xfrm>
-            <a:off x="2411760" y="3573016"/>
-            <a:ext cx="360040" cy="360040"/>
+            <a:off x="1043608" y="2492896"/>
+            <a:ext cx="1728192" cy="360040"/>
           </a:xfrm>
           <a:prstGeom prst="roundRect">
             <a:avLst/>
@@ -24381,10 +24743,10 @@
       </p:sp>
       <p:sp>
         <p:nvSpPr>
-          <p:cNvPr id="7" name="四角形: 角を丸くする 6">
-            <a:extLst>
-              <a:ext uri="{FF2B5EF4-FFF2-40B4-BE49-F238E27FC236}">
-                <a16:creationId xmlns:a16="http://schemas.microsoft.com/office/drawing/2014/main" id="{A08E8798-F650-40FB-8EC7-2465A1216238}"/>
+          <p:cNvPr id="4" name="四角形: 角を丸くする 3">
+            <a:extLst>
+              <a:ext uri="{FF2B5EF4-FFF2-40B4-BE49-F238E27FC236}">
+                <a16:creationId xmlns:a16="http://schemas.microsoft.com/office/drawing/2014/main" id="{79380CA3-AE05-019E-D2DE-8917D2692CDF}"/>
               </a:ext>
             </a:extLst>
           </p:cNvPr>
@@ -24393,8 +24755,8 @@
         </p:nvSpPr>
         <p:spPr>
           <a:xfrm>
-            <a:off x="1403648" y="4797152"/>
-            <a:ext cx="1368152" cy="288032"/>
+            <a:off x="6660232" y="5661248"/>
+            <a:ext cx="1008112" cy="432048"/>
           </a:xfrm>
           <a:prstGeom prst="roundRect">
             <a:avLst/>
@@ -24431,10 +24793,126 @@
           </a:p>
         </p:txBody>
       </p:sp>
+      <p:sp>
+        <p:nvSpPr>
+          <p:cNvPr id="5" name="楕円 4">
+            <a:extLst>
+              <a:ext uri="{FF2B5EF4-FFF2-40B4-BE49-F238E27FC236}">
+                <a16:creationId xmlns:a16="http://schemas.microsoft.com/office/drawing/2014/main" id="{361BF404-7AB5-7C60-9577-C6E9AC0E9999}"/>
+              </a:ext>
+            </a:extLst>
+          </p:cNvPr>
+          <p:cNvSpPr/>
+          <p:nvPr/>
+        </p:nvSpPr>
+        <p:spPr>
+          <a:xfrm>
+            <a:off x="2267744" y="1988840"/>
+            <a:ext cx="432048" cy="438572"/>
+          </a:xfrm>
+          <a:prstGeom prst="ellipse">
+            <a:avLst/>
+          </a:prstGeom>
+          <a:solidFill>
+            <a:srgbClr val="FF0000"/>
+          </a:solidFill>
+          <a:ln>
+            <a:solidFill>
+              <a:schemeClr val="tx1"/>
+            </a:solidFill>
+          </a:ln>
+        </p:spPr>
+        <p:style>
+          <a:lnRef idx="2">
+            <a:schemeClr val="accent1">
+              <a:shade val="50000"/>
+            </a:schemeClr>
+          </a:lnRef>
+          <a:fillRef idx="1">
+            <a:schemeClr val="accent1"/>
+          </a:fillRef>
+          <a:effectRef idx="0">
+            <a:schemeClr val="accent1"/>
+          </a:effectRef>
+          <a:fontRef idx="minor">
+            <a:schemeClr val="lt1"/>
+          </a:fontRef>
+        </p:style>
+        <p:txBody>
+          <a:bodyPr rtlCol="0" anchor="ctr"/>
+          <a:lstStyle/>
+          <a:p>
+            <a:pPr algn="ctr"/>
+            <a:r>
+              <a:rPr kumimoji="1" lang="en-US" altLang="ja-JP" dirty="0"/>
+              <a:t>1</a:t>
+            </a:r>
+            <a:endParaRPr kumimoji="1" lang="ja-JP" altLang="en-US" dirty="0"/>
+          </a:p>
+        </p:txBody>
+      </p:sp>
+      <p:sp>
+        <p:nvSpPr>
+          <p:cNvPr id="6" name="楕円 5">
+            <a:extLst>
+              <a:ext uri="{FF2B5EF4-FFF2-40B4-BE49-F238E27FC236}">
+                <a16:creationId xmlns:a16="http://schemas.microsoft.com/office/drawing/2014/main" id="{5CB6D41D-3B35-9528-AA35-1C639A8F514D}"/>
+              </a:ext>
+            </a:extLst>
+          </p:cNvPr>
+          <p:cNvSpPr/>
+          <p:nvPr/>
+        </p:nvSpPr>
+        <p:spPr>
+          <a:xfrm>
+            <a:off x="6084168" y="5661248"/>
+            <a:ext cx="432048" cy="438572"/>
+          </a:xfrm>
+          <a:prstGeom prst="ellipse">
+            <a:avLst/>
+          </a:prstGeom>
+          <a:solidFill>
+            <a:srgbClr val="FF0000"/>
+          </a:solidFill>
+          <a:ln>
+            <a:solidFill>
+              <a:schemeClr val="tx1"/>
+            </a:solidFill>
+          </a:ln>
+        </p:spPr>
+        <p:style>
+          <a:lnRef idx="2">
+            <a:schemeClr val="accent1">
+              <a:shade val="50000"/>
+            </a:schemeClr>
+          </a:lnRef>
+          <a:fillRef idx="1">
+            <a:schemeClr val="accent1"/>
+          </a:fillRef>
+          <a:effectRef idx="0">
+            <a:schemeClr val="accent1"/>
+          </a:effectRef>
+          <a:fontRef idx="minor">
+            <a:schemeClr val="lt1"/>
+          </a:fontRef>
+        </p:style>
+        <p:txBody>
+          <a:bodyPr rtlCol="0" anchor="ctr"/>
+          <a:lstStyle/>
+          <a:p>
+            <a:pPr algn="ctr"/>
+            <a:r>
+              <a:rPr kumimoji="1" lang="en-US" altLang="ja-JP"/>
+              <a:t>2</a:t>
+            </a:r>
+            <a:endParaRPr kumimoji="1" lang="ja-JP" altLang="en-US"/>
+          </a:p>
+        </p:txBody>
+      </p:sp>
     </p:spTree>
     <p:extLst>
       <p:ext uri="{BB962C8B-B14F-4D97-AF65-F5344CB8AC3E}">
-        <p14:creationId xmlns:p14="http://schemas.microsoft.com/office/powerpoint/2010/main" val="4058226457"/>
+        <p14:creationId xmlns:p14="http://schemas.microsoft.com/office/powerpoint/2010/main" val="2954256181"/>
       </p:ext>
     </p:extLst>
   </p:cSld>
@@ -24466,7 +24944,7 @@
           <p:cNvPr id="2" name="テキスト プレースホルダー 1">
             <a:extLst>
               <a:ext uri="{FF2B5EF4-FFF2-40B4-BE49-F238E27FC236}">
-                <a16:creationId xmlns:a16="http://schemas.microsoft.com/office/drawing/2014/main" id="{CEF24C89-3C85-4354-B80D-702DE8C2FB0D}"/>
+                <a16:creationId xmlns:a16="http://schemas.microsoft.com/office/drawing/2014/main" id="{AA253CEA-32CA-F08F-C790-18E25FD6DA31}"/>
               </a:ext>
             </a:extLst>
           </p:cNvPr>
@@ -24483,23 +24961,23 @@
           <a:lstStyle/>
           <a:p>
             <a:r>
-              <a:rPr lang="ja-JP" altLang="en-US"/>
+              <a:rPr lang="ja-JP" altLang="en-US" dirty="0"/>
               <a:t>課題</a:t>
             </a:r>
             <a:r>
-              <a:rPr lang="en-US" altLang="ja-JP"/>
-              <a:t>4 - Step 2</a:t>
-            </a:r>
-            <a:endParaRPr kumimoji="1" lang="ja-JP" altLang="en-US"/>
+              <a:rPr lang="en-US" altLang="ja-JP" dirty="0"/>
+              <a:t>4 - Step 1</a:t>
+            </a:r>
+            <a:endParaRPr kumimoji="1" lang="ja-JP" altLang="en-US" dirty="0"/>
           </a:p>
         </p:txBody>
       </p:sp>
       <p:pic>
         <p:nvPicPr>
-          <p:cNvPr id="4" name="図 3">
-            <a:extLst>
-              <a:ext uri="{FF2B5EF4-FFF2-40B4-BE49-F238E27FC236}">
-                <a16:creationId xmlns:a16="http://schemas.microsoft.com/office/drawing/2014/main" id="{E164C195-08AD-4C3D-9B97-46D89D7D81C7}"/>
+          <p:cNvPr id="6" name="図 5">
+            <a:extLst>
+              <a:ext uri="{FF2B5EF4-FFF2-40B4-BE49-F238E27FC236}">
+                <a16:creationId xmlns:a16="http://schemas.microsoft.com/office/drawing/2014/main" id="{DF2C3983-395F-1A08-D810-7CF2BDAE8083}"/>
               </a:ext>
             </a:extLst>
           </p:cNvPr>
@@ -24516,8 +24994,8 @@
         </p:blipFill>
         <p:spPr>
           <a:xfrm>
-            <a:off x="240329" y="1772816"/>
-            <a:ext cx="8902852" cy="3848663"/>
+            <a:off x="539552" y="1556792"/>
+            <a:ext cx="7530404" cy="5129110"/>
           </a:xfrm>
           <a:prstGeom prst="rect">
             <a:avLst/>
@@ -24526,10 +25004,10 @@
       </p:pic>
       <p:sp>
         <p:nvSpPr>
-          <p:cNvPr id="5" name="四角形: 角を丸くする 4">
-            <a:extLst>
-              <a:ext uri="{FF2B5EF4-FFF2-40B4-BE49-F238E27FC236}">
-                <a16:creationId xmlns:a16="http://schemas.microsoft.com/office/drawing/2014/main" id="{863C2C03-E906-4253-A7D7-4E9BCCBB7F83}"/>
+          <p:cNvPr id="7" name="四角形: 角を丸くする 6">
+            <a:extLst>
+              <a:ext uri="{FF2B5EF4-FFF2-40B4-BE49-F238E27FC236}">
+                <a16:creationId xmlns:a16="http://schemas.microsoft.com/office/drawing/2014/main" id="{17FF9FC8-58B6-390C-1C07-D8DD6A10357F}"/>
               </a:ext>
             </a:extLst>
           </p:cNvPr>
@@ -24538,8 +25016,8 @@
         </p:nvSpPr>
         <p:spPr>
           <a:xfrm>
-            <a:off x="971600" y="1772816"/>
-            <a:ext cx="792088" cy="360040"/>
+            <a:off x="725139" y="2012713"/>
+            <a:ext cx="642477" cy="237171"/>
           </a:xfrm>
           <a:prstGeom prst="roundRect">
             <a:avLst/>
@@ -24578,270 +25056,10 @@
       </p:sp>
       <p:sp>
         <p:nvSpPr>
-          <p:cNvPr id="6" name="四角形: 角を丸くする 5">
-            <a:extLst>
-              <a:ext uri="{FF2B5EF4-FFF2-40B4-BE49-F238E27FC236}">
-                <a16:creationId xmlns:a16="http://schemas.microsoft.com/office/drawing/2014/main" id="{09B9E69D-A750-410E-9296-96A357AAA966}"/>
-              </a:ext>
-            </a:extLst>
-          </p:cNvPr>
-          <p:cNvSpPr/>
-          <p:nvPr/>
-        </p:nvSpPr>
-        <p:spPr>
-          <a:xfrm>
-            <a:off x="816393" y="2420888"/>
-            <a:ext cx="5832648" cy="360040"/>
-          </a:xfrm>
-          <a:prstGeom prst="roundRect">
-            <a:avLst/>
-          </a:prstGeom>
-          <a:noFill/>
-          <a:ln w="38100">
-            <a:solidFill>
-              <a:srgbClr val="FF0000"/>
-            </a:solidFill>
-          </a:ln>
-        </p:spPr>
-        <p:style>
-          <a:lnRef idx="2">
-            <a:schemeClr val="accent1">
-              <a:shade val="50000"/>
-            </a:schemeClr>
-          </a:lnRef>
-          <a:fillRef idx="1">
-            <a:schemeClr val="accent1"/>
-          </a:fillRef>
-          <a:effectRef idx="0">
-            <a:schemeClr val="accent1"/>
-          </a:effectRef>
-          <a:fontRef idx="minor">
-            <a:schemeClr val="lt1"/>
-          </a:fontRef>
-        </p:style>
-        <p:txBody>
-          <a:bodyPr rtlCol="0" anchor="ctr"/>
-          <a:lstStyle/>
-          <a:p>
-            <a:pPr algn="ctr"/>
-            <a:endParaRPr kumimoji="1" lang="ja-JP" altLang="en-US"/>
-          </a:p>
-        </p:txBody>
-      </p:sp>
-      <p:sp>
-        <p:nvSpPr>
-          <p:cNvPr id="7" name="四角形: 角を丸くする 6">
-            <a:extLst>
-              <a:ext uri="{FF2B5EF4-FFF2-40B4-BE49-F238E27FC236}">
-                <a16:creationId xmlns:a16="http://schemas.microsoft.com/office/drawing/2014/main" id="{7CFAB2BA-DCCD-4939-ABED-E2DD36E7DEFC}"/>
-              </a:ext>
-            </a:extLst>
-          </p:cNvPr>
-          <p:cNvSpPr/>
-          <p:nvPr/>
-        </p:nvSpPr>
-        <p:spPr>
-          <a:xfrm>
-            <a:off x="888401" y="3212976"/>
-            <a:ext cx="5760640" cy="1584176"/>
-          </a:xfrm>
-          <a:prstGeom prst="roundRect">
-            <a:avLst/>
-          </a:prstGeom>
-          <a:noFill/>
-          <a:ln w="38100">
-            <a:solidFill>
-              <a:srgbClr val="FF0000"/>
-            </a:solidFill>
-          </a:ln>
-        </p:spPr>
-        <p:style>
-          <a:lnRef idx="2">
-            <a:schemeClr val="accent1">
-              <a:shade val="50000"/>
-            </a:schemeClr>
-          </a:lnRef>
-          <a:fillRef idx="1">
-            <a:schemeClr val="accent1"/>
-          </a:fillRef>
-          <a:effectRef idx="0">
-            <a:schemeClr val="accent1"/>
-          </a:effectRef>
-          <a:fontRef idx="minor">
-            <a:schemeClr val="lt1"/>
-          </a:fontRef>
-        </p:style>
-        <p:txBody>
-          <a:bodyPr rtlCol="0" anchor="ctr"/>
-          <a:lstStyle/>
-          <a:p>
-            <a:pPr algn="ctr"/>
-            <a:endParaRPr kumimoji="1" lang="ja-JP" altLang="en-US"/>
-          </a:p>
-        </p:txBody>
-      </p:sp>
-      <p:sp>
-        <p:nvSpPr>
-          <p:cNvPr id="8" name="四角形: 角を丸くする 7">
-            <a:extLst>
-              <a:ext uri="{FF2B5EF4-FFF2-40B4-BE49-F238E27FC236}">
-                <a16:creationId xmlns:a16="http://schemas.microsoft.com/office/drawing/2014/main" id="{455415DC-44AE-40F4-9C6F-8A6A0158C6B6}"/>
-              </a:ext>
-            </a:extLst>
-          </p:cNvPr>
-          <p:cNvSpPr/>
-          <p:nvPr/>
-        </p:nvSpPr>
-        <p:spPr>
-          <a:xfrm>
-            <a:off x="6793057" y="3068960"/>
-            <a:ext cx="2016224" cy="504056"/>
-          </a:xfrm>
-          <a:prstGeom prst="roundRect">
-            <a:avLst/>
-          </a:prstGeom>
-          <a:noFill/>
-          <a:ln w="38100">
-            <a:solidFill>
-              <a:srgbClr val="FF0000"/>
-            </a:solidFill>
-          </a:ln>
-        </p:spPr>
-        <p:style>
-          <a:lnRef idx="2">
-            <a:schemeClr val="accent1">
-              <a:shade val="50000"/>
-            </a:schemeClr>
-          </a:lnRef>
-          <a:fillRef idx="1">
-            <a:schemeClr val="accent1"/>
-          </a:fillRef>
-          <a:effectRef idx="0">
-            <a:schemeClr val="accent1"/>
-          </a:effectRef>
-          <a:fontRef idx="minor">
-            <a:schemeClr val="lt1"/>
-          </a:fontRef>
-        </p:style>
-        <p:txBody>
-          <a:bodyPr rtlCol="0" anchor="ctr"/>
-          <a:lstStyle/>
-          <a:p>
-            <a:pPr algn="ctr"/>
-            <a:endParaRPr kumimoji="1" lang="ja-JP" altLang="en-US"/>
-          </a:p>
-        </p:txBody>
-      </p:sp>
-      <p:sp>
-        <p:nvSpPr>
-          <p:cNvPr id="9" name="四角形: 角を丸くする 8">
-            <a:extLst>
-              <a:ext uri="{FF2B5EF4-FFF2-40B4-BE49-F238E27FC236}">
-                <a16:creationId xmlns:a16="http://schemas.microsoft.com/office/drawing/2014/main" id="{11F75CCF-E60D-4162-A42C-998CB242273D}"/>
-              </a:ext>
-            </a:extLst>
-          </p:cNvPr>
-          <p:cNvSpPr/>
-          <p:nvPr/>
-        </p:nvSpPr>
-        <p:spPr>
-          <a:xfrm>
-            <a:off x="6793057" y="3717032"/>
-            <a:ext cx="2016224" cy="504056"/>
-          </a:xfrm>
-          <a:prstGeom prst="roundRect">
-            <a:avLst/>
-          </a:prstGeom>
-          <a:noFill/>
-          <a:ln w="38100">
-            <a:solidFill>
-              <a:srgbClr val="FF0000"/>
-            </a:solidFill>
-          </a:ln>
-        </p:spPr>
-        <p:style>
-          <a:lnRef idx="2">
-            <a:schemeClr val="accent1">
-              <a:shade val="50000"/>
-            </a:schemeClr>
-          </a:lnRef>
-          <a:fillRef idx="1">
-            <a:schemeClr val="accent1"/>
-          </a:fillRef>
-          <a:effectRef idx="0">
-            <a:schemeClr val="accent1"/>
-          </a:effectRef>
-          <a:fontRef idx="minor">
-            <a:schemeClr val="lt1"/>
-          </a:fontRef>
-        </p:style>
-        <p:txBody>
-          <a:bodyPr rtlCol="0" anchor="ctr"/>
-          <a:lstStyle/>
-          <a:p>
-            <a:pPr algn="ctr"/>
-            <a:endParaRPr kumimoji="1" lang="ja-JP" altLang="en-US"/>
-          </a:p>
-        </p:txBody>
-      </p:sp>
-      <p:sp>
-        <p:nvSpPr>
-          <p:cNvPr id="10" name="四角形: 角を丸くする 9">
-            <a:extLst>
-              <a:ext uri="{FF2B5EF4-FFF2-40B4-BE49-F238E27FC236}">
-                <a16:creationId xmlns:a16="http://schemas.microsoft.com/office/drawing/2014/main" id="{594E4E3B-6A1C-4341-8F1D-692F736CFA85}"/>
-              </a:ext>
-            </a:extLst>
-          </p:cNvPr>
-          <p:cNvSpPr/>
-          <p:nvPr/>
-        </p:nvSpPr>
-        <p:spPr>
-          <a:xfrm>
-            <a:off x="5496913" y="5013176"/>
-            <a:ext cx="1152128" cy="360040"/>
-          </a:xfrm>
-          <a:prstGeom prst="roundRect">
-            <a:avLst/>
-          </a:prstGeom>
-          <a:noFill/>
-          <a:ln w="38100">
-            <a:solidFill>
-              <a:srgbClr val="FF0000"/>
-            </a:solidFill>
-          </a:ln>
-        </p:spPr>
-        <p:style>
-          <a:lnRef idx="2">
-            <a:schemeClr val="accent1">
-              <a:shade val="50000"/>
-            </a:schemeClr>
-          </a:lnRef>
-          <a:fillRef idx="1">
-            <a:schemeClr val="accent1"/>
-          </a:fillRef>
-          <a:effectRef idx="0">
-            <a:schemeClr val="accent1"/>
-          </a:effectRef>
-          <a:fontRef idx="minor">
-            <a:schemeClr val="lt1"/>
-          </a:fontRef>
-        </p:style>
-        <p:txBody>
-          <a:bodyPr rtlCol="0" anchor="ctr"/>
-          <a:lstStyle/>
-          <a:p>
-            <a:pPr algn="ctr"/>
-            <a:endParaRPr kumimoji="1" lang="ja-JP" altLang="en-US"/>
-          </a:p>
-        </p:txBody>
-      </p:sp>
-      <p:sp>
-        <p:nvSpPr>
-          <p:cNvPr id="11" name="テキスト ボックス 10">
-            <a:extLst>
-              <a:ext uri="{FF2B5EF4-FFF2-40B4-BE49-F238E27FC236}">
-                <a16:creationId xmlns:a16="http://schemas.microsoft.com/office/drawing/2014/main" id="{1D485F88-CD55-43B7-968D-9FDB2B702D1D}"/>
+          <p:cNvPr id="8" name="テキスト ボックス 7">
+            <a:extLst>
+              <a:ext uri="{FF2B5EF4-FFF2-40B4-BE49-F238E27FC236}">
+                <a16:creationId xmlns:a16="http://schemas.microsoft.com/office/drawing/2014/main" id="{80A44847-6365-F4D1-A21D-728295EAD0EC}"/>
               </a:ext>
             </a:extLst>
           </p:cNvPr>
@@ -24850,8 +25068,8 @@
         </p:nvSpPr>
         <p:spPr>
           <a:xfrm>
-            <a:off x="456353" y="6093296"/>
-            <a:ext cx="6327373" cy="369332"/>
+            <a:off x="755576" y="1052736"/>
+            <a:ext cx="7028527" cy="369332"/>
           </a:xfrm>
           <a:prstGeom prst="rect">
             <a:avLst/>
@@ -24865,106 +25083,33 @@
           <a:lstStyle/>
           <a:p>
             <a:r>
-              <a:rPr kumimoji="1" lang="en-US" altLang="ja-JP"/>
-              <a:t>Projects</a:t>
-            </a:r>
-            <a:r>
-              <a:rPr kumimoji="1" lang="ja-JP" altLang="en-US"/>
-              <a:t>から「カンバン」を選んでおくのを忘れないこと</a:t>
-            </a:r>
-            <a:endParaRPr kumimoji="1" lang="en-US" altLang="ja-JP"/>
-          </a:p>
-        </p:txBody>
-      </p:sp>
-      <p:cxnSp>
-        <p:nvCxnSpPr>
-          <p:cNvPr id="13" name="コネクタ: カギ線 12">
-            <a:extLst>
-              <a:ext uri="{FF2B5EF4-FFF2-40B4-BE49-F238E27FC236}">
-                <a16:creationId xmlns:a16="http://schemas.microsoft.com/office/drawing/2014/main" id="{BFC58503-7208-42A8-B928-9168EA0473B6}"/>
-              </a:ext>
-            </a:extLst>
-          </p:cNvPr>
-          <p:cNvCxnSpPr>
-            <a:stCxn id="11" idx="3"/>
-            <a:endCxn id="9" idx="2"/>
-          </p:cNvCxnSpPr>
-          <p:nvPr/>
-        </p:nvCxnSpPr>
-        <p:spPr>
-          <a:xfrm flipV="1">
-            <a:off x="6783726" y="4221088"/>
-            <a:ext cx="1017443" cy="2056874"/>
-          </a:xfrm>
-          <a:prstGeom prst="bentConnector2">
-            <a:avLst/>
-          </a:prstGeom>
-          <a:ln>
-            <a:solidFill>
-              <a:schemeClr val="tx1"/>
-            </a:solidFill>
-            <a:headEnd type="none" w="med" len="med"/>
-            <a:tailEnd type="triangle"/>
-          </a:ln>
-        </p:spPr>
-        <p:style>
-          <a:lnRef idx="1">
-            <a:schemeClr val="accent1"/>
-          </a:lnRef>
-          <a:fillRef idx="0">
-            <a:schemeClr val="accent1"/>
-          </a:fillRef>
-          <a:effectRef idx="0">
-            <a:schemeClr val="accent1"/>
-          </a:effectRef>
-          <a:fontRef idx="minor">
-            <a:schemeClr val="tx1"/>
-          </a:fontRef>
-        </p:style>
-      </p:cxnSp>
-      <p:sp>
-        <p:nvSpPr>
-          <p:cNvPr id="15" name="テキスト ボックス 14">
-            <a:extLst>
-              <a:ext uri="{FF2B5EF4-FFF2-40B4-BE49-F238E27FC236}">
-                <a16:creationId xmlns:a16="http://schemas.microsoft.com/office/drawing/2014/main" id="{ACDA6CA2-B9C8-468B-8C86-C618CE2D87DC}"/>
-              </a:ext>
-            </a:extLst>
-          </p:cNvPr>
-          <p:cNvSpPr txBox="1"/>
-          <p:nvPr/>
-        </p:nvSpPr>
-        <p:spPr>
-          <a:xfrm>
-            <a:off x="467544" y="980728"/>
-            <a:ext cx="2121093" cy="523220"/>
-          </a:xfrm>
-          <a:prstGeom prst="rect">
-            <a:avLst/>
-          </a:prstGeom>
-          <a:noFill/>
-        </p:spPr>
-        <p:txBody>
-          <a:bodyPr wrap="none" rtlCol="0">
-            <a:spAutoFit/>
-          </a:bodyPr>
-          <a:lstStyle/>
-          <a:p>
-            <a:r>
-              <a:rPr kumimoji="1" lang="en-US" altLang="ja-JP" sz="2800"/>
-              <a:t>Issue</a:t>
-            </a:r>
-            <a:r>
-              <a:rPr kumimoji="1" lang="ja-JP" altLang="en-US" sz="2800"/>
-              <a:t>の作成</a:t>
-            </a:r>
+              <a:rPr lang="ja-JP" altLang="en-US" dirty="0"/>
+              <a:t>ユーザ名</a:t>
+            </a:r>
+            <a:r>
+              <a:rPr lang="en-US" altLang="ja-JP" dirty="0"/>
+              <a:t>’s untitled project</a:t>
+            </a:r>
+            <a:r>
+              <a:rPr lang="ja-JP" altLang="en-US" dirty="0"/>
+              <a:t>になっているので「</a:t>
+            </a:r>
+            <a:r>
+              <a:rPr lang="en-US" altLang="ja-JP" dirty="0"/>
+              <a:t>Kanban</a:t>
+            </a:r>
+            <a:r>
+              <a:rPr lang="ja-JP" altLang="en-US" dirty="0"/>
+              <a:t>」に書き直す</a:t>
+            </a:r>
+            <a:endParaRPr kumimoji="1" lang="ja-JP" altLang="en-US" dirty="0"/>
           </a:p>
         </p:txBody>
       </p:sp>
     </p:spTree>
     <p:extLst>
       <p:ext uri="{BB962C8B-B14F-4D97-AF65-F5344CB8AC3E}">
-        <p14:creationId xmlns:p14="http://schemas.microsoft.com/office/powerpoint/2010/main" val="4055750284"/>
+        <p14:creationId xmlns:p14="http://schemas.microsoft.com/office/powerpoint/2010/main" val="2836635271"/>
       </p:ext>
     </p:extLst>
   </p:cSld>
@@ -24991,137 +25136,12 @@
           <a:chExt cx="0" cy="0"/>
         </a:xfrm>
       </p:grpSpPr>
-      <p:sp>
-        <p:nvSpPr>
-          <p:cNvPr id="2" name="テキスト プレースホルダー 1">
-            <a:extLst>
-              <a:ext uri="{FF2B5EF4-FFF2-40B4-BE49-F238E27FC236}">
-                <a16:creationId xmlns:a16="http://schemas.microsoft.com/office/drawing/2014/main" id="{108695FD-77F6-4C84-98AA-993F8E684E42}"/>
-              </a:ext>
-            </a:extLst>
-          </p:cNvPr>
-          <p:cNvSpPr>
-            <a:spLocks noGrp="1"/>
-          </p:cNvSpPr>
-          <p:nvPr>
-            <p:ph type="body" sz="quarter" idx="10"/>
-          </p:nvPr>
-        </p:nvSpPr>
-        <p:spPr/>
-        <p:txBody>
-          <a:bodyPr/>
-          <a:lstStyle/>
-          <a:p>
-            <a:r>
-              <a:rPr lang="ja-JP" altLang="en-US"/>
-              <a:t>課題</a:t>
-            </a:r>
-            <a:r>
-              <a:rPr lang="en-US" altLang="ja-JP"/>
-              <a:t>4 - Step 3</a:t>
-            </a:r>
-            <a:endParaRPr kumimoji="1" lang="ja-JP" altLang="en-US"/>
-          </a:p>
-        </p:txBody>
-      </p:sp>
-      <p:sp>
-        <p:nvSpPr>
-          <p:cNvPr id="5" name="テキスト ボックス 4">
-            <a:extLst>
-              <a:ext uri="{FF2B5EF4-FFF2-40B4-BE49-F238E27FC236}">
-                <a16:creationId xmlns:a16="http://schemas.microsoft.com/office/drawing/2014/main" id="{D96749E3-0B01-44D6-AF5E-DB127E7E65D1}"/>
-              </a:ext>
-            </a:extLst>
-          </p:cNvPr>
-          <p:cNvSpPr txBox="1"/>
-          <p:nvPr/>
-        </p:nvSpPr>
-        <p:spPr>
-          <a:xfrm>
-            <a:off x="395536" y="1844824"/>
-            <a:ext cx="4576762" cy="400110"/>
-          </a:xfrm>
-          <a:prstGeom prst="rect">
-            <a:avLst/>
-          </a:prstGeom>
-          <a:noFill/>
-          <a:ln>
-            <a:solidFill>
-              <a:schemeClr val="tx1"/>
-            </a:solidFill>
-          </a:ln>
-        </p:spPr>
-        <p:txBody>
-          <a:bodyPr wrap="square">
-            <a:spAutoFit/>
-          </a:bodyPr>
-          <a:lstStyle/>
-          <a:p>
-            <a:r>
-              <a:rPr lang="en-US" altLang="ja-JP" sz="2000">
-                <a:latin typeface="Consolas" panose="020B0609020204030204" pitchFamily="49" charset="0"/>
-              </a:rPr>
-              <a:t>git switch -c doc/2/README</a:t>
-            </a:r>
-            <a:endParaRPr lang="ja-JP" altLang="en-US" sz="2000">
-              <a:latin typeface="Consolas" panose="020B0609020204030204" pitchFamily="49" charset="0"/>
-            </a:endParaRPr>
-          </a:p>
-        </p:txBody>
-      </p:sp>
-      <p:sp>
-        <p:nvSpPr>
-          <p:cNvPr id="7" name="テキスト ボックス 6">
-            <a:extLst>
-              <a:ext uri="{FF2B5EF4-FFF2-40B4-BE49-F238E27FC236}">
-                <a16:creationId xmlns:a16="http://schemas.microsoft.com/office/drawing/2014/main" id="{D53BD1A9-B04A-43C5-9A5E-DAECCFA882F1}"/>
-              </a:ext>
-            </a:extLst>
-          </p:cNvPr>
-          <p:cNvSpPr txBox="1"/>
-          <p:nvPr/>
-        </p:nvSpPr>
-        <p:spPr>
-          <a:xfrm>
-            <a:off x="395536" y="1268760"/>
-            <a:ext cx="4442242" cy="369332"/>
-          </a:xfrm>
-          <a:prstGeom prst="rect">
-            <a:avLst/>
-          </a:prstGeom>
-          <a:noFill/>
-        </p:spPr>
-        <p:txBody>
-          <a:bodyPr wrap="none" rtlCol="0">
-            <a:spAutoFit/>
-          </a:bodyPr>
-          <a:lstStyle/>
-          <a:p>
-            <a:r>
-              <a:rPr kumimoji="1" lang="en-US" altLang="ja-JP"/>
-              <a:t>github/test</a:t>
-            </a:r>
-            <a:r>
-              <a:rPr kumimoji="1" lang="ja-JP" altLang="en-US"/>
-              <a:t>にて、</a:t>
-            </a:r>
-            <a:r>
-              <a:rPr kumimoji="1" lang="en-US" altLang="ja-JP"/>
-              <a:t>Git Bash</a:t>
-            </a:r>
-            <a:r>
-              <a:rPr kumimoji="1" lang="ja-JP" altLang="en-US"/>
-              <a:t>でブランチ作成</a:t>
-            </a:r>
-          </a:p>
-        </p:txBody>
-      </p:sp>
       <p:pic>
         <p:nvPicPr>
-          <p:cNvPr id="9" name="図 8">
-            <a:extLst>
-              <a:ext uri="{FF2B5EF4-FFF2-40B4-BE49-F238E27FC236}">
-                <a16:creationId xmlns:a16="http://schemas.microsoft.com/office/drawing/2014/main" id="{1D898185-2E7A-4956-A4B2-E68A541DCFB6}"/>
+          <p:cNvPr id="19" name="図 18">
+            <a:extLst>
+              <a:ext uri="{FF2B5EF4-FFF2-40B4-BE49-F238E27FC236}">
+                <a16:creationId xmlns:a16="http://schemas.microsoft.com/office/drawing/2014/main" id="{ED718071-C9B5-22CF-3271-F037FDD2E39F}"/>
               </a:ext>
             </a:extLst>
           </p:cNvPr>
@@ -25138,8 +25158,8 @@
         </p:blipFill>
         <p:spPr>
           <a:xfrm>
-            <a:off x="251520" y="2780928"/>
-            <a:ext cx="8560240" cy="3264068"/>
+            <a:off x="2915816" y="1052736"/>
+            <a:ext cx="6011770" cy="2952328"/>
           </a:xfrm>
           <a:prstGeom prst="rect">
             <a:avLst/>
@@ -25148,10 +25168,43 @@
       </p:pic>
       <p:sp>
         <p:nvSpPr>
-          <p:cNvPr id="10" name="矢印: 右 9">
-            <a:extLst>
-              <a:ext uri="{FF2B5EF4-FFF2-40B4-BE49-F238E27FC236}">
-                <a16:creationId xmlns:a16="http://schemas.microsoft.com/office/drawing/2014/main" id="{2C9E214D-D2C0-4712-9655-7ADD10296CA3}"/>
+          <p:cNvPr id="2" name="テキスト プレースホルダー 1">
+            <a:extLst>
+              <a:ext uri="{FF2B5EF4-FFF2-40B4-BE49-F238E27FC236}">
+                <a16:creationId xmlns:a16="http://schemas.microsoft.com/office/drawing/2014/main" id="{52ABA9D4-CAB6-CD2B-0037-E1C463D87E08}"/>
+              </a:ext>
+            </a:extLst>
+          </p:cNvPr>
+          <p:cNvSpPr>
+            <a:spLocks noGrp="1"/>
+          </p:cNvSpPr>
+          <p:nvPr>
+            <p:ph type="body" sz="quarter" idx="10"/>
+          </p:nvPr>
+        </p:nvSpPr>
+        <p:spPr/>
+        <p:txBody>
+          <a:bodyPr/>
+          <a:lstStyle/>
+          <a:p>
+            <a:r>
+              <a:rPr lang="ja-JP" altLang="en-US" dirty="0"/>
+              <a:t>課題</a:t>
+            </a:r>
+            <a:r>
+              <a:rPr lang="en-US" altLang="ja-JP" dirty="0"/>
+              <a:t>4 - Step 1</a:t>
+            </a:r>
+            <a:endParaRPr kumimoji="1" lang="ja-JP" altLang="en-US" dirty="0"/>
+          </a:p>
+        </p:txBody>
+      </p:sp>
+      <p:sp>
+        <p:nvSpPr>
+          <p:cNvPr id="4" name="四角形: 角を丸くする 3">
+            <a:extLst>
+              <a:ext uri="{FF2B5EF4-FFF2-40B4-BE49-F238E27FC236}">
+                <a16:creationId xmlns:a16="http://schemas.microsoft.com/office/drawing/2014/main" id="{21F1A407-293C-33E2-E4D4-C27CCB2B4895}"/>
               </a:ext>
             </a:extLst>
           </p:cNvPr>
@@ -25160,10 +25213,196 @@
         </p:nvSpPr>
         <p:spPr>
           <a:xfrm>
-            <a:off x="2627784" y="3861048"/>
-            <a:ext cx="720080" cy="360040"/>
-          </a:xfrm>
-          <a:prstGeom prst="rightArrow">
+            <a:off x="8028384" y="2348880"/>
+            <a:ext cx="792088" cy="288032"/>
+          </a:xfrm>
+          <a:prstGeom prst="roundRect">
+            <a:avLst/>
+          </a:prstGeom>
+          <a:noFill/>
+          <a:ln w="38100">
+            <a:solidFill>
+              <a:srgbClr val="FF0000"/>
+            </a:solidFill>
+          </a:ln>
+        </p:spPr>
+        <p:style>
+          <a:lnRef idx="2">
+            <a:schemeClr val="accent1">
+              <a:shade val="50000"/>
+            </a:schemeClr>
+          </a:lnRef>
+          <a:fillRef idx="1">
+            <a:schemeClr val="accent1"/>
+          </a:fillRef>
+          <a:effectRef idx="0">
+            <a:schemeClr val="accent1"/>
+          </a:effectRef>
+          <a:fontRef idx="minor">
+            <a:schemeClr val="lt1"/>
+          </a:fontRef>
+        </p:style>
+        <p:txBody>
+          <a:bodyPr rtlCol="0" anchor="ctr"/>
+          <a:lstStyle/>
+          <a:p>
+            <a:pPr algn="ctr"/>
+            <a:endParaRPr kumimoji="1" lang="ja-JP" altLang="en-US"/>
+          </a:p>
+        </p:txBody>
+      </p:sp>
+      <p:sp>
+        <p:nvSpPr>
+          <p:cNvPr id="5" name="四角形: 角を丸くする 4">
+            <a:extLst>
+              <a:ext uri="{FF2B5EF4-FFF2-40B4-BE49-F238E27FC236}">
+                <a16:creationId xmlns:a16="http://schemas.microsoft.com/office/drawing/2014/main" id="{5887E7E9-D8FA-3C34-0EF1-2EA0D3598BDD}"/>
+              </a:ext>
+            </a:extLst>
+          </p:cNvPr>
+          <p:cNvSpPr/>
+          <p:nvPr/>
+        </p:nvSpPr>
+        <p:spPr>
+          <a:xfrm>
+            <a:off x="6156176" y="2924944"/>
+            <a:ext cx="1080120" cy="360040"/>
+          </a:xfrm>
+          <a:prstGeom prst="roundRect">
+            <a:avLst/>
+          </a:prstGeom>
+          <a:noFill/>
+          <a:ln w="38100">
+            <a:solidFill>
+              <a:srgbClr val="FF0000"/>
+            </a:solidFill>
+          </a:ln>
+        </p:spPr>
+        <p:style>
+          <a:lnRef idx="2">
+            <a:schemeClr val="accent1">
+              <a:shade val="50000"/>
+            </a:schemeClr>
+          </a:lnRef>
+          <a:fillRef idx="1">
+            <a:schemeClr val="accent1"/>
+          </a:fillRef>
+          <a:effectRef idx="0">
+            <a:schemeClr val="accent1"/>
+          </a:effectRef>
+          <a:fontRef idx="minor">
+            <a:schemeClr val="lt1"/>
+          </a:fontRef>
+        </p:style>
+        <p:txBody>
+          <a:bodyPr rtlCol="0" anchor="ctr"/>
+          <a:lstStyle/>
+          <a:p>
+            <a:pPr algn="ctr"/>
+            <a:endParaRPr kumimoji="1" lang="ja-JP" altLang="en-US"/>
+          </a:p>
+        </p:txBody>
+      </p:sp>
+      <p:pic>
+        <p:nvPicPr>
+          <p:cNvPr id="7" name="図 6">
+            <a:extLst>
+              <a:ext uri="{FF2B5EF4-FFF2-40B4-BE49-F238E27FC236}">
+                <a16:creationId xmlns:a16="http://schemas.microsoft.com/office/drawing/2014/main" id="{0CD40C9F-7111-E08D-5A97-64C442F8438B}"/>
+              </a:ext>
+            </a:extLst>
+          </p:cNvPr>
+          <p:cNvPicPr>
+            <a:picLocks noChangeAspect="1"/>
+          </p:cNvPicPr>
+          <p:nvPr/>
+        </p:nvPicPr>
+        <p:blipFill>
+          <a:blip r:embed="rId3"/>
+          <a:stretch>
+            <a:fillRect/>
+          </a:stretch>
+        </p:blipFill>
+        <p:spPr>
+          <a:xfrm>
+            <a:off x="107504" y="1052736"/>
+            <a:ext cx="2348640" cy="1656184"/>
+          </a:xfrm>
+          <a:prstGeom prst="rect">
+            <a:avLst/>
+          </a:prstGeom>
+        </p:spPr>
+      </p:pic>
+      <p:sp>
+        <p:nvSpPr>
+          <p:cNvPr id="8" name="四角形: 角を丸くする 7">
+            <a:extLst>
+              <a:ext uri="{FF2B5EF4-FFF2-40B4-BE49-F238E27FC236}">
+                <a16:creationId xmlns:a16="http://schemas.microsoft.com/office/drawing/2014/main" id="{10A10BAD-C929-2EFF-52BF-887E60616912}"/>
+              </a:ext>
+            </a:extLst>
+          </p:cNvPr>
+          <p:cNvSpPr/>
+          <p:nvPr/>
+        </p:nvSpPr>
+        <p:spPr>
+          <a:xfrm>
+            <a:off x="179512" y="2276872"/>
+            <a:ext cx="1368152" cy="216024"/>
+          </a:xfrm>
+          <a:prstGeom prst="roundRect">
+            <a:avLst/>
+          </a:prstGeom>
+          <a:noFill/>
+          <a:ln w="38100">
+            <a:solidFill>
+              <a:srgbClr val="FF0000"/>
+            </a:solidFill>
+          </a:ln>
+        </p:spPr>
+        <p:style>
+          <a:lnRef idx="2">
+            <a:schemeClr val="accent1">
+              <a:shade val="50000"/>
+            </a:schemeClr>
+          </a:lnRef>
+          <a:fillRef idx="1">
+            <a:schemeClr val="accent1"/>
+          </a:fillRef>
+          <a:effectRef idx="0">
+            <a:schemeClr val="accent1"/>
+          </a:effectRef>
+          <a:fontRef idx="minor">
+            <a:schemeClr val="lt1"/>
+          </a:fontRef>
+        </p:style>
+        <p:txBody>
+          <a:bodyPr rtlCol="0" anchor="ctr"/>
+          <a:lstStyle/>
+          <a:p>
+            <a:pPr algn="ctr"/>
+            <a:endParaRPr kumimoji="1" lang="ja-JP" altLang="en-US"/>
+          </a:p>
+        </p:txBody>
+      </p:sp>
+      <p:sp>
+        <p:nvSpPr>
+          <p:cNvPr id="9" name="楕円 8">
+            <a:extLst>
+              <a:ext uri="{FF2B5EF4-FFF2-40B4-BE49-F238E27FC236}">
+                <a16:creationId xmlns:a16="http://schemas.microsoft.com/office/drawing/2014/main" id="{26418C2C-3414-85CD-7E7F-B5029E87CD99}"/>
+              </a:ext>
+            </a:extLst>
+          </p:cNvPr>
+          <p:cNvSpPr/>
+          <p:nvPr/>
+        </p:nvSpPr>
+        <p:spPr>
+          <a:xfrm>
+            <a:off x="7524328" y="2132856"/>
+            <a:ext cx="432048" cy="438572"/>
+          </a:xfrm>
+          <a:prstGeom prst="ellipse">
             <a:avLst/>
           </a:prstGeom>
           <a:solidFill>
@@ -25196,61 +25435,376 @@
           <a:lstStyle/>
           <a:p>
             <a:pPr algn="ctr"/>
+            <a:r>
+              <a:rPr kumimoji="1" lang="en-US" altLang="ja-JP" dirty="0"/>
+              <a:t>2</a:t>
+            </a:r>
+            <a:endParaRPr kumimoji="1" lang="ja-JP" altLang="en-US" dirty="0"/>
+          </a:p>
+        </p:txBody>
+      </p:sp>
+      <p:sp>
+        <p:nvSpPr>
+          <p:cNvPr id="10" name="楕円 9">
+            <a:extLst>
+              <a:ext uri="{FF2B5EF4-FFF2-40B4-BE49-F238E27FC236}">
+                <a16:creationId xmlns:a16="http://schemas.microsoft.com/office/drawing/2014/main" id="{AE7B20FD-0081-B7E2-0B67-F4618002691E}"/>
+              </a:ext>
+            </a:extLst>
+          </p:cNvPr>
+          <p:cNvSpPr/>
+          <p:nvPr/>
+        </p:nvSpPr>
+        <p:spPr>
+          <a:xfrm>
+            <a:off x="5724128" y="2780928"/>
+            <a:ext cx="432048" cy="438572"/>
+          </a:xfrm>
+          <a:prstGeom prst="ellipse">
+            <a:avLst/>
+          </a:prstGeom>
+          <a:solidFill>
+            <a:srgbClr val="FF0000"/>
+          </a:solidFill>
+          <a:ln>
+            <a:solidFill>
+              <a:schemeClr val="tx1"/>
+            </a:solidFill>
+          </a:ln>
+        </p:spPr>
+        <p:style>
+          <a:lnRef idx="2">
+            <a:schemeClr val="accent1">
+              <a:shade val="50000"/>
+            </a:schemeClr>
+          </a:lnRef>
+          <a:fillRef idx="1">
+            <a:schemeClr val="accent1"/>
+          </a:fillRef>
+          <a:effectRef idx="0">
+            <a:schemeClr val="accent1"/>
+          </a:effectRef>
+          <a:fontRef idx="minor">
+            <a:schemeClr val="lt1"/>
+          </a:fontRef>
+        </p:style>
+        <p:txBody>
+          <a:bodyPr rtlCol="0" anchor="ctr"/>
+          <a:lstStyle/>
+          <a:p>
+            <a:pPr algn="ctr"/>
+            <a:r>
+              <a:rPr kumimoji="1" lang="en-US" altLang="ja-JP" dirty="0"/>
+              <a:t>3</a:t>
+            </a:r>
+            <a:endParaRPr kumimoji="1" lang="ja-JP" altLang="en-US" dirty="0"/>
+          </a:p>
+        </p:txBody>
+      </p:sp>
+      <p:sp>
+        <p:nvSpPr>
+          <p:cNvPr id="11" name="矢印: 下 10">
+            <a:extLst>
+              <a:ext uri="{FF2B5EF4-FFF2-40B4-BE49-F238E27FC236}">
+                <a16:creationId xmlns:a16="http://schemas.microsoft.com/office/drawing/2014/main" id="{968E5BA8-010A-CCFF-8FAA-6CCC0526F031}"/>
+              </a:ext>
+            </a:extLst>
+          </p:cNvPr>
+          <p:cNvSpPr/>
+          <p:nvPr/>
+        </p:nvSpPr>
+        <p:spPr>
+          <a:xfrm>
+            <a:off x="4788024" y="4293096"/>
+            <a:ext cx="360040" cy="330336"/>
+          </a:xfrm>
+          <a:prstGeom prst="downArrow">
+            <a:avLst/>
+          </a:prstGeom>
+          <a:solidFill>
+            <a:srgbClr val="FF0000"/>
+          </a:solidFill>
+          <a:ln>
+            <a:solidFill>
+              <a:schemeClr val="tx1"/>
+            </a:solidFill>
+          </a:ln>
+        </p:spPr>
+        <p:style>
+          <a:lnRef idx="2">
+            <a:schemeClr val="accent1">
+              <a:shade val="50000"/>
+            </a:schemeClr>
+          </a:lnRef>
+          <a:fillRef idx="1">
+            <a:schemeClr val="accent1"/>
+          </a:fillRef>
+          <a:effectRef idx="0">
+            <a:schemeClr val="accent1"/>
+          </a:effectRef>
+          <a:fontRef idx="minor">
+            <a:schemeClr val="lt1"/>
+          </a:fontRef>
+        </p:style>
+        <p:txBody>
+          <a:bodyPr rtlCol="0" anchor="ctr"/>
+          <a:lstStyle/>
+          <a:p>
+            <a:pPr algn="ctr"/>
             <a:endParaRPr kumimoji="1" lang="ja-JP" altLang="en-US"/>
           </a:p>
         </p:txBody>
       </p:sp>
       <p:sp>
         <p:nvSpPr>
-          <p:cNvPr id="11" name="テキスト ボックス 10">
-            <a:extLst>
-              <a:ext uri="{FF2B5EF4-FFF2-40B4-BE49-F238E27FC236}">
-                <a16:creationId xmlns:a16="http://schemas.microsoft.com/office/drawing/2014/main" id="{3702BAD0-996F-4057-9452-941E9149D04A}"/>
-              </a:ext>
-            </a:extLst>
-          </p:cNvPr>
-          <p:cNvSpPr txBox="1"/>
-          <p:nvPr/>
-        </p:nvSpPr>
-        <p:spPr>
-          <a:xfrm>
-            <a:off x="1691680" y="4725144"/>
-            <a:ext cx="4570482" cy="646331"/>
-          </a:xfrm>
-          <a:prstGeom prst="rect">
-            <a:avLst/>
-          </a:prstGeom>
-          <a:noFill/>
-        </p:spPr>
-        <p:txBody>
-          <a:bodyPr wrap="none" rtlCol="0">
-            <a:spAutoFit/>
-          </a:bodyPr>
-          <a:lstStyle/>
-          <a:p>
-            <a:r>
-              <a:rPr kumimoji="1" lang="ja-JP" altLang="en-US"/>
-              <a:t>ブランチを作ったので、対応するカードを</a:t>
-            </a:r>
-            <a:endParaRPr kumimoji="1" lang="en-US" altLang="ja-JP"/>
-          </a:p>
-          <a:p>
-            <a:r>
-              <a:rPr lang="en-US" altLang="ja-JP"/>
-              <a:t>In progress</a:t>
-            </a:r>
-            <a:r>
-              <a:rPr lang="ja-JP" altLang="en-US"/>
-              <a:t>へドラッグして移動</a:t>
-            </a:r>
+          <p:cNvPr id="12" name="矢印: 右 11">
+            <a:extLst>
+              <a:ext uri="{FF2B5EF4-FFF2-40B4-BE49-F238E27FC236}">
+                <a16:creationId xmlns:a16="http://schemas.microsoft.com/office/drawing/2014/main" id="{5C7BFECA-82B0-17CA-6149-EE5144A5C368}"/>
+              </a:ext>
+            </a:extLst>
+          </p:cNvPr>
+          <p:cNvSpPr/>
+          <p:nvPr/>
+        </p:nvSpPr>
+        <p:spPr>
+          <a:xfrm>
+            <a:off x="2483768" y="1988840"/>
+            <a:ext cx="288032" cy="340616"/>
+          </a:xfrm>
+          <a:prstGeom prst="rightArrow">
+            <a:avLst/>
+          </a:prstGeom>
+          <a:solidFill>
+            <a:srgbClr val="FF0000"/>
+          </a:solidFill>
+          <a:ln>
+            <a:solidFill>
+              <a:schemeClr val="tx1"/>
+            </a:solidFill>
+          </a:ln>
+        </p:spPr>
+        <p:style>
+          <a:lnRef idx="2">
+            <a:schemeClr val="accent1">
+              <a:shade val="50000"/>
+            </a:schemeClr>
+          </a:lnRef>
+          <a:fillRef idx="1">
+            <a:schemeClr val="accent1"/>
+          </a:fillRef>
+          <a:effectRef idx="0">
+            <a:schemeClr val="accent1"/>
+          </a:effectRef>
+          <a:fontRef idx="minor">
+            <a:schemeClr val="lt1"/>
+          </a:fontRef>
+        </p:style>
+        <p:txBody>
+          <a:bodyPr rtlCol="0" anchor="ctr"/>
+          <a:lstStyle/>
+          <a:p>
+            <a:pPr algn="ctr"/>
             <a:endParaRPr kumimoji="1" lang="ja-JP" altLang="en-US"/>
           </a:p>
         </p:txBody>
       </p:sp>
+      <p:sp>
+        <p:nvSpPr>
+          <p:cNvPr id="13" name="四角形: 角を丸くする 12">
+            <a:extLst>
+              <a:ext uri="{FF2B5EF4-FFF2-40B4-BE49-F238E27FC236}">
+                <a16:creationId xmlns:a16="http://schemas.microsoft.com/office/drawing/2014/main" id="{3342B997-FCCB-09D2-20AA-E1A0FE5D0151}"/>
+              </a:ext>
+            </a:extLst>
+          </p:cNvPr>
+          <p:cNvSpPr/>
+          <p:nvPr/>
+        </p:nvSpPr>
+        <p:spPr>
+          <a:xfrm>
+            <a:off x="5652120" y="1844824"/>
+            <a:ext cx="576064" cy="216024"/>
+          </a:xfrm>
+          <a:prstGeom prst="roundRect">
+            <a:avLst/>
+          </a:prstGeom>
+          <a:noFill/>
+          <a:ln w="38100">
+            <a:solidFill>
+              <a:srgbClr val="FF0000"/>
+            </a:solidFill>
+          </a:ln>
+        </p:spPr>
+        <p:style>
+          <a:lnRef idx="2">
+            <a:schemeClr val="accent1">
+              <a:shade val="50000"/>
+            </a:schemeClr>
+          </a:lnRef>
+          <a:fillRef idx="1">
+            <a:schemeClr val="accent1"/>
+          </a:fillRef>
+          <a:effectRef idx="0">
+            <a:schemeClr val="accent1"/>
+          </a:effectRef>
+          <a:fontRef idx="minor">
+            <a:schemeClr val="lt1"/>
+          </a:fontRef>
+        </p:style>
+        <p:txBody>
+          <a:bodyPr rtlCol="0" anchor="ctr"/>
+          <a:lstStyle/>
+          <a:p>
+            <a:pPr algn="ctr"/>
+            <a:endParaRPr kumimoji="1" lang="ja-JP" altLang="en-US"/>
+          </a:p>
+        </p:txBody>
+      </p:sp>
+      <p:sp>
+        <p:nvSpPr>
+          <p:cNvPr id="14" name="四角形: 角を丸くする 13">
+            <a:extLst>
+              <a:ext uri="{FF2B5EF4-FFF2-40B4-BE49-F238E27FC236}">
+                <a16:creationId xmlns:a16="http://schemas.microsoft.com/office/drawing/2014/main" id="{DBB4A571-CCC0-A8D2-C7C0-DF8C119C4B51}"/>
+              </a:ext>
+            </a:extLst>
+          </p:cNvPr>
+          <p:cNvSpPr/>
+          <p:nvPr/>
+        </p:nvSpPr>
+        <p:spPr>
+          <a:xfrm>
+            <a:off x="251520" y="1124744"/>
+            <a:ext cx="360040" cy="288032"/>
+          </a:xfrm>
+          <a:prstGeom prst="roundRect">
+            <a:avLst/>
+          </a:prstGeom>
+          <a:noFill/>
+          <a:ln w="38100">
+            <a:solidFill>
+              <a:srgbClr val="FF0000"/>
+            </a:solidFill>
+          </a:ln>
+        </p:spPr>
+        <p:style>
+          <a:lnRef idx="2">
+            <a:schemeClr val="accent1">
+              <a:shade val="50000"/>
+            </a:schemeClr>
+          </a:lnRef>
+          <a:fillRef idx="1">
+            <a:schemeClr val="accent1"/>
+          </a:fillRef>
+          <a:effectRef idx="0">
+            <a:schemeClr val="accent1"/>
+          </a:effectRef>
+          <a:fontRef idx="minor">
+            <a:schemeClr val="lt1"/>
+          </a:fontRef>
+        </p:style>
+        <p:txBody>
+          <a:bodyPr rtlCol="0" anchor="ctr"/>
+          <a:lstStyle/>
+          <a:p>
+            <a:pPr algn="ctr"/>
+            <a:endParaRPr kumimoji="1" lang="ja-JP" altLang="en-US"/>
+          </a:p>
+        </p:txBody>
+      </p:sp>
+      <p:sp>
+        <p:nvSpPr>
+          <p:cNvPr id="15" name="楕円 14">
+            <a:extLst>
+              <a:ext uri="{FF2B5EF4-FFF2-40B4-BE49-F238E27FC236}">
+                <a16:creationId xmlns:a16="http://schemas.microsoft.com/office/drawing/2014/main" id="{EDA0F2D3-3AE1-0771-E3F5-17B20278B745}"/>
+              </a:ext>
+            </a:extLst>
+          </p:cNvPr>
+          <p:cNvSpPr/>
+          <p:nvPr/>
+        </p:nvSpPr>
+        <p:spPr>
+          <a:xfrm>
+            <a:off x="5364088" y="1412776"/>
+            <a:ext cx="432048" cy="438572"/>
+          </a:xfrm>
+          <a:prstGeom prst="ellipse">
+            <a:avLst/>
+          </a:prstGeom>
+          <a:solidFill>
+            <a:srgbClr val="FF0000"/>
+          </a:solidFill>
+          <a:ln>
+            <a:solidFill>
+              <a:schemeClr val="tx1"/>
+            </a:solidFill>
+          </a:ln>
+        </p:spPr>
+        <p:style>
+          <a:lnRef idx="2">
+            <a:schemeClr val="accent1">
+              <a:shade val="50000"/>
+            </a:schemeClr>
+          </a:lnRef>
+          <a:fillRef idx="1">
+            <a:schemeClr val="accent1"/>
+          </a:fillRef>
+          <a:effectRef idx="0">
+            <a:schemeClr val="accent1"/>
+          </a:effectRef>
+          <a:fontRef idx="minor">
+            <a:schemeClr val="lt1"/>
+          </a:fontRef>
+        </p:style>
+        <p:txBody>
+          <a:bodyPr rtlCol="0" anchor="ctr"/>
+          <a:lstStyle/>
+          <a:p>
+            <a:pPr algn="ctr"/>
+            <a:r>
+              <a:rPr kumimoji="1" lang="en-US" altLang="ja-JP" dirty="0"/>
+              <a:t>1</a:t>
+            </a:r>
+            <a:endParaRPr kumimoji="1" lang="ja-JP" altLang="en-US" dirty="0"/>
+          </a:p>
+        </p:txBody>
+      </p:sp>
+      <p:pic>
+        <p:nvPicPr>
+          <p:cNvPr id="21" name="図 20">
+            <a:extLst>
+              <a:ext uri="{FF2B5EF4-FFF2-40B4-BE49-F238E27FC236}">
+                <a16:creationId xmlns:a16="http://schemas.microsoft.com/office/drawing/2014/main" id="{EEAA188F-FA56-BC9A-77EF-2AEEB218A519}"/>
+              </a:ext>
+            </a:extLst>
+          </p:cNvPr>
+          <p:cNvPicPr>
+            <a:picLocks noChangeAspect="1"/>
+          </p:cNvPicPr>
+          <p:nvPr/>
+        </p:nvPicPr>
+        <p:blipFill>
+          <a:blip r:embed="rId4"/>
+          <a:stretch>
+            <a:fillRect/>
+          </a:stretch>
+        </p:blipFill>
+        <p:spPr>
+          <a:xfrm>
+            <a:off x="2411760" y="4725144"/>
+            <a:ext cx="4824536" cy="1921276"/>
+          </a:xfrm>
+          <a:prstGeom prst="rect">
+            <a:avLst/>
+          </a:prstGeom>
+        </p:spPr>
+      </p:pic>
     </p:spTree>
     <p:extLst>
       <p:ext uri="{BB962C8B-B14F-4D97-AF65-F5344CB8AC3E}">
-        <p14:creationId xmlns:p14="http://schemas.microsoft.com/office/powerpoint/2010/main" val="2231624911"/>
+        <p14:creationId xmlns:p14="http://schemas.microsoft.com/office/powerpoint/2010/main" val="2386645723"/>
       </p:ext>
     </p:extLst>
   </p:cSld>
@@ -25277,12 +25831,42 @@
           <a:chExt cx="0" cy="0"/>
         </a:xfrm>
       </p:grpSpPr>
+      <p:pic>
+        <p:nvPicPr>
+          <p:cNvPr id="19" name="図 18">
+            <a:extLst>
+              <a:ext uri="{FF2B5EF4-FFF2-40B4-BE49-F238E27FC236}">
+                <a16:creationId xmlns:a16="http://schemas.microsoft.com/office/drawing/2014/main" id="{33CBE59A-AD10-214E-9DA0-7DA36AFD695A}"/>
+              </a:ext>
+            </a:extLst>
+          </p:cNvPr>
+          <p:cNvPicPr>
+            <a:picLocks noChangeAspect="1"/>
+          </p:cNvPicPr>
+          <p:nvPr/>
+        </p:nvPicPr>
+        <p:blipFill>
+          <a:blip r:embed="rId2"/>
+          <a:stretch>
+            <a:fillRect/>
+          </a:stretch>
+        </p:blipFill>
+        <p:spPr>
+          <a:xfrm>
+            <a:off x="755576" y="1556792"/>
+            <a:ext cx="6905181" cy="4536504"/>
+          </a:xfrm>
+          <a:prstGeom prst="rect">
+            <a:avLst/>
+          </a:prstGeom>
+        </p:spPr>
+      </p:pic>
       <p:sp>
         <p:nvSpPr>
           <p:cNvPr id="2" name="テキスト プレースホルダー 1">
             <a:extLst>
               <a:ext uri="{FF2B5EF4-FFF2-40B4-BE49-F238E27FC236}">
-                <a16:creationId xmlns:a16="http://schemas.microsoft.com/office/drawing/2014/main" id="{A11F2F44-75E7-4A95-9EDD-FD49AFC3067C}"/>
+                <a16:creationId xmlns:a16="http://schemas.microsoft.com/office/drawing/2014/main" id="{CEF24C89-3C85-4354-B80D-702DE8C2FB0D}"/>
               </a:ext>
             </a:extLst>
           </p:cNvPr>
@@ -25304,7 +25888,7 @@
             </a:r>
             <a:r>
               <a:rPr lang="en-US" altLang="ja-JP"/>
-              <a:t>4 - Step 4</a:t>
+              <a:t>4 - Step 2</a:t>
             </a:r>
             <a:endParaRPr kumimoji="1" lang="ja-JP" altLang="en-US"/>
           </a:p>
@@ -25312,10 +25896,324 @@
       </p:sp>
       <p:sp>
         <p:nvSpPr>
-          <p:cNvPr id="5" name="テキスト ボックス 4">
-            <a:extLst>
-              <a:ext uri="{FF2B5EF4-FFF2-40B4-BE49-F238E27FC236}">
-                <a16:creationId xmlns:a16="http://schemas.microsoft.com/office/drawing/2014/main" id="{8FE69BCF-83D3-47A6-BF9D-B9475171E7B1}"/>
+          <p:cNvPr id="5" name="四角形: 角を丸くする 4">
+            <a:extLst>
+              <a:ext uri="{FF2B5EF4-FFF2-40B4-BE49-F238E27FC236}">
+                <a16:creationId xmlns:a16="http://schemas.microsoft.com/office/drawing/2014/main" id="{863C2C03-E906-4253-A7D7-4E9BCCBB7F83}"/>
+              </a:ext>
+            </a:extLst>
+          </p:cNvPr>
+          <p:cNvSpPr/>
+          <p:nvPr/>
+        </p:nvSpPr>
+        <p:spPr>
+          <a:xfrm>
+            <a:off x="1475656" y="2348880"/>
+            <a:ext cx="576064" cy="216024"/>
+          </a:xfrm>
+          <a:prstGeom prst="roundRect">
+            <a:avLst/>
+          </a:prstGeom>
+          <a:noFill/>
+          <a:ln w="38100">
+            <a:solidFill>
+              <a:srgbClr val="FF0000"/>
+            </a:solidFill>
+          </a:ln>
+        </p:spPr>
+        <p:style>
+          <a:lnRef idx="2">
+            <a:schemeClr val="accent1">
+              <a:shade val="50000"/>
+            </a:schemeClr>
+          </a:lnRef>
+          <a:fillRef idx="1">
+            <a:schemeClr val="accent1"/>
+          </a:fillRef>
+          <a:effectRef idx="0">
+            <a:schemeClr val="accent1"/>
+          </a:effectRef>
+          <a:fontRef idx="minor">
+            <a:schemeClr val="lt1"/>
+          </a:fontRef>
+        </p:style>
+        <p:txBody>
+          <a:bodyPr rtlCol="0" anchor="ctr"/>
+          <a:lstStyle/>
+          <a:p>
+            <a:pPr algn="ctr"/>
+            <a:endParaRPr kumimoji="1" lang="ja-JP" altLang="en-US"/>
+          </a:p>
+        </p:txBody>
+      </p:sp>
+      <p:sp>
+        <p:nvSpPr>
+          <p:cNvPr id="6" name="四角形: 角を丸くする 5">
+            <a:extLst>
+              <a:ext uri="{FF2B5EF4-FFF2-40B4-BE49-F238E27FC236}">
+                <a16:creationId xmlns:a16="http://schemas.microsoft.com/office/drawing/2014/main" id="{09B9E69D-A750-410E-9296-96A357AAA966}"/>
+              </a:ext>
+            </a:extLst>
+          </p:cNvPr>
+          <p:cNvSpPr/>
+          <p:nvPr/>
+        </p:nvSpPr>
+        <p:spPr>
+          <a:xfrm>
+            <a:off x="1331640" y="2852936"/>
+            <a:ext cx="4176464" cy="288032"/>
+          </a:xfrm>
+          <a:prstGeom prst="roundRect">
+            <a:avLst/>
+          </a:prstGeom>
+          <a:noFill/>
+          <a:ln w="38100">
+            <a:solidFill>
+              <a:srgbClr val="FF0000"/>
+            </a:solidFill>
+          </a:ln>
+        </p:spPr>
+        <p:style>
+          <a:lnRef idx="2">
+            <a:schemeClr val="accent1">
+              <a:shade val="50000"/>
+            </a:schemeClr>
+          </a:lnRef>
+          <a:fillRef idx="1">
+            <a:schemeClr val="accent1"/>
+          </a:fillRef>
+          <a:effectRef idx="0">
+            <a:schemeClr val="accent1"/>
+          </a:effectRef>
+          <a:fontRef idx="minor">
+            <a:schemeClr val="lt1"/>
+          </a:fontRef>
+        </p:style>
+        <p:txBody>
+          <a:bodyPr rtlCol="0" anchor="ctr"/>
+          <a:lstStyle/>
+          <a:p>
+            <a:pPr algn="ctr"/>
+            <a:endParaRPr kumimoji="1" lang="ja-JP" altLang="en-US"/>
+          </a:p>
+        </p:txBody>
+      </p:sp>
+      <p:sp>
+        <p:nvSpPr>
+          <p:cNvPr id="7" name="四角形: 角を丸くする 6">
+            <a:extLst>
+              <a:ext uri="{FF2B5EF4-FFF2-40B4-BE49-F238E27FC236}">
+                <a16:creationId xmlns:a16="http://schemas.microsoft.com/office/drawing/2014/main" id="{7CFAB2BA-DCCD-4939-ABED-E2DD36E7DEFC}"/>
+              </a:ext>
+            </a:extLst>
+          </p:cNvPr>
+          <p:cNvSpPr/>
+          <p:nvPr/>
+        </p:nvSpPr>
+        <p:spPr>
+          <a:xfrm>
+            <a:off x="1331640" y="3501008"/>
+            <a:ext cx="3960440" cy="1584176"/>
+          </a:xfrm>
+          <a:prstGeom prst="roundRect">
+            <a:avLst>
+              <a:gd name="adj" fmla="val 7690"/>
+            </a:avLst>
+          </a:prstGeom>
+          <a:noFill/>
+          <a:ln w="38100">
+            <a:solidFill>
+              <a:srgbClr val="FF0000"/>
+            </a:solidFill>
+          </a:ln>
+        </p:spPr>
+        <p:style>
+          <a:lnRef idx="2">
+            <a:schemeClr val="accent1">
+              <a:shade val="50000"/>
+            </a:schemeClr>
+          </a:lnRef>
+          <a:fillRef idx="1">
+            <a:schemeClr val="accent1"/>
+          </a:fillRef>
+          <a:effectRef idx="0">
+            <a:schemeClr val="accent1"/>
+          </a:effectRef>
+          <a:fontRef idx="minor">
+            <a:schemeClr val="lt1"/>
+          </a:fontRef>
+        </p:style>
+        <p:txBody>
+          <a:bodyPr rtlCol="0" anchor="ctr"/>
+          <a:lstStyle/>
+          <a:p>
+            <a:pPr algn="ctr"/>
+            <a:endParaRPr kumimoji="1" lang="ja-JP" altLang="en-US"/>
+          </a:p>
+        </p:txBody>
+      </p:sp>
+      <p:sp>
+        <p:nvSpPr>
+          <p:cNvPr id="8" name="四角形: 角を丸くする 7">
+            <a:extLst>
+              <a:ext uri="{FF2B5EF4-FFF2-40B4-BE49-F238E27FC236}">
+                <a16:creationId xmlns:a16="http://schemas.microsoft.com/office/drawing/2014/main" id="{455415DC-44AE-40F4-9C6F-8A6A0158C6B6}"/>
+              </a:ext>
+            </a:extLst>
+          </p:cNvPr>
+          <p:cNvSpPr/>
+          <p:nvPr/>
+        </p:nvSpPr>
+        <p:spPr>
+          <a:xfrm>
+            <a:off x="5652120" y="3573016"/>
+            <a:ext cx="792088" cy="288032"/>
+          </a:xfrm>
+          <a:prstGeom prst="roundRect">
+            <a:avLst/>
+          </a:prstGeom>
+          <a:noFill/>
+          <a:ln w="38100">
+            <a:solidFill>
+              <a:srgbClr val="FF0000"/>
+            </a:solidFill>
+          </a:ln>
+        </p:spPr>
+        <p:style>
+          <a:lnRef idx="2">
+            <a:schemeClr val="accent1">
+              <a:shade val="50000"/>
+            </a:schemeClr>
+          </a:lnRef>
+          <a:fillRef idx="1">
+            <a:schemeClr val="accent1"/>
+          </a:fillRef>
+          <a:effectRef idx="0">
+            <a:schemeClr val="accent1"/>
+          </a:effectRef>
+          <a:fontRef idx="minor">
+            <a:schemeClr val="lt1"/>
+          </a:fontRef>
+        </p:style>
+        <p:txBody>
+          <a:bodyPr rtlCol="0" anchor="ctr"/>
+          <a:lstStyle/>
+          <a:p>
+            <a:pPr algn="ctr"/>
+            <a:endParaRPr kumimoji="1" lang="ja-JP" altLang="en-US"/>
+          </a:p>
+        </p:txBody>
+      </p:sp>
+      <p:sp>
+        <p:nvSpPr>
+          <p:cNvPr id="9" name="四角形: 角を丸くする 8">
+            <a:extLst>
+              <a:ext uri="{FF2B5EF4-FFF2-40B4-BE49-F238E27FC236}">
+                <a16:creationId xmlns:a16="http://schemas.microsoft.com/office/drawing/2014/main" id="{11F75CCF-E60D-4162-A42C-998CB242273D}"/>
+              </a:ext>
+            </a:extLst>
+          </p:cNvPr>
+          <p:cNvSpPr/>
+          <p:nvPr/>
+        </p:nvSpPr>
+        <p:spPr>
+          <a:xfrm>
+            <a:off x="5508104" y="5013176"/>
+            <a:ext cx="1944216" cy="360040"/>
+          </a:xfrm>
+          <a:prstGeom prst="roundRect">
+            <a:avLst/>
+          </a:prstGeom>
+          <a:noFill/>
+          <a:ln w="38100">
+            <a:solidFill>
+              <a:srgbClr val="FF0000"/>
+            </a:solidFill>
+          </a:ln>
+        </p:spPr>
+        <p:style>
+          <a:lnRef idx="2">
+            <a:schemeClr val="accent1">
+              <a:shade val="50000"/>
+            </a:schemeClr>
+          </a:lnRef>
+          <a:fillRef idx="1">
+            <a:schemeClr val="accent1"/>
+          </a:fillRef>
+          <a:effectRef idx="0">
+            <a:schemeClr val="accent1"/>
+          </a:effectRef>
+          <a:fontRef idx="minor">
+            <a:schemeClr val="lt1"/>
+          </a:fontRef>
+        </p:style>
+        <p:txBody>
+          <a:bodyPr rtlCol="0" anchor="ctr"/>
+          <a:lstStyle/>
+          <a:p>
+            <a:pPr algn="ctr"/>
+            <a:endParaRPr kumimoji="1" lang="ja-JP" altLang="en-US"/>
+          </a:p>
+        </p:txBody>
+      </p:sp>
+      <p:sp>
+        <p:nvSpPr>
+          <p:cNvPr id="10" name="四角形: 角を丸くする 9">
+            <a:extLst>
+              <a:ext uri="{FF2B5EF4-FFF2-40B4-BE49-F238E27FC236}">
+                <a16:creationId xmlns:a16="http://schemas.microsoft.com/office/drawing/2014/main" id="{594E4E3B-6A1C-4341-8F1D-692F736CFA85}"/>
+              </a:ext>
+            </a:extLst>
+          </p:cNvPr>
+          <p:cNvSpPr/>
+          <p:nvPr/>
+        </p:nvSpPr>
+        <p:spPr>
+          <a:xfrm>
+            <a:off x="4427984" y="5157192"/>
+            <a:ext cx="1008112" cy="288032"/>
+          </a:xfrm>
+          <a:prstGeom prst="roundRect">
+            <a:avLst/>
+          </a:prstGeom>
+          <a:noFill/>
+          <a:ln w="38100">
+            <a:solidFill>
+              <a:srgbClr val="FF0000"/>
+            </a:solidFill>
+          </a:ln>
+        </p:spPr>
+        <p:style>
+          <a:lnRef idx="2">
+            <a:schemeClr val="accent1">
+              <a:shade val="50000"/>
+            </a:schemeClr>
+          </a:lnRef>
+          <a:fillRef idx="1">
+            <a:schemeClr val="accent1"/>
+          </a:fillRef>
+          <a:effectRef idx="0">
+            <a:schemeClr val="accent1"/>
+          </a:effectRef>
+          <a:fontRef idx="minor">
+            <a:schemeClr val="lt1"/>
+          </a:fontRef>
+        </p:style>
+        <p:txBody>
+          <a:bodyPr rtlCol="0" anchor="ctr"/>
+          <a:lstStyle/>
+          <a:p>
+            <a:pPr algn="ctr"/>
+            <a:endParaRPr kumimoji="1" lang="ja-JP" altLang="en-US"/>
+          </a:p>
+        </p:txBody>
+      </p:sp>
+      <p:sp>
+        <p:nvSpPr>
+          <p:cNvPr id="15" name="テキスト ボックス 14">
+            <a:extLst>
+              <a:ext uri="{FF2B5EF4-FFF2-40B4-BE49-F238E27FC236}">
+                <a16:creationId xmlns:a16="http://schemas.microsoft.com/office/drawing/2014/main" id="{ACDA6CA2-B9C8-468B-8C86-C618CE2D87DC}"/>
               </a:ext>
             </a:extLst>
           </p:cNvPr>
@@ -25324,253 +26222,383 @@
         </p:nvSpPr>
         <p:spPr>
           <a:xfrm>
-            <a:off x="827584" y="2060848"/>
-            <a:ext cx="4572000" cy="830997"/>
-          </a:xfrm>
-          <a:prstGeom prst="rect">
-            <a:avLst/>
-          </a:prstGeom>
-          <a:noFill/>
+            <a:off x="467544" y="980728"/>
+            <a:ext cx="2121093" cy="523220"/>
+          </a:xfrm>
+          <a:prstGeom prst="rect">
+            <a:avLst/>
+          </a:prstGeom>
+          <a:noFill/>
+        </p:spPr>
+        <p:txBody>
+          <a:bodyPr wrap="none" rtlCol="0">
+            <a:spAutoFit/>
+          </a:bodyPr>
+          <a:lstStyle/>
+          <a:p>
+            <a:r>
+              <a:rPr kumimoji="1" lang="en-US" altLang="ja-JP" sz="2800"/>
+              <a:t>Issue</a:t>
+            </a:r>
+            <a:r>
+              <a:rPr kumimoji="1" lang="ja-JP" altLang="en-US" sz="2800"/>
+              <a:t>の作成</a:t>
+            </a:r>
+          </a:p>
+        </p:txBody>
+      </p:sp>
+      <p:sp>
+        <p:nvSpPr>
+          <p:cNvPr id="14" name="楕円 13">
+            <a:extLst>
+              <a:ext uri="{FF2B5EF4-FFF2-40B4-BE49-F238E27FC236}">
+                <a16:creationId xmlns:a16="http://schemas.microsoft.com/office/drawing/2014/main" id="{7339787F-15BA-4482-1849-0EAE30EF189D}"/>
+              </a:ext>
+            </a:extLst>
+          </p:cNvPr>
+          <p:cNvSpPr/>
+          <p:nvPr/>
+        </p:nvSpPr>
+        <p:spPr>
+          <a:xfrm>
+            <a:off x="2195736" y="2204864"/>
+            <a:ext cx="360040" cy="366564"/>
+          </a:xfrm>
+          <a:prstGeom prst="ellipse">
+            <a:avLst/>
+          </a:prstGeom>
+          <a:solidFill>
+            <a:srgbClr val="FF0000"/>
+          </a:solidFill>
           <a:ln>
             <a:solidFill>
               <a:schemeClr val="tx1"/>
             </a:solidFill>
           </a:ln>
         </p:spPr>
-        <p:txBody>
-          <a:bodyPr wrap="square">
-            <a:spAutoFit/>
-          </a:bodyPr>
-          <a:lstStyle/>
-          <a:p>
-            <a:r>
-              <a:rPr lang="en-US" altLang="ja-JP" sz="2400">
-                <a:latin typeface="Consolas" panose="020B0609020204030204" pitchFamily="49" charset="0"/>
-              </a:rPr>
-              <a:t>git add README.md</a:t>
-            </a:r>
-          </a:p>
-          <a:p>
-            <a:r>
-              <a:rPr lang="en-US" altLang="ja-JP" sz="2400">
-                <a:latin typeface="Consolas" panose="020B0609020204030204" pitchFamily="49" charset="0"/>
-              </a:rPr>
-              <a:t>git commit -m "</a:t>
-            </a:r>
-            <a:r>
-              <a:rPr lang="en-US" altLang="ja-JP" sz="2400">
-                <a:solidFill>
-                  <a:srgbClr val="FF0000"/>
-                </a:solidFill>
-                <a:latin typeface="Consolas" panose="020B0609020204030204" pitchFamily="49" charset="0"/>
-              </a:rPr>
-              <a:t>fixes #2</a:t>
-            </a:r>
-            <a:r>
-              <a:rPr lang="en-US" altLang="ja-JP" sz="2400">
-                <a:latin typeface="Consolas" panose="020B0609020204030204" pitchFamily="49" charset="0"/>
-              </a:rPr>
-              <a:t>"</a:t>
-            </a:r>
-          </a:p>
-        </p:txBody>
-      </p:sp>
-      <p:sp>
-        <p:nvSpPr>
-          <p:cNvPr id="6" name="テキスト ボックス 5">
-            <a:extLst>
-              <a:ext uri="{FF2B5EF4-FFF2-40B4-BE49-F238E27FC236}">
-                <a16:creationId xmlns:a16="http://schemas.microsoft.com/office/drawing/2014/main" id="{F8D957B2-6283-4465-A89D-2F9335CE2DDC}"/>
-              </a:ext>
-            </a:extLst>
-          </p:cNvPr>
-          <p:cNvSpPr txBox="1"/>
-          <p:nvPr/>
-        </p:nvSpPr>
-        <p:spPr>
-          <a:xfrm>
-            <a:off x="467544" y="1412776"/>
-            <a:ext cx="5570756" cy="523220"/>
-          </a:xfrm>
-          <a:prstGeom prst="rect">
-            <a:avLst/>
-          </a:prstGeom>
-          <a:noFill/>
-        </p:spPr>
-        <p:txBody>
-          <a:bodyPr wrap="none" rtlCol="0">
-            <a:spAutoFit/>
-          </a:bodyPr>
-          <a:lstStyle/>
-          <a:p>
-            <a:r>
-              <a:rPr lang="ja-JP" altLang="en-US" sz="2800"/>
-              <a:t>ファイルを修正してからコミット</a:t>
-            </a:r>
-            <a:endParaRPr kumimoji="1" lang="ja-JP" altLang="en-US" sz="2800"/>
-          </a:p>
-        </p:txBody>
-      </p:sp>
-      <p:sp>
-        <p:nvSpPr>
-          <p:cNvPr id="7" name="テキスト ボックス 6">
-            <a:extLst>
-              <a:ext uri="{FF2B5EF4-FFF2-40B4-BE49-F238E27FC236}">
-                <a16:creationId xmlns:a16="http://schemas.microsoft.com/office/drawing/2014/main" id="{AD832394-6842-4CEF-A7CA-6C01A515C08A}"/>
-              </a:ext>
-            </a:extLst>
-          </p:cNvPr>
-          <p:cNvSpPr txBox="1"/>
-          <p:nvPr/>
-        </p:nvSpPr>
-        <p:spPr>
-          <a:xfrm>
-            <a:off x="3131840" y="3068960"/>
-            <a:ext cx="4108817" cy="369332"/>
-          </a:xfrm>
-          <a:prstGeom prst="rect">
-            <a:avLst/>
-          </a:prstGeom>
-          <a:noFill/>
-        </p:spPr>
-        <p:txBody>
-          <a:bodyPr wrap="none" rtlCol="0">
-            <a:spAutoFit/>
-          </a:bodyPr>
-          <a:lstStyle/>
-          <a:p>
-            <a:r>
-              <a:rPr kumimoji="1" lang="ja-JP" altLang="en-US"/>
-              <a:t>コミットメッセージを間違えないこと</a:t>
-            </a:r>
-          </a:p>
-        </p:txBody>
-      </p:sp>
-      <p:sp>
-        <p:nvSpPr>
-          <p:cNvPr id="9" name="テキスト ボックス 8">
-            <a:extLst>
-              <a:ext uri="{FF2B5EF4-FFF2-40B4-BE49-F238E27FC236}">
-                <a16:creationId xmlns:a16="http://schemas.microsoft.com/office/drawing/2014/main" id="{B985AE40-CA02-4050-9A3F-A57578F12E34}"/>
-              </a:ext>
-            </a:extLst>
-          </p:cNvPr>
-          <p:cNvSpPr txBox="1"/>
-          <p:nvPr/>
-        </p:nvSpPr>
-        <p:spPr>
-          <a:xfrm>
-            <a:off x="827584" y="4437112"/>
-            <a:ext cx="4572000" cy="830997"/>
-          </a:xfrm>
-          <a:prstGeom prst="rect">
-            <a:avLst/>
-          </a:prstGeom>
-          <a:noFill/>
+        <p:style>
+          <a:lnRef idx="2">
+            <a:schemeClr val="accent1">
+              <a:shade val="50000"/>
+            </a:schemeClr>
+          </a:lnRef>
+          <a:fillRef idx="1">
+            <a:schemeClr val="accent1"/>
+          </a:fillRef>
+          <a:effectRef idx="0">
+            <a:schemeClr val="accent1"/>
+          </a:effectRef>
+          <a:fontRef idx="minor">
+            <a:schemeClr val="lt1"/>
+          </a:fontRef>
+        </p:style>
+        <p:txBody>
+          <a:bodyPr rtlCol="0" anchor="ctr"/>
+          <a:lstStyle/>
+          <a:p>
+            <a:pPr algn="ctr"/>
+            <a:r>
+              <a:rPr kumimoji="1" lang="en-US" altLang="ja-JP" dirty="0"/>
+              <a:t>1</a:t>
+            </a:r>
+            <a:endParaRPr kumimoji="1" lang="ja-JP" altLang="en-US" dirty="0"/>
+          </a:p>
+        </p:txBody>
+      </p:sp>
+      <p:sp>
+        <p:nvSpPr>
+          <p:cNvPr id="16" name="楕円 15">
+            <a:extLst>
+              <a:ext uri="{FF2B5EF4-FFF2-40B4-BE49-F238E27FC236}">
+                <a16:creationId xmlns:a16="http://schemas.microsoft.com/office/drawing/2014/main" id="{6DE24455-CF9F-664C-3CE0-86471B9CDB15}"/>
+              </a:ext>
+            </a:extLst>
+          </p:cNvPr>
+          <p:cNvSpPr/>
+          <p:nvPr/>
+        </p:nvSpPr>
+        <p:spPr>
+          <a:xfrm>
+            <a:off x="1043608" y="2564904"/>
+            <a:ext cx="360040" cy="366564"/>
+          </a:xfrm>
+          <a:prstGeom prst="ellipse">
+            <a:avLst/>
+          </a:prstGeom>
+          <a:solidFill>
+            <a:srgbClr val="FF0000"/>
+          </a:solidFill>
           <a:ln>
             <a:solidFill>
               <a:schemeClr val="tx1"/>
             </a:solidFill>
           </a:ln>
         </p:spPr>
-        <p:txBody>
-          <a:bodyPr wrap="square">
-            <a:spAutoFit/>
-          </a:bodyPr>
-          <a:lstStyle/>
-          <a:p>
-            <a:r>
-              <a:rPr lang="en-US" altLang="ja-JP" sz="2400">
-                <a:latin typeface="Consolas" panose="020B0609020204030204" pitchFamily="49" charset="0"/>
-              </a:rPr>
-              <a:t>git switch main</a:t>
-            </a:r>
-          </a:p>
-          <a:p>
-            <a:r>
-              <a:rPr lang="en-US" altLang="ja-JP" sz="2400">
-                <a:latin typeface="Consolas" panose="020B0609020204030204" pitchFamily="49" charset="0"/>
-              </a:rPr>
-              <a:t>git merge doc/2/README</a:t>
-            </a:r>
-          </a:p>
-        </p:txBody>
-      </p:sp>
-      <p:sp>
-        <p:nvSpPr>
-          <p:cNvPr id="10" name="テキスト ボックス 9">
-            <a:extLst>
-              <a:ext uri="{FF2B5EF4-FFF2-40B4-BE49-F238E27FC236}">
-                <a16:creationId xmlns:a16="http://schemas.microsoft.com/office/drawing/2014/main" id="{CEC85EF2-6B09-490E-8903-5B3CB2934CD1}"/>
-              </a:ext>
-            </a:extLst>
-          </p:cNvPr>
-          <p:cNvSpPr txBox="1"/>
-          <p:nvPr/>
-        </p:nvSpPr>
-        <p:spPr>
-          <a:xfrm>
-            <a:off x="683568" y="3861048"/>
-            <a:ext cx="5211683" cy="523220"/>
-          </a:xfrm>
-          <a:prstGeom prst="rect">
-            <a:avLst/>
-          </a:prstGeom>
-          <a:noFill/>
-        </p:spPr>
-        <p:txBody>
-          <a:bodyPr wrap="none" rtlCol="0">
-            <a:spAutoFit/>
-          </a:bodyPr>
-          <a:lstStyle/>
-          <a:p>
-            <a:r>
-              <a:rPr lang="ja-JP" altLang="en-US" sz="2800"/>
-              <a:t>メインブランチに戻ってマージ</a:t>
-            </a:r>
-            <a:endParaRPr kumimoji="1" lang="ja-JP" altLang="en-US" sz="2800"/>
-          </a:p>
-        </p:txBody>
-      </p:sp>
-      <p:sp>
-        <p:nvSpPr>
-          <p:cNvPr id="11" name="テキスト ボックス 10">
-            <a:extLst>
-              <a:ext uri="{FF2B5EF4-FFF2-40B4-BE49-F238E27FC236}">
-                <a16:creationId xmlns:a16="http://schemas.microsoft.com/office/drawing/2014/main" id="{20D29E78-691E-405E-A3FF-AC7692A723BE}"/>
-              </a:ext>
-            </a:extLst>
-          </p:cNvPr>
-          <p:cNvSpPr txBox="1"/>
-          <p:nvPr/>
-        </p:nvSpPr>
-        <p:spPr>
-          <a:xfrm>
-            <a:off x="3271495" y="5589240"/>
-            <a:ext cx="4108817" cy="369332"/>
-          </a:xfrm>
-          <a:prstGeom prst="rect">
-            <a:avLst/>
-          </a:prstGeom>
-          <a:noFill/>
-        </p:spPr>
-        <p:txBody>
-          <a:bodyPr wrap="none" rtlCol="0">
-            <a:spAutoFit/>
-          </a:bodyPr>
-          <a:lstStyle/>
-          <a:p>
-            <a:r>
-              <a:rPr kumimoji="1" lang="ja-JP" altLang="en-US"/>
-              <a:t>この時点ではまだプッシュしないこと</a:t>
-            </a:r>
+        <p:style>
+          <a:lnRef idx="2">
+            <a:schemeClr val="accent1">
+              <a:shade val="50000"/>
+            </a:schemeClr>
+          </a:lnRef>
+          <a:fillRef idx="1">
+            <a:schemeClr val="accent1"/>
+          </a:fillRef>
+          <a:effectRef idx="0">
+            <a:schemeClr val="accent1"/>
+          </a:effectRef>
+          <a:fontRef idx="minor">
+            <a:schemeClr val="lt1"/>
+          </a:fontRef>
+        </p:style>
+        <p:txBody>
+          <a:bodyPr rtlCol="0" anchor="ctr"/>
+          <a:lstStyle/>
+          <a:p>
+            <a:pPr algn="ctr"/>
+            <a:r>
+              <a:rPr kumimoji="1" lang="en-US" altLang="ja-JP" dirty="0"/>
+              <a:t>2</a:t>
+            </a:r>
+            <a:endParaRPr kumimoji="1" lang="ja-JP" altLang="en-US" dirty="0"/>
+          </a:p>
+        </p:txBody>
+      </p:sp>
+      <p:sp>
+        <p:nvSpPr>
+          <p:cNvPr id="17" name="楕円 16">
+            <a:extLst>
+              <a:ext uri="{FF2B5EF4-FFF2-40B4-BE49-F238E27FC236}">
+                <a16:creationId xmlns:a16="http://schemas.microsoft.com/office/drawing/2014/main" id="{1D5B7D00-DC2B-0E68-AC39-745FF481CE14}"/>
+              </a:ext>
+            </a:extLst>
+          </p:cNvPr>
+          <p:cNvSpPr/>
+          <p:nvPr/>
+        </p:nvSpPr>
+        <p:spPr>
+          <a:xfrm>
+            <a:off x="971600" y="3501008"/>
+            <a:ext cx="360040" cy="366564"/>
+          </a:xfrm>
+          <a:prstGeom prst="ellipse">
+            <a:avLst/>
+          </a:prstGeom>
+          <a:solidFill>
+            <a:srgbClr val="FF0000"/>
+          </a:solidFill>
+          <a:ln>
+            <a:solidFill>
+              <a:schemeClr val="tx1"/>
+            </a:solidFill>
+          </a:ln>
+        </p:spPr>
+        <p:style>
+          <a:lnRef idx="2">
+            <a:schemeClr val="accent1">
+              <a:shade val="50000"/>
+            </a:schemeClr>
+          </a:lnRef>
+          <a:fillRef idx="1">
+            <a:schemeClr val="accent1"/>
+          </a:fillRef>
+          <a:effectRef idx="0">
+            <a:schemeClr val="accent1"/>
+          </a:effectRef>
+          <a:fontRef idx="minor">
+            <a:schemeClr val="lt1"/>
+          </a:fontRef>
+        </p:style>
+        <p:txBody>
+          <a:bodyPr rtlCol="0" anchor="ctr"/>
+          <a:lstStyle/>
+          <a:p>
+            <a:pPr algn="ctr"/>
+            <a:r>
+              <a:rPr kumimoji="1" lang="en-US" altLang="ja-JP" dirty="0"/>
+              <a:t>3</a:t>
+            </a:r>
+            <a:endParaRPr kumimoji="1" lang="ja-JP" altLang="en-US" dirty="0"/>
+          </a:p>
+        </p:txBody>
+      </p:sp>
+      <p:sp>
+        <p:nvSpPr>
+          <p:cNvPr id="20" name="楕円 19">
+            <a:extLst>
+              <a:ext uri="{FF2B5EF4-FFF2-40B4-BE49-F238E27FC236}">
+                <a16:creationId xmlns:a16="http://schemas.microsoft.com/office/drawing/2014/main" id="{AE55E766-93C3-9FAA-9067-E8E136D256E0}"/>
+              </a:ext>
+            </a:extLst>
+          </p:cNvPr>
+          <p:cNvSpPr/>
+          <p:nvPr/>
+        </p:nvSpPr>
+        <p:spPr>
+          <a:xfrm>
+            <a:off x="6516216" y="3429000"/>
+            <a:ext cx="360040" cy="366564"/>
+          </a:xfrm>
+          <a:prstGeom prst="ellipse">
+            <a:avLst/>
+          </a:prstGeom>
+          <a:solidFill>
+            <a:srgbClr val="FF0000"/>
+          </a:solidFill>
+          <a:ln>
+            <a:solidFill>
+              <a:schemeClr val="tx1"/>
+            </a:solidFill>
+          </a:ln>
+        </p:spPr>
+        <p:style>
+          <a:lnRef idx="2">
+            <a:schemeClr val="accent1">
+              <a:shade val="50000"/>
+            </a:schemeClr>
+          </a:lnRef>
+          <a:fillRef idx="1">
+            <a:schemeClr val="accent1"/>
+          </a:fillRef>
+          <a:effectRef idx="0">
+            <a:schemeClr val="accent1"/>
+          </a:effectRef>
+          <a:fontRef idx="minor">
+            <a:schemeClr val="lt1"/>
+          </a:fontRef>
+        </p:style>
+        <p:txBody>
+          <a:bodyPr rtlCol="0" anchor="ctr"/>
+          <a:lstStyle/>
+          <a:p>
+            <a:pPr algn="ctr"/>
+            <a:r>
+              <a:rPr kumimoji="1" lang="en-US" altLang="ja-JP" dirty="0"/>
+              <a:t>4</a:t>
+            </a:r>
+            <a:endParaRPr kumimoji="1" lang="ja-JP" altLang="en-US" dirty="0"/>
+          </a:p>
+        </p:txBody>
+      </p:sp>
+      <p:sp>
+        <p:nvSpPr>
+          <p:cNvPr id="23" name="楕円 22">
+            <a:extLst>
+              <a:ext uri="{FF2B5EF4-FFF2-40B4-BE49-F238E27FC236}">
+                <a16:creationId xmlns:a16="http://schemas.microsoft.com/office/drawing/2014/main" id="{BBCE605C-E45D-D4B6-5AD1-28C413E85145}"/>
+              </a:ext>
+            </a:extLst>
+          </p:cNvPr>
+          <p:cNvSpPr/>
+          <p:nvPr/>
+        </p:nvSpPr>
+        <p:spPr>
+          <a:xfrm>
+            <a:off x="7452320" y="5013176"/>
+            <a:ext cx="360040" cy="366564"/>
+          </a:xfrm>
+          <a:prstGeom prst="ellipse">
+            <a:avLst/>
+          </a:prstGeom>
+          <a:solidFill>
+            <a:srgbClr val="FF0000"/>
+          </a:solidFill>
+          <a:ln>
+            <a:solidFill>
+              <a:schemeClr val="tx1"/>
+            </a:solidFill>
+          </a:ln>
+        </p:spPr>
+        <p:style>
+          <a:lnRef idx="2">
+            <a:schemeClr val="accent1">
+              <a:shade val="50000"/>
+            </a:schemeClr>
+          </a:lnRef>
+          <a:fillRef idx="1">
+            <a:schemeClr val="accent1"/>
+          </a:fillRef>
+          <a:effectRef idx="0">
+            <a:schemeClr val="accent1"/>
+          </a:effectRef>
+          <a:fontRef idx="minor">
+            <a:schemeClr val="lt1"/>
+          </a:fontRef>
+        </p:style>
+        <p:txBody>
+          <a:bodyPr rtlCol="0" anchor="ctr"/>
+          <a:lstStyle/>
+          <a:p>
+            <a:pPr algn="ctr"/>
+            <a:r>
+              <a:rPr kumimoji="1" lang="en-US" altLang="ja-JP" dirty="0"/>
+              <a:t>5</a:t>
+            </a:r>
+            <a:endParaRPr kumimoji="1" lang="ja-JP" altLang="en-US" dirty="0"/>
+          </a:p>
+        </p:txBody>
+      </p:sp>
+      <p:sp>
+        <p:nvSpPr>
+          <p:cNvPr id="24" name="楕円 23">
+            <a:extLst>
+              <a:ext uri="{FF2B5EF4-FFF2-40B4-BE49-F238E27FC236}">
+                <a16:creationId xmlns:a16="http://schemas.microsoft.com/office/drawing/2014/main" id="{C1481816-45E3-6F2B-0E10-A4D02E719BA3}"/>
+              </a:ext>
+            </a:extLst>
+          </p:cNvPr>
+          <p:cNvSpPr/>
+          <p:nvPr/>
+        </p:nvSpPr>
+        <p:spPr>
+          <a:xfrm>
+            <a:off x="4067944" y="5229200"/>
+            <a:ext cx="360040" cy="366564"/>
+          </a:xfrm>
+          <a:prstGeom prst="ellipse">
+            <a:avLst/>
+          </a:prstGeom>
+          <a:solidFill>
+            <a:srgbClr val="FF0000"/>
+          </a:solidFill>
+          <a:ln>
+            <a:solidFill>
+              <a:schemeClr val="tx1"/>
+            </a:solidFill>
+          </a:ln>
+        </p:spPr>
+        <p:style>
+          <a:lnRef idx="2">
+            <a:schemeClr val="accent1">
+              <a:shade val="50000"/>
+            </a:schemeClr>
+          </a:lnRef>
+          <a:fillRef idx="1">
+            <a:schemeClr val="accent1"/>
+          </a:fillRef>
+          <a:effectRef idx="0">
+            <a:schemeClr val="accent1"/>
+          </a:effectRef>
+          <a:fontRef idx="minor">
+            <a:schemeClr val="lt1"/>
+          </a:fontRef>
+        </p:style>
+        <p:txBody>
+          <a:bodyPr rtlCol="0" anchor="ctr"/>
+          <a:lstStyle/>
+          <a:p>
+            <a:pPr algn="ctr"/>
+            <a:r>
+              <a:rPr lang="en-US" altLang="ja-JP" dirty="0"/>
+              <a:t>6</a:t>
+            </a:r>
+            <a:endParaRPr kumimoji="1" lang="ja-JP" altLang="en-US" dirty="0"/>
           </a:p>
         </p:txBody>
       </p:sp>
     </p:spTree>
     <p:extLst>
       <p:ext uri="{BB962C8B-B14F-4D97-AF65-F5344CB8AC3E}">
-        <p14:creationId xmlns:p14="http://schemas.microsoft.com/office/powerpoint/2010/main" val="887077700"/>
+        <p14:creationId xmlns:p14="http://schemas.microsoft.com/office/powerpoint/2010/main" val="4055750284"/>
       </p:ext>
     </p:extLst>
   </p:cSld>
@@ -25597,45 +26625,12 @@
           <a:chExt cx="0" cy="0"/>
         </a:xfrm>
       </p:grpSpPr>
-      <p:sp>
-        <p:nvSpPr>
-          <p:cNvPr id="2" name="テキスト プレースホルダー 1">
-            <a:extLst>
-              <a:ext uri="{FF2B5EF4-FFF2-40B4-BE49-F238E27FC236}">
-                <a16:creationId xmlns:a16="http://schemas.microsoft.com/office/drawing/2014/main" id="{20BD1171-85DD-4429-A02E-A8976098ECDA}"/>
-              </a:ext>
-            </a:extLst>
-          </p:cNvPr>
-          <p:cNvSpPr>
-            <a:spLocks noGrp="1"/>
-          </p:cNvSpPr>
-          <p:nvPr>
-            <p:ph type="body" sz="quarter" idx="10"/>
-          </p:nvPr>
-        </p:nvSpPr>
-        <p:spPr/>
-        <p:txBody>
-          <a:bodyPr/>
-          <a:lstStyle/>
-          <a:p>
-            <a:r>
-              <a:rPr lang="ja-JP" altLang="en-US"/>
-              <a:t>課題</a:t>
-            </a:r>
-            <a:r>
-              <a:rPr lang="en-US" altLang="ja-JP"/>
-              <a:t>4 - Step 5</a:t>
-            </a:r>
-            <a:endParaRPr kumimoji="1" lang="ja-JP" altLang="en-US"/>
-          </a:p>
-        </p:txBody>
-      </p:sp>
       <p:pic>
         <p:nvPicPr>
           <p:cNvPr id="4" name="図 3">
             <a:extLst>
               <a:ext uri="{FF2B5EF4-FFF2-40B4-BE49-F238E27FC236}">
-                <a16:creationId xmlns:a16="http://schemas.microsoft.com/office/drawing/2014/main" id="{7C98B764-1694-49AA-97A9-F43E2B5756D4}"/>
+                <a16:creationId xmlns:a16="http://schemas.microsoft.com/office/drawing/2014/main" id="{81007202-DBEB-884F-617A-FD47A1458602}"/>
               </a:ext>
             </a:extLst>
           </p:cNvPr>
@@ -25652,8 +26647,8 @@
         </p:blipFill>
         <p:spPr>
           <a:xfrm>
-            <a:off x="467544" y="1772816"/>
-            <a:ext cx="7164288" cy="3632747"/>
+            <a:off x="323528" y="2420889"/>
+            <a:ext cx="8119098" cy="3600400"/>
           </a:xfrm>
           <a:prstGeom prst="rect">
             <a:avLst/>
@@ -25662,10 +26657,43 @@
       </p:pic>
       <p:sp>
         <p:nvSpPr>
+          <p:cNvPr id="2" name="テキスト プレースホルダー 1">
+            <a:extLst>
+              <a:ext uri="{FF2B5EF4-FFF2-40B4-BE49-F238E27FC236}">
+                <a16:creationId xmlns:a16="http://schemas.microsoft.com/office/drawing/2014/main" id="{108695FD-77F6-4C84-98AA-993F8E684E42}"/>
+              </a:ext>
+            </a:extLst>
+          </p:cNvPr>
+          <p:cNvSpPr>
+            <a:spLocks noGrp="1"/>
+          </p:cNvSpPr>
+          <p:nvPr>
+            <p:ph type="body" sz="quarter" idx="10"/>
+          </p:nvPr>
+        </p:nvSpPr>
+        <p:spPr/>
+        <p:txBody>
+          <a:bodyPr/>
+          <a:lstStyle/>
+          <a:p>
+            <a:r>
+              <a:rPr lang="ja-JP" altLang="en-US"/>
+              <a:t>課題</a:t>
+            </a:r>
+            <a:r>
+              <a:rPr lang="en-US" altLang="ja-JP"/>
+              <a:t>4 - Step 3</a:t>
+            </a:r>
+            <a:endParaRPr kumimoji="1" lang="ja-JP" altLang="en-US"/>
+          </a:p>
+        </p:txBody>
+      </p:sp>
+      <p:sp>
+        <p:nvSpPr>
           <p:cNvPr id="5" name="テキスト ボックス 4">
             <a:extLst>
               <a:ext uri="{FF2B5EF4-FFF2-40B4-BE49-F238E27FC236}">
-                <a16:creationId xmlns:a16="http://schemas.microsoft.com/office/drawing/2014/main" id="{CA644D92-FD27-4A67-9F01-AF65EE5EA0D2}"/>
+                <a16:creationId xmlns:a16="http://schemas.microsoft.com/office/drawing/2014/main" id="{D96749E3-0B01-44D6-AF5E-DB127E7E65D1}"/>
               </a:ext>
             </a:extLst>
           </p:cNvPr>
@@ -25674,58 +26702,7 @@
         </p:nvSpPr>
         <p:spPr>
           <a:xfrm>
-            <a:off x="251520" y="1268760"/>
-            <a:ext cx="7135287" cy="369332"/>
-          </a:xfrm>
-          <a:prstGeom prst="rect">
-            <a:avLst/>
-          </a:prstGeom>
-          <a:noFill/>
-        </p:spPr>
-        <p:txBody>
-          <a:bodyPr wrap="none" rtlCol="0">
-            <a:spAutoFit/>
-          </a:bodyPr>
-          <a:lstStyle/>
-          <a:p>
-            <a:r>
-              <a:rPr kumimoji="1" lang="ja-JP" altLang="en-US"/>
-              <a:t>ブラウザで</a:t>
-            </a:r>
-            <a:r>
-              <a:rPr kumimoji="1" lang="en-US" altLang="ja-JP"/>
-              <a:t>Projects</a:t>
-            </a:r>
-            <a:r>
-              <a:rPr kumimoji="1" lang="ja-JP" altLang="en-US"/>
-              <a:t>の「カンバン」を表示させた状態で</a:t>
-            </a:r>
-            <a:r>
-              <a:rPr kumimoji="1" lang="en-US" altLang="ja-JP"/>
-              <a:t>git push</a:t>
-            </a:r>
-            <a:r>
-              <a:rPr kumimoji="1" lang="ja-JP" altLang="en-US"/>
-              <a:t>する</a:t>
-            </a:r>
-          </a:p>
-        </p:txBody>
-      </p:sp>
-      <p:sp>
-        <p:nvSpPr>
-          <p:cNvPr id="6" name="テキスト ボックス 5">
-            <a:extLst>
-              <a:ext uri="{FF2B5EF4-FFF2-40B4-BE49-F238E27FC236}">
-                <a16:creationId xmlns:a16="http://schemas.microsoft.com/office/drawing/2014/main" id="{6BC4469F-6C88-4BD1-9C16-92D3BA40DE4F}"/>
-              </a:ext>
-            </a:extLst>
-          </p:cNvPr>
-          <p:cNvSpPr txBox="1"/>
-          <p:nvPr/>
-        </p:nvSpPr>
-        <p:spPr>
-          <a:xfrm>
-            <a:off x="467544" y="5661248"/>
+            <a:off x="395536" y="1844824"/>
             <a:ext cx="4576762" cy="400110"/>
           </a:xfrm>
           <a:prstGeom prst="rect">
@@ -25748,7 +26725,7 @@
               <a:rPr lang="en-US" altLang="ja-JP" sz="2000">
                 <a:latin typeface="Consolas" panose="020B0609020204030204" pitchFamily="49" charset="0"/>
               </a:rPr>
-              <a:t>git push</a:t>
+              <a:t>git switch -c doc/2/README</a:t>
             </a:r>
             <a:endParaRPr lang="ja-JP" altLang="en-US" sz="2000">
               <a:latin typeface="Consolas" panose="020B0609020204030204" pitchFamily="49" charset="0"/>
@@ -25756,10 +26733,158 @@
           </a:p>
         </p:txBody>
       </p:sp>
+      <p:sp>
+        <p:nvSpPr>
+          <p:cNvPr id="7" name="テキスト ボックス 6">
+            <a:extLst>
+              <a:ext uri="{FF2B5EF4-FFF2-40B4-BE49-F238E27FC236}">
+                <a16:creationId xmlns:a16="http://schemas.microsoft.com/office/drawing/2014/main" id="{D53BD1A9-B04A-43C5-9A5E-DAECCFA882F1}"/>
+              </a:ext>
+            </a:extLst>
+          </p:cNvPr>
+          <p:cNvSpPr txBox="1"/>
+          <p:nvPr/>
+        </p:nvSpPr>
+        <p:spPr>
+          <a:xfrm>
+            <a:off x="395536" y="1268760"/>
+            <a:ext cx="4442242" cy="369332"/>
+          </a:xfrm>
+          <a:prstGeom prst="rect">
+            <a:avLst/>
+          </a:prstGeom>
+          <a:noFill/>
+        </p:spPr>
+        <p:txBody>
+          <a:bodyPr wrap="none" rtlCol="0">
+            <a:spAutoFit/>
+          </a:bodyPr>
+          <a:lstStyle/>
+          <a:p>
+            <a:r>
+              <a:rPr kumimoji="1" lang="en-US" altLang="ja-JP"/>
+              <a:t>github/test</a:t>
+            </a:r>
+            <a:r>
+              <a:rPr kumimoji="1" lang="ja-JP" altLang="en-US"/>
+              <a:t>にて、</a:t>
+            </a:r>
+            <a:r>
+              <a:rPr kumimoji="1" lang="en-US" altLang="ja-JP"/>
+              <a:t>Git Bash</a:t>
+            </a:r>
+            <a:r>
+              <a:rPr kumimoji="1" lang="ja-JP" altLang="en-US"/>
+              <a:t>でブランチ作成</a:t>
+            </a:r>
+          </a:p>
+        </p:txBody>
+      </p:sp>
+      <p:sp>
+        <p:nvSpPr>
+          <p:cNvPr id="10" name="矢印: 右 9">
+            <a:extLst>
+              <a:ext uri="{FF2B5EF4-FFF2-40B4-BE49-F238E27FC236}">
+                <a16:creationId xmlns:a16="http://schemas.microsoft.com/office/drawing/2014/main" id="{2C9E214D-D2C0-4712-9655-7ADD10296CA3}"/>
+              </a:ext>
+            </a:extLst>
+          </p:cNvPr>
+          <p:cNvSpPr/>
+          <p:nvPr/>
+        </p:nvSpPr>
+        <p:spPr>
+          <a:xfrm>
+            <a:off x="2411760" y="3501008"/>
+            <a:ext cx="2232248" cy="288032"/>
+          </a:xfrm>
+          <a:prstGeom prst="rightArrow">
+            <a:avLst/>
+          </a:prstGeom>
+          <a:solidFill>
+            <a:srgbClr val="FF0000"/>
+          </a:solidFill>
+          <a:ln>
+            <a:solidFill>
+              <a:schemeClr val="tx1"/>
+            </a:solidFill>
+          </a:ln>
+        </p:spPr>
+        <p:style>
+          <a:lnRef idx="2">
+            <a:schemeClr val="accent1">
+              <a:shade val="50000"/>
+            </a:schemeClr>
+          </a:lnRef>
+          <a:fillRef idx="1">
+            <a:schemeClr val="accent1"/>
+          </a:fillRef>
+          <a:effectRef idx="0">
+            <a:schemeClr val="accent1"/>
+          </a:effectRef>
+          <a:fontRef idx="minor">
+            <a:schemeClr val="lt1"/>
+          </a:fontRef>
+        </p:style>
+        <p:txBody>
+          <a:bodyPr rtlCol="0" anchor="ctr"/>
+          <a:lstStyle/>
+          <a:p>
+            <a:pPr algn="ctr"/>
+            <a:endParaRPr kumimoji="1" lang="ja-JP" altLang="en-US"/>
+          </a:p>
+        </p:txBody>
+      </p:sp>
+      <p:sp>
+        <p:nvSpPr>
+          <p:cNvPr id="11" name="テキスト ボックス 10">
+            <a:extLst>
+              <a:ext uri="{FF2B5EF4-FFF2-40B4-BE49-F238E27FC236}">
+                <a16:creationId xmlns:a16="http://schemas.microsoft.com/office/drawing/2014/main" id="{3702BAD0-996F-4057-9452-941E9149D04A}"/>
+              </a:ext>
+            </a:extLst>
+          </p:cNvPr>
+          <p:cNvSpPr txBox="1"/>
+          <p:nvPr/>
+        </p:nvSpPr>
+        <p:spPr>
+          <a:xfrm>
+            <a:off x="1547664" y="4005064"/>
+            <a:ext cx="4570482" cy="646331"/>
+          </a:xfrm>
+          <a:prstGeom prst="rect">
+            <a:avLst/>
+          </a:prstGeom>
+          <a:noFill/>
+        </p:spPr>
+        <p:txBody>
+          <a:bodyPr wrap="none" rtlCol="0">
+            <a:spAutoFit/>
+          </a:bodyPr>
+          <a:lstStyle/>
+          <a:p>
+            <a:r>
+              <a:rPr kumimoji="1" lang="ja-JP" altLang="en-US" dirty="0"/>
+              <a:t>ブランチを作ったので、対応するカードを</a:t>
+            </a:r>
+            <a:endParaRPr kumimoji="1" lang="en-US" altLang="ja-JP" dirty="0"/>
+          </a:p>
+          <a:p>
+            <a:r>
+              <a:rPr lang="en-US" altLang="ja-JP" dirty="0"/>
+              <a:t>In progress</a:t>
+            </a:r>
+            <a:r>
+              <a:rPr lang="ja-JP" altLang="en-US" dirty="0"/>
+              <a:t>へドラッグして移動</a:t>
+            </a:r>
+            <a:endParaRPr kumimoji="1" lang="ja-JP" altLang="en-US" dirty="0"/>
+          </a:p>
+        </p:txBody>
+      </p:sp>
     </p:spTree>
     <p:extLst>
       <p:ext uri="{BB962C8B-B14F-4D97-AF65-F5344CB8AC3E}">
-        <p14:creationId xmlns:p14="http://schemas.microsoft.com/office/powerpoint/2010/main" val="1144143105"/>
+        <p14:creationId xmlns:p14="http://schemas.microsoft.com/office/powerpoint/2010/main" val="2231624911"/>
       </p:ext>
     </p:extLst>
   </p:cSld>
@@ -26374,7 +27499,7 @@
           <p:cNvPr id="2" name="テキスト プレースホルダー 1">
             <a:extLst>
               <a:ext uri="{FF2B5EF4-FFF2-40B4-BE49-F238E27FC236}">
-                <a16:creationId xmlns:a16="http://schemas.microsoft.com/office/drawing/2014/main" id="{F8C87194-60C1-4CF7-A627-11A6F6664A9E}"/>
+                <a16:creationId xmlns:a16="http://schemas.microsoft.com/office/drawing/2014/main" id="{A11F2F44-75E7-4A95-9EDD-FD49AFC3067C}"/>
               </a:ext>
             </a:extLst>
           </p:cNvPr>
@@ -26396,52 +27521,18 @@
             </a:r>
             <a:r>
               <a:rPr lang="en-US" altLang="ja-JP"/>
-              <a:t>4 - </a:t>
-            </a:r>
-            <a:r>
-              <a:rPr lang="ja-JP" altLang="en-US"/>
-              <a:t>レポート課題</a:t>
+              <a:t>4 - Step 4</a:t>
             </a:r>
             <a:endParaRPr kumimoji="1" lang="ja-JP" altLang="en-US"/>
           </a:p>
         </p:txBody>
       </p:sp>
-      <p:pic>
-        <p:nvPicPr>
-          <p:cNvPr id="4" name="図 3">
-            <a:extLst>
-              <a:ext uri="{FF2B5EF4-FFF2-40B4-BE49-F238E27FC236}">
-                <a16:creationId xmlns:a16="http://schemas.microsoft.com/office/drawing/2014/main" id="{6B0CBF2F-9F55-4A08-BB29-6C0EDD5CE249}"/>
-              </a:ext>
-            </a:extLst>
-          </p:cNvPr>
-          <p:cNvPicPr>
-            <a:picLocks noChangeAspect="1"/>
-          </p:cNvPicPr>
-          <p:nvPr/>
-        </p:nvPicPr>
-        <p:blipFill>
-          <a:blip r:embed="rId2"/>
-          <a:stretch>
-            <a:fillRect/>
-          </a:stretch>
-        </p:blipFill>
-        <p:spPr>
-          <a:xfrm>
-            <a:off x="323528" y="2060848"/>
-            <a:ext cx="8586447" cy="3696408"/>
-          </a:xfrm>
-          <a:prstGeom prst="rect">
-            <a:avLst/>
-          </a:prstGeom>
-        </p:spPr>
-      </p:pic>
       <p:sp>
         <p:nvSpPr>
           <p:cNvPr id="5" name="テキスト ボックス 4">
             <a:extLst>
               <a:ext uri="{FF2B5EF4-FFF2-40B4-BE49-F238E27FC236}">
-                <a16:creationId xmlns:a16="http://schemas.microsoft.com/office/drawing/2014/main" id="{8D56DCC9-D268-4300-9B0E-3E0D9EA51F94}"/>
+                <a16:creationId xmlns:a16="http://schemas.microsoft.com/office/drawing/2014/main" id="{8FE69BCF-83D3-47A6-BF9D-B9475171E7B1}"/>
               </a:ext>
             </a:extLst>
           </p:cNvPr>
@@ -26450,8 +27541,73 @@
         </p:nvSpPr>
         <p:spPr>
           <a:xfrm>
-            <a:off x="323528" y="1124744"/>
-            <a:ext cx="8661345" cy="646331"/>
+            <a:off x="827584" y="2060848"/>
+            <a:ext cx="4572000" cy="830997"/>
+          </a:xfrm>
+          <a:prstGeom prst="rect">
+            <a:avLst/>
+          </a:prstGeom>
+          <a:noFill/>
+          <a:ln>
+            <a:solidFill>
+              <a:schemeClr val="tx1"/>
+            </a:solidFill>
+          </a:ln>
+        </p:spPr>
+        <p:txBody>
+          <a:bodyPr wrap="square">
+            <a:spAutoFit/>
+          </a:bodyPr>
+          <a:lstStyle/>
+          <a:p>
+            <a:r>
+              <a:rPr lang="en-US" altLang="ja-JP" sz="2400">
+                <a:latin typeface="Consolas" panose="020B0609020204030204" pitchFamily="49" charset="0"/>
+              </a:rPr>
+              <a:t>git add README.md</a:t>
+            </a:r>
+          </a:p>
+          <a:p>
+            <a:r>
+              <a:rPr lang="en-US" altLang="ja-JP" sz="2400">
+                <a:latin typeface="Consolas" panose="020B0609020204030204" pitchFamily="49" charset="0"/>
+              </a:rPr>
+              <a:t>git commit -m "</a:t>
+            </a:r>
+            <a:r>
+              <a:rPr lang="en-US" altLang="ja-JP" sz="2400">
+                <a:solidFill>
+                  <a:srgbClr val="FF0000"/>
+                </a:solidFill>
+                <a:latin typeface="Consolas" panose="020B0609020204030204" pitchFamily="49" charset="0"/>
+              </a:rPr>
+              <a:t>fixes #2</a:t>
+            </a:r>
+            <a:r>
+              <a:rPr lang="en-US" altLang="ja-JP" sz="2400">
+                <a:latin typeface="Consolas" panose="020B0609020204030204" pitchFamily="49" charset="0"/>
+              </a:rPr>
+              <a:t>"</a:t>
+            </a:r>
+          </a:p>
+        </p:txBody>
+      </p:sp>
+      <p:sp>
+        <p:nvSpPr>
+          <p:cNvPr id="6" name="テキスト ボックス 5">
+            <a:extLst>
+              <a:ext uri="{FF2B5EF4-FFF2-40B4-BE49-F238E27FC236}">
+                <a16:creationId xmlns:a16="http://schemas.microsoft.com/office/drawing/2014/main" id="{F8D957B2-6283-4465-A89D-2F9335CE2DDC}"/>
+              </a:ext>
+            </a:extLst>
+          </p:cNvPr>
+          <p:cNvSpPr txBox="1"/>
+          <p:nvPr/>
+        </p:nvSpPr>
+        <p:spPr>
+          <a:xfrm>
+            <a:off x="467544" y="1412776"/>
+            <a:ext cx="5570756" cy="523220"/>
           </a:xfrm>
           <a:prstGeom prst="rect">
             <a:avLst/>
@@ -26465,40 +27621,173 @@
           <a:lstStyle/>
           <a:p>
             <a:r>
-              <a:rPr kumimoji="1" lang="en-US" altLang="ja-JP"/>
-              <a:t>issue</a:t>
-            </a:r>
+              <a:rPr lang="ja-JP" altLang="en-US" sz="2800"/>
+              <a:t>ファイルを修正してからコミット</a:t>
+            </a:r>
+            <a:endParaRPr kumimoji="1" lang="ja-JP" altLang="en-US" sz="2800"/>
+          </a:p>
+        </p:txBody>
+      </p:sp>
+      <p:sp>
+        <p:nvSpPr>
+          <p:cNvPr id="7" name="テキスト ボックス 6">
+            <a:extLst>
+              <a:ext uri="{FF2B5EF4-FFF2-40B4-BE49-F238E27FC236}">
+                <a16:creationId xmlns:a16="http://schemas.microsoft.com/office/drawing/2014/main" id="{AD832394-6842-4CEF-A7CA-6C01A515C08A}"/>
+              </a:ext>
+            </a:extLst>
+          </p:cNvPr>
+          <p:cNvSpPr txBox="1"/>
+          <p:nvPr/>
+        </p:nvSpPr>
+        <p:spPr>
+          <a:xfrm>
+            <a:off x="3131840" y="3068960"/>
+            <a:ext cx="4108817" cy="369332"/>
+          </a:xfrm>
+          <a:prstGeom prst="rect">
+            <a:avLst/>
+          </a:prstGeom>
+          <a:noFill/>
+        </p:spPr>
+        <p:txBody>
+          <a:bodyPr wrap="none" rtlCol="0">
+            <a:spAutoFit/>
+          </a:bodyPr>
+          <a:lstStyle/>
+          <a:p>
             <a:r>
               <a:rPr kumimoji="1" lang="ja-JP" altLang="en-US"/>
-              <a:t>に関連づけられたカードが</a:t>
-            </a:r>
-            <a:r>
-              <a:rPr lang="ja-JP" altLang="en-US"/>
-              <a:t>「</a:t>
-            </a:r>
-            <a:r>
-              <a:rPr lang="en-US" altLang="ja-JP"/>
-              <a:t>Done</a:t>
-            </a:r>
-            <a:r>
-              <a:rPr lang="ja-JP" altLang="en-US"/>
-              <a:t>」に移動した画面のスクリーンショットを</a:t>
-            </a:r>
-            <a:endParaRPr lang="en-US" altLang="ja-JP"/>
-          </a:p>
+              <a:t>コミットメッセージを間違えないこと</a:t>
+            </a:r>
+          </a:p>
+        </p:txBody>
+      </p:sp>
+      <p:sp>
+        <p:nvSpPr>
+          <p:cNvPr id="9" name="テキスト ボックス 8">
+            <a:extLst>
+              <a:ext uri="{FF2B5EF4-FFF2-40B4-BE49-F238E27FC236}">
+                <a16:creationId xmlns:a16="http://schemas.microsoft.com/office/drawing/2014/main" id="{B985AE40-CA02-4050-9A3F-A57578F12E34}"/>
+              </a:ext>
+            </a:extLst>
+          </p:cNvPr>
+          <p:cNvSpPr txBox="1"/>
+          <p:nvPr/>
+        </p:nvSpPr>
+        <p:spPr>
+          <a:xfrm>
+            <a:off x="827584" y="4437112"/>
+            <a:ext cx="4572000" cy="830997"/>
+          </a:xfrm>
+          <a:prstGeom prst="rect">
+            <a:avLst/>
+          </a:prstGeom>
+          <a:noFill/>
+          <a:ln>
+            <a:solidFill>
+              <a:schemeClr val="tx1"/>
+            </a:solidFill>
+          </a:ln>
+        </p:spPr>
+        <p:txBody>
+          <a:bodyPr wrap="square">
+            <a:spAutoFit/>
+          </a:bodyPr>
+          <a:lstStyle/>
+          <a:p>
+            <a:r>
+              <a:rPr lang="en-US" altLang="ja-JP" sz="2400">
+                <a:latin typeface="Consolas" panose="020B0609020204030204" pitchFamily="49" charset="0"/>
+              </a:rPr>
+              <a:t>git switch main</a:t>
+            </a:r>
+          </a:p>
+          <a:p>
+            <a:r>
+              <a:rPr lang="en-US" altLang="ja-JP" sz="2400">
+                <a:latin typeface="Consolas" panose="020B0609020204030204" pitchFamily="49" charset="0"/>
+              </a:rPr>
+              <a:t>git merge doc/2/README</a:t>
+            </a:r>
+          </a:p>
+        </p:txBody>
+      </p:sp>
+      <p:sp>
+        <p:nvSpPr>
+          <p:cNvPr id="10" name="テキスト ボックス 9">
+            <a:extLst>
+              <a:ext uri="{FF2B5EF4-FFF2-40B4-BE49-F238E27FC236}">
+                <a16:creationId xmlns:a16="http://schemas.microsoft.com/office/drawing/2014/main" id="{CEC85EF2-6B09-490E-8903-5B3CB2934CD1}"/>
+              </a:ext>
+            </a:extLst>
+          </p:cNvPr>
+          <p:cNvSpPr txBox="1"/>
+          <p:nvPr/>
+        </p:nvSpPr>
+        <p:spPr>
+          <a:xfrm>
+            <a:off x="683568" y="3861048"/>
+            <a:ext cx="5211683" cy="523220"/>
+          </a:xfrm>
+          <a:prstGeom prst="rect">
+            <a:avLst/>
+          </a:prstGeom>
+          <a:noFill/>
+        </p:spPr>
+        <p:txBody>
+          <a:bodyPr wrap="none" rtlCol="0">
+            <a:spAutoFit/>
+          </a:bodyPr>
+          <a:lstStyle/>
+          <a:p>
+            <a:r>
+              <a:rPr lang="ja-JP" altLang="en-US" sz="2800"/>
+              <a:t>メインブランチに戻ってマージ</a:t>
+            </a:r>
+            <a:endParaRPr kumimoji="1" lang="ja-JP" altLang="en-US" sz="2800"/>
+          </a:p>
+        </p:txBody>
+      </p:sp>
+      <p:sp>
+        <p:nvSpPr>
+          <p:cNvPr id="11" name="テキスト ボックス 10">
+            <a:extLst>
+              <a:ext uri="{FF2B5EF4-FFF2-40B4-BE49-F238E27FC236}">
+                <a16:creationId xmlns:a16="http://schemas.microsoft.com/office/drawing/2014/main" id="{20D29E78-691E-405E-A3FF-AC7692A723BE}"/>
+              </a:ext>
+            </a:extLst>
+          </p:cNvPr>
+          <p:cNvSpPr txBox="1"/>
+          <p:nvPr/>
+        </p:nvSpPr>
+        <p:spPr>
+          <a:xfrm>
+            <a:off x="3271495" y="5589240"/>
+            <a:ext cx="4108817" cy="369332"/>
+          </a:xfrm>
+          <a:prstGeom prst="rect">
+            <a:avLst/>
+          </a:prstGeom>
+          <a:noFill/>
+        </p:spPr>
+        <p:txBody>
+          <a:bodyPr wrap="none" rtlCol="0">
+            <a:spAutoFit/>
+          </a:bodyPr>
+          <a:lstStyle/>
           <a:p>
             <a:r>
               <a:rPr kumimoji="1" lang="ja-JP" altLang="en-US"/>
-              <a:t>レポートとして提出</a:t>
-            </a:r>
-            <a:endParaRPr kumimoji="1" lang="en-US" altLang="ja-JP"/>
+              <a:t>この時点ではまだプッシュしないこと</a:t>
+            </a:r>
           </a:p>
         </p:txBody>
       </p:sp>
     </p:spTree>
     <p:extLst>
       <p:ext uri="{BB962C8B-B14F-4D97-AF65-F5344CB8AC3E}">
-        <p14:creationId xmlns:p14="http://schemas.microsoft.com/office/powerpoint/2010/main" val="1418416776"/>
+        <p14:creationId xmlns:p14="http://schemas.microsoft.com/office/powerpoint/2010/main" val="887077700"/>
       </p:ext>
     </p:extLst>
   </p:cSld>
@@ -26525,42 +27814,12 @@
           <a:chExt cx="0" cy="0"/>
         </a:xfrm>
       </p:grpSpPr>
-      <p:pic>
-        <p:nvPicPr>
-          <p:cNvPr id="8" name="図 7">
-            <a:extLst>
-              <a:ext uri="{FF2B5EF4-FFF2-40B4-BE49-F238E27FC236}">
-                <a16:creationId xmlns:a16="http://schemas.microsoft.com/office/drawing/2014/main" id="{FF392170-2392-E90B-A864-3034FC740E2E}"/>
-              </a:ext>
-            </a:extLst>
-          </p:cNvPr>
-          <p:cNvPicPr>
-            <a:picLocks noChangeAspect="1"/>
-          </p:cNvPicPr>
-          <p:nvPr/>
-        </p:nvPicPr>
-        <p:blipFill>
-          <a:blip r:embed="rId2"/>
-          <a:stretch>
-            <a:fillRect/>
-          </a:stretch>
-        </p:blipFill>
-        <p:spPr>
-          <a:xfrm>
-            <a:off x="251520" y="1628800"/>
-            <a:ext cx="8280920" cy="4119442"/>
-          </a:xfrm>
-          <a:prstGeom prst="rect">
-            <a:avLst/>
-          </a:prstGeom>
-        </p:spPr>
-      </p:pic>
       <p:sp>
         <p:nvSpPr>
           <p:cNvPr id="2" name="テキスト プレースホルダー 1">
             <a:extLst>
               <a:ext uri="{FF2B5EF4-FFF2-40B4-BE49-F238E27FC236}">
-                <a16:creationId xmlns:a16="http://schemas.microsoft.com/office/drawing/2014/main" id="{94C970AF-BE56-446B-9CB8-0EF49B11C074}"/>
+                <a16:creationId xmlns:a16="http://schemas.microsoft.com/office/drawing/2014/main" id="{20BD1171-85DD-4429-A02E-A8976098ECDA}"/>
               </a:ext>
             </a:extLst>
           </p:cNvPr>
@@ -26578,6 +27837,432 @@
           <a:p>
             <a:r>
               <a:rPr lang="ja-JP" altLang="en-US"/>
+              <a:t>課題</a:t>
+            </a:r>
+            <a:r>
+              <a:rPr lang="en-US" altLang="ja-JP"/>
+              <a:t>4 - Step 5</a:t>
+            </a:r>
+            <a:endParaRPr kumimoji="1" lang="ja-JP" altLang="en-US"/>
+          </a:p>
+        </p:txBody>
+      </p:sp>
+      <p:sp>
+        <p:nvSpPr>
+          <p:cNvPr id="5" name="テキスト ボックス 4">
+            <a:extLst>
+              <a:ext uri="{FF2B5EF4-FFF2-40B4-BE49-F238E27FC236}">
+                <a16:creationId xmlns:a16="http://schemas.microsoft.com/office/drawing/2014/main" id="{CA644D92-FD27-4A67-9F01-AF65EE5EA0D2}"/>
+              </a:ext>
+            </a:extLst>
+          </p:cNvPr>
+          <p:cNvSpPr txBox="1"/>
+          <p:nvPr/>
+        </p:nvSpPr>
+        <p:spPr>
+          <a:xfrm>
+            <a:off x="251520" y="1268760"/>
+            <a:ext cx="7135287" cy="369332"/>
+          </a:xfrm>
+          <a:prstGeom prst="rect">
+            <a:avLst/>
+          </a:prstGeom>
+          <a:noFill/>
+        </p:spPr>
+        <p:txBody>
+          <a:bodyPr wrap="none" rtlCol="0">
+            <a:spAutoFit/>
+          </a:bodyPr>
+          <a:lstStyle/>
+          <a:p>
+            <a:r>
+              <a:rPr kumimoji="1" lang="ja-JP" altLang="en-US"/>
+              <a:t>ブラウザで</a:t>
+            </a:r>
+            <a:r>
+              <a:rPr kumimoji="1" lang="en-US" altLang="ja-JP"/>
+              <a:t>Projects</a:t>
+            </a:r>
+            <a:r>
+              <a:rPr kumimoji="1" lang="ja-JP" altLang="en-US"/>
+              <a:t>の「カンバン」を表示させた状態で</a:t>
+            </a:r>
+            <a:r>
+              <a:rPr kumimoji="1" lang="en-US" altLang="ja-JP"/>
+              <a:t>git push</a:t>
+            </a:r>
+            <a:r>
+              <a:rPr kumimoji="1" lang="ja-JP" altLang="en-US"/>
+              <a:t>する</a:t>
+            </a:r>
+          </a:p>
+        </p:txBody>
+      </p:sp>
+      <p:sp>
+        <p:nvSpPr>
+          <p:cNvPr id="6" name="テキスト ボックス 5">
+            <a:extLst>
+              <a:ext uri="{FF2B5EF4-FFF2-40B4-BE49-F238E27FC236}">
+                <a16:creationId xmlns:a16="http://schemas.microsoft.com/office/drawing/2014/main" id="{6BC4469F-6C88-4BD1-9C16-92D3BA40DE4F}"/>
+              </a:ext>
+            </a:extLst>
+          </p:cNvPr>
+          <p:cNvSpPr txBox="1"/>
+          <p:nvPr/>
+        </p:nvSpPr>
+        <p:spPr>
+          <a:xfrm>
+            <a:off x="467544" y="5805264"/>
+            <a:ext cx="4576762" cy="400110"/>
+          </a:xfrm>
+          <a:prstGeom prst="rect">
+            <a:avLst/>
+          </a:prstGeom>
+          <a:noFill/>
+          <a:ln>
+            <a:solidFill>
+              <a:schemeClr val="tx1"/>
+            </a:solidFill>
+          </a:ln>
+        </p:spPr>
+        <p:txBody>
+          <a:bodyPr wrap="square">
+            <a:spAutoFit/>
+          </a:bodyPr>
+          <a:lstStyle/>
+          <a:p>
+            <a:r>
+              <a:rPr lang="en-US" altLang="ja-JP" sz="2000">
+                <a:latin typeface="Consolas" panose="020B0609020204030204" pitchFamily="49" charset="0"/>
+              </a:rPr>
+              <a:t>git push</a:t>
+            </a:r>
+            <a:endParaRPr lang="ja-JP" altLang="en-US" sz="2000">
+              <a:latin typeface="Consolas" panose="020B0609020204030204" pitchFamily="49" charset="0"/>
+            </a:endParaRPr>
+          </a:p>
+        </p:txBody>
+      </p:sp>
+      <p:pic>
+        <p:nvPicPr>
+          <p:cNvPr id="12290" name="Picture 2">
+            <a:extLst>
+              <a:ext uri="{FF2B5EF4-FFF2-40B4-BE49-F238E27FC236}">
+                <a16:creationId xmlns:a16="http://schemas.microsoft.com/office/drawing/2014/main" id="{E3050C1F-4994-1A61-CBCE-C6E9CD244CB2}"/>
+              </a:ext>
+            </a:extLst>
+          </p:cNvPr>
+          <p:cNvPicPr>
+            <a:picLocks noChangeAspect="1" noChangeArrowheads="1"/>
+          </p:cNvPicPr>
+          <p:nvPr/>
+        </p:nvPicPr>
+        <p:blipFill>
+          <a:blip r:embed="rId2" cstate="print">
+            <a:extLst>
+              <a:ext uri="{28A0092B-C50C-407E-A947-70E740481C1C}">
+                <a14:useLocalDpi xmlns:a14="http://schemas.microsoft.com/office/drawing/2010/main" val="0"/>
+              </a:ext>
+            </a:extLst>
+          </a:blip>
+          <a:srcRect/>
+          <a:stretch>
+            <a:fillRect/>
+          </a:stretch>
+        </p:blipFill>
+        <p:spPr bwMode="auto">
+          <a:xfrm>
+            <a:off x="1763688" y="1700808"/>
+            <a:ext cx="4667225" cy="3915197"/>
+          </a:xfrm>
+          <a:prstGeom prst="rect">
+            <a:avLst/>
+          </a:prstGeom>
+          <a:noFill/>
+          <a:extLst>
+            <a:ext uri="{909E8E84-426E-40DD-AFC4-6F175D3DCCD1}">
+              <a14:hiddenFill xmlns:a14="http://schemas.microsoft.com/office/drawing/2010/main">
+                <a:solidFill>
+                  <a:srgbClr val="FFFFFF"/>
+                </a:solidFill>
+              </a14:hiddenFill>
+            </a:ext>
+          </a:extLst>
+        </p:spPr>
+      </p:pic>
+    </p:spTree>
+    <p:extLst>
+      <p:ext uri="{BB962C8B-B14F-4D97-AF65-F5344CB8AC3E}">
+        <p14:creationId xmlns:p14="http://schemas.microsoft.com/office/powerpoint/2010/main" val="1144143105"/>
+      </p:ext>
+    </p:extLst>
+  </p:cSld>
+  <p:clrMapOvr>
+    <a:masterClrMapping/>
+  </p:clrMapOvr>
+</p:sld>
+</file>
+
+<file path=ppt/slides/slide52.xml><?xml version="1.0" encoding="utf-8"?>
+<p:sld xmlns:a="http://schemas.openxmlformats.org/drawingml/2006/main" xmlns:r="http://schemas.openxmlformats.org/officeDocument/2006/relationships" xmlns:p="http://schemas.openxmlformats.org/presentationml/2006/main">
+  <p:cSld>
+    <p:spTree>
+      <p:nvGrpSpPr>
+        <p:cNvPr id="1" name=""/>
+        <p:cNvGrpSpPr/>
+        <p:nvPr/>
+      </p:nvGrpSpPr>
+      <p:grpSpPr>
+        <a:xfrm>
+          <a:off x="0" y="0"/>
+          <a:ext cx="0" cy="0"/>
+          <a:chOff x="0" y="0"/>
+          <a:chExt cx="0" cy="0"/>
+        </a:xfrm>
+      </p:grpSpPr>
+      <p:sp>
+        <p:nvSpPr>
+          <p:cNvPr id="2" name="テキスト プレースホルダー 1">
+            <a:extLst>
+              <a:ext uri="{FF2B5EF4-FFF2-40B4-BE49-F238E27FC236}">
+                <a16:creationId xmlns:a16="http://schemas.microsoft.com/office/drawing/2014/main" id="{F8C87194-60C1-4CF7-A627-11A6F6664A9E}"/>
+              </a:ext>
+            </a:extLst>
+          </p:cNvPr>
+          <p:cNvSpPr>
+            <a:spLocks noGrp="1"/>
+          </p:cNvSpPr>
+          <p:nvPr>
+            <p:ph type="body" sz="quarter" idx="10"/>
+          </p:nvPr>
+        </p:nvSpPr>
+        <p:spPr/>
+        <p:txBody>
+          <a:bodyPr/>
+          <a:lstStyle/>
+          <a:p>
+            <a:r>
+              <a:rPr lang="ja-JP" altLang="en-US"/>
+              <a:t>課題</a:t>
+            </a:r>
+            <a:r>
+              <a:rPr lang="en-US" altLang="ja-JP"/>
+              <a:t>4 - </a:t>
+            </a:r>
+            <a:r>
+              <a:rPr lang="ja-JP" altLang="en-US"/>
+              <a:t>レポート課題</a:t>
+            </a:r>
+            <a:endParaRPr kumimoji="1" lang="ja-JP" altLang="en-US"/>
+          </a:p>
+        </p:txBody>
+      </p:sp>
+      <p:sp>
+        <p:nvSpPr>
+          <p:cNvPr id="5" name="テキスト ボックス 4">
+            <a:extLst>
+              <a:ext uri="{FF2B5EF4-FFF2-40B4-BE49-F238E27FC236}">
+                <a16:creationId xmlns:a16="http://schemas.microsoft.com/office/drawing/2014/main" id="{8D56DCC9-D268-4300-9B0E-3E0D9EA51F94}"/>
+              </a:ext>
+            </a:extLst>
+          </p:cNvPr>
+          <p:cNvSpPr txBox="1"/>
+          <p:nvPr/>
+        </p:nvSpPr>
+        <p:spPr>
+          <a:xfrm>
+            <a:off x="323528" y="1124744"/>
+            <a:ext cx="8661345" cy="646331"/>
+          </a:xfrm>
+          <a:prstGeom prst="rect">
+            <a:avLst/>
+          </a:prstGeom>
+          <a:noFill/>
+        </p:spPr>
+        <p:txBody>
+          <a:bodyPr wrap="none" rtlCol="0">
+            <a:spAutoFit/>
+          </a:bodyPr>
+          <a:lstStyle/>
+          <a:p>
+            <a:r>
+              <a:rPr kumimoji="1" lang="en-US" altLang="ja-JP"/>
+              <a:t>issue</a:t>
+            </a:r>
+            <a:r>
+              <a:rPr kumimoji="1" lang="ja-JP" altLang="en-US"/>
+              <a:t>に関連づけられたカードが</a:t>
+            </a:r>
+            <a:r>
+              <a:rPr lang="ja-JP" altLang="en-US"/>
+              <a:t>「</a:t>
+            </a:r>
+            <a:r>
+              <a:rPr lang="en-US" altLang="ja-JP"/>
+              <a:t>Done</a:t>
+            </a:r>
+            <a:r>
+              <a:rPr lang="ja-JP" altLang="en-US"/>
+              <a:t>」に移動した画面のスクリーンショットを</a:t>
+            </a:r>
+            <a:endParaRPr lang="en-US" altLang="ja-JP"/>
+          </a:p>
+          <a:p>
+            <a:r>
+              <a:rPr kumimoji="1" lang="ja-JP" altLang="en-US"/>
+              <a:t>レポートとして提出</a:t>
+            </a:r>
+            <a:endParaRPr kumimoji="1" lang="en-US" altLang="ja-JP"/>
+          </a:p>
+        </p:txBody>
+      </p:sp>
+      <p:pic>
+        <p:nvPicPr>
+          <p:cNvPr id="14338" name="Picture 2">
+            <a:extLst>
+              <a:ext uri="{FF2B5EF4-FFF2-40B4-BE49-F238E27FC236}">
+                <a16:creationId xmlns:a16="http://schemas.microsoft.com/office/drawing/2014/main" id="{8ABC6947-5117-1123-4214-2356B2462F9B}"/>
+              </a:ext>
+            </a:extLst>
+          </p:cNvPr>
+          <p:cNvPicPr>
+            <a:picLocks noChangeAspect="1" noChangeArrowheads="1"/>
+          </p:cNvPicPr>
+          <p:nvPr/>
+        </p:nvPicPr>
+        <p:blipFill>
+          <a:blip r:embed="rId2">
+            <a:extLst>
+              <a:ext uri="{28A0092B-C50C-407E-A947-70E740481C1C}">
+                <a14:useLocalDpi xmlns:a14="http://schemas.microsoft.com/office/drawing/2010/main" val="0"/>
+              </a:ext>
+            </a:extLst>
+          </a:blip>
+          <a:srcRect/>
+          <a:stretch>
+            <a:fillRect/>
+          </a:stretch>
+        </p:blipFill>
+        <p:spPr bwMode="auto">
+          <a:xfrm>
+            <a:off x="827584" y="1844824"/>
+            <a:ext cx="6984776" cy="4095724"/>
+          </a:xfrm>
+          <a:prstGeom prst="rect">
+            <a:avLst/>
+          </a:prstGeom>
+          <a:noFill/>
+          <a:extLst>
+            <a:ext uri="{909E8E84-426E-40DD-AFC4-6F175D3DCCD1}">
+              <a14:hiddenFill xmlns:a14="http://schemas.microsoft.com/office/drawing/2010/main">
+                <a:solidFill>
+                  <a:srgbClr val="FFFFFF"/>
+                </a:solidFill>
+              </a14:hiddenFill>
+            </a:ext>
+          </a:extLst>
+        </p:spPr>
+      </p:pic>
+    </p:spTree>
+    <p:extLst>
+      <p:ext uri="{BB962C8B-B14F-4D97-AF65-F5344CB8AC3E}">
+        <p14:creationId xmlns:p14="http://schemas.microsoft.com/office/powerpoint/2010/main" val="1418416776"/>
+      </p:ext>
+    </p:extLst>
+  </p:cSld>
+  <p:clrMapOvr>
+    <a:masterClrMapping/>
+  </p:clrMapOvr>
+</p:sld>
+</file>
+
+<file path=ppt/slides/slide53.xml><?xml version="1.0" encoding="utf-8"?>
+<p:sld xmlns:a="http://schemas.openxmlformats.org/drawingml/2006/main" xmlns:r="http://schemas.openxmlformats.org/officeDocument/2006/relationships" xmlns:p="http://schemas.openxmlformats.org/presentationml/2006/main">
+  <p:cSld>
+    <p:spTree>
+      <p:nvGrpSpPr>
+        <p:cNvPr id="1" name=""/>
+        <p:cNvGrpSpPr/>
+        <p:nvPr/>
+      </p:nvGrpSpPr>
+      <p:grpSpPr>
+        <a:xfrm>
+          <a:off x="0" y="0"/>
+          <a:ext cx="0" cy="0"/>
+          <a:chOff x="0" y="0"/>
+          <a:chExt cx="0" cy="0"/>
+        </a:xfrm>
+      </p:grpSpPr>
+      <p:pic>
+        <p:nvPicPr>
+          <p:cNvPr id="15362" name="Picture 2">
+            <a:extLst>
+              <a:ext uri="{FF2B5EF4-FFF2-40B4-BE49-F238E27FC236}">
+                <a16:creationId xmlns:a16="http://schemas.microsoft.com/office/drawing/2014/main" id="{68F7B047-59F5-BB9B-A85D-D0AFDB502341}"/>
+              </a:ext>
+            </a:extLst>
+          </p:cNvPr>
+          <p:cNvPicPr>
+            <a:picLocks noChangeAspect="1" noChangeArrowheads="1"/>
+          </p:cNvPicPr>
+          <p:nvPr/>
+        </p:nvPicPr>
+        <p:blipFill>
+          <a:blip r:embed="rId2">
+            <a:extLst>
+              <a:ext uri="{28A0092B-C50C-407E-A947-70E740481C1C}">
+                <a14:useLocalDpi xmlns:a14="http://schemas.microsoft.com/office/drawing/2010/main" val="0"/>
+              </a:ext>
+            </a:extLst>
+          </a:blip>
+          <a:srcRect/>
+          <a:stretch>
+            <a:fillRect/>
+          </a:stretch>
+        </p:blipFill>
+        <p:spPr bwMode="auto">
+          <a:xfrm>
+            <a:off x="539552" y="1772816"/>
+            <a:ext cx="7766075" cy="3960440"/>
+          </a:xfrm>
+          <a:prstGeom prst="rect">
+            <a:avLst/>
+          </a:prstGeom>
+          <a:noFill/>
+          <a:extLst>
+            <a:ext uri="{909E8E84-426E-40DD-AFC4-6F175D3DCCD1}">
+              <a14:hiddenFill xmlns:a14="http://schemas.microsoft.com/office/drawing/2010/main">
+                <a:solidFill>
+                  <a:srgbClr val="FFFFFF"/>
+                </a:solidFill>
+              </a14:hiddenFill>
+            </a:ext>
+          </a:extLst>
+        </p:spPr>
+      </p:pic>
+      <p:sp>
+        <p:nvSpPr>
+          <p:cNvPr id="2" name="テキスト プレースホルダー 1">
+            <a:extLst>
+              <a:ext uri="{FF2B5EF4-FFF2-40B4-BE49-F238E27FC236}">
+                <a16:creationId xmlns:a16="http://schemas.microsoft.com/office/drawing/2014/main" id="{94C970AF-BE56-446B-9CB8-0EF49B11C074}"/>
+              </a:ext>
+            </a:extLst>
+          </p:cNvPr>
+          <p:cNvSpPr>
+            <a:spLocks noGrp="1"/>
+          </p:cNvSpPr>
+          <p:nvPr>
+            <p:ph type="body" sz="quarter" idx="10"/>
+          </p:nvPr>
+        </p:nvSpPr>
+        <p:spPr/>
+        <p:txBody>
+          <a:bodyPr/>
+          <a:lstStyle/>
+          <a:p>
+            <a:r>
+              <a:rPr lang="ja-JP" altLang="en-US"/>
               <a:t>発展課題</a:t>
             </a:r>
             <a:r>
@@ -26607,7 +28292,7 @@
         <p:spPr>
           <a:xfrm>
             <a:off x="6012160" y="2276872"/>
-            <a:ext cx="864096" cy="216024"/>
+            <a:ext cx="720080" cy="216024"/>
           </a:xfrm>
           <a:prstGeom prst="roundRect">
             <a:avLst/>
@@ -26716,6 +28401,52 @@
           </a:p>
         </p:txBody>
       </p:sp>
+      <p:cxnSp>
+        <p:nvCxnSpPr>
+          <p:cNvPr id="4" name="コネクタ: カギ線 3">
+            <a:extLst>
+              <a:ext uri="{FF2B5EF4-FFF2-40B4-BE49-F238E27FC236}">
+                <a16:creationId xmlns:a16="http://schemas.microsoft.com/office/drawing/2014/main" id="{7231D6E4-7209-63D3-945A-7904B0A22945}"/>
+              </a:ext>
+            </a:extLst>
+          </p:cNvPr>
+          <p:cNvCxnSpPr>
+            <a:stCxn id="6" idx="3"/>
+            <a:endCxn id="5" idx="0"/>
+          </p:cNvCxnSpPr>
+          <p:nvPr/>
+        </p:nvCxnSpPr>
+        <p:spPr>
+          <a:xfrm>
+            <a:off x="5155427" y="1355577"/>
+            <a:ext cx="1216773" cy="921295"/>
+          </a:xfrm>
+          <a:prstGeom prst="bentConnector2">
+            <a:avLst/>
+          </a:prstGeom>
+          <a:ln>
+            <a:solidFill>
+              <a:schemeClr val="tx1"/>
+            </a:solidFill>
+            <a:headEnd type="none" w="med" len="med"/>
+            <a:tailEnd type="triangle"/>
+          </a:ln>
+        </p:spPr>
+        <p:style>
+          <a:lnRef idx="1">
+            <a:schemeClr val="accent1"/>
+          </a:lnRef>
+          <a:fillRef idx="0">
+            <a:schemeClr val="accent1"/>
+          </a:fillRef>
+          <a:effectRef idx="0">
+            <a:schemeClr val="accent1"/>
+          </a:effectRef>
+          <a:fontRef idx="minor">
+            <a:schemeClr val="tx1"/>
+          </a:fontRef>
+        </p:style>
+      </p:cxnSp>
     </p:spTree>
     <p:extLst>
       <p:ext uri="{BB962C8B-B14F-4D97-AF65-F5344CB8AC3E}">
@@ -28371,7 +30102,7 @@
         <p:spPr>
           <a:xfrm>
             <a:off x="467544" y="5373216"/>
-            <a:ext cx="6878806" cy="1200329"/>
+            <a:ext cx="6981398" cy="1200329"/>
           </a:xfrm>
           <a:prstGeom prst="rect">
             <a:avLst/>
@@ -28437,7 +30168,7 @@
             </a:r>
             <a:r>
               <a:rPr lang="ja-JP" altLang="en-US" dirty="0"/>
-              <a:t>」とスラッシュが二つ続いていたら一つにすること。</a:t>
+              <a:t>」とスラッシュが二つ続いているので、一つにすること。</a:t>
             </a:r>
             <a:endParaRPr lang="en-US" altLang="ja-JP" dirty="0"/>
           </a:p>

--- a/practice_github_basic/fig/slide.pptx
+++ b/practice_github_basic/fig/slide.pptx
@@ -783,7 +783,7 @@
             <a:pPr algn="ctr"/>
             <a:r>
               <a:rPr kumimoji="1" lang="en-US" altLang="ja-JP" sz="1400"/>
-              <a:t>51</a:t>
+              <a:t>53</a:t>
             </a:r>
             <a:endParaRPr kumimoji="1" lang="ja-JP" altLang="en-US" sz="1400" dirty="0"/>
           </a:p>

--- a/practice_github_basic/fig/slide.pptx
+++ b/practice_github_basic/fig/slide.pptx
@@ -259,7 +259,7 @@
           </a:lstStyle>
           <a:p>
             <a:fld id="{6B8D1B20-A248-FB47-8240-73C0C5F47C9D}" type="datetimeFigureOut">
-              <a:t>2022/10/28</a:t>
+              <a:t>2022/11/1</a:t>
             </a:fld>
             <a:endParaRPr kumimoji="1" lang="ja-JP" altLang="en-US"/>
           </a:p>
@@ -5627,6 +5627,156 @@
           </a:fontRef>
         </p:style>
       </p:cxnSp>
+      <p:sp>
+        <p:nvSpPr>
+          <p:cNvPr id="3" name="四角形: 角を丸くする 2">
+            <a:extLst>
+              <a:ext uri="{FF2B5EF4-FFF2-40B4-BE49-F238E27FC236}">
+                <a16:creationId xmlns:a16="http://schemas.microsoft.com/office/drawing/2014/main" id="{DAEDF38A-8CEC-1954-A601-9D9C6C682CA7}"/>
+              </a:ext>
+            </a:extLst>
+          </p:cNvPr>
+          <p:cNvSpPr/>
+          <p:nvPr/>
+        </p:nvSpPr>
+        <p:spPr>
+          <a:xfrm>
+            <a:off x="2051720" y="1700808"/>
+            <a:ext cx="1656184" cy="216024"/>
+          </a:xfrm>
+          <a:prstGeom prst="roundRect">
+            <a:avLst/>
+          </a:prstGeom>
+          <a:noFill/>
+          <a:ln w="38100">
+            <a:solidFill>
+              <a:srgbClr val="FF0000"/>
+            </a:solidFill>
+          </a:ln>
+        </p:spPr>
+        <p:style>
+          <a:lnRef idx="2">
+            <a:schemeClr val="accent1">
+              <a:shade val="50000"/>
+            </a:schemeClr>
+          </a:lnRef>
+          <a:fillRef idx="1">
+            <a:schemeClr val="accent1"/>
+          </a:fillRef>
+          <a:effectRef idx="0">
+            <a:schemeClr val="accent1"/>
+          </a:effectRef>
+          <a:fontRef idx="minor">
+            <a:schemeClr val="lt1"/>
+          </a:fontRef>
+        </p:style>
+        <p:txBody>
+          <a:bodyPr rtlCol="0" anchor="ctr"/>
+          <a:lstStyle/>
+          <a:p>
+            <a:pPr algn="ctr"/>
+            <a:endParaRPr kumimoji="1" lang="ja-JP" altLang="en-US"/>
+          </a:p>
+        </p:txBody>
+      </p:sp>
+      <p:sp>
+        <p:nvSpPr>
+          <p:cNvPr id="4" name="テキスト ボックス 3">
+            <a:extLst>
+              <a:ext uri="{FF2B5EF4-FFF2-40B4-BE49-F238E27FC236}">
+                <a16:creationId xmlns:a16="http://schemas.microsoft.com/office/drawing/2014/main" id="{EC151F47-273D-00C7-32FE-6555B73FF00D}"/>
+              </a:ext>
+            </a:extLst>
+          </p:cNvPr>
+          <p:cNvSpPr txBox="1"/>
+          <p:nvPr/>
+        </p:nvSpPr>
+        <p:spPr>
+          <a:xfrm>
+            <a:off x="6732240" y="1628800"/>
+            <a:ext cx="2031325" cy="646331"/>
+          </a:xfrm>
+          <a:prstGeom prst="rect">
+            <a:avLst/>
+          </a:prstGeom>
+          <a:noFill/>
+        </p:spPr>
+        <p:txBody>
+          <a:bodyPr wrap="none" rtlCol="0">
+            <a:spAutoFit/>
+          </a:bodyPr>
+          <a:lstStyle/>
+          <a:p>
+            <a:r>
+              <a:rPr kumimoji="1" lang="ja-JP" altLang="en-US" dirty="0"/>
+              <a:t>リポジトリの名前</a:t>
+            </a:r>
+            <a:endParaRPr kumimoji="1" lang="en-US" altLang="ja-JP" dirty="0"/>
+          </a:p>
+          <a:p>
+            <a:r>
+              <a:rPr lang="ja-JP" altLang="en-US" dirty="0"/>
+              <a:t>「</a:t>
+            </a:r>
+            <a:r>
+              <a:rPr lang="en-US" altLang="ja-JP" dirty="0"/>
+              <a:t>test</a:t>
+            </a:r>
+            <a:r>
+              <a:rPr lang="ja-JP" altLang="en-US" dirty="0"/>
+              <a:t>」とする</a:t>
+            </a:r>
+            <a:endParaRPr kumimoji="1" lang="ja-JP" altLang="en-US" dirty="0"/>
+          </a:p>
+        </p:txBody>
+      </p:sp>
+      <p:cxnSp>
+        <p:nvCxnSpPr>
+          <p:cNvPr id="10" name="コネクタ: カギ線 9">
+            <a:extLst>
+              <a:ext uri="{FF2B5EF4-FFF2-40B4-BE49-F238E27FC236}">
+                <a16:creationId xmlns:a16="http://schemas.microsoft.com/office/drawing/2014/main" id="{756B9C34-0A55-B582-C7BC-AD27A5CE130D}"/>
+              </a:ext>
+            </a:extLst>
+          </p:cNvPr>
+          <p:cNvCxnSpPr>
+            <a:cxnSpLocks/>
+            <a:stCxn id="4" idx="1"/>
+            <a:endCxn id="3" idx="3"/>
+          </p:cNvCxnSpPr>
+          <p:nvPr/>
+        </p:nvCxnSpPr>
+        <p:spPr>
+          <a:xfrm rot="10800000">
+            <a:off x="3707904" y="1808820"/>
+            <a:ext cx="3024336" cy="143146"/>
+          </a:xfrm>
+          <a:prstGeom prst="bentConnector3">
+            <a:avLst/>
+          </a:prstGeom>
+          <a:ln>
+            <a:solidFill>
+              <a:schemeClr val="tx1"/>
+            </a:solidFill>
+            <a:headEnd type="none" w="med" len="med"/>
+            <a:tailEnd type="triangle"/>
+          </a:ln>
+        </p:spPr>
+        <p:style>
+          <a:lnRef idx="1">
+            <a:schemeClr val="accent1"/>
+          </a:lnRef>
+          <a:fillRef idx="0">
+            <a:schemeClr val="accent1"/>
+          </a:fillRef>
+          <a:effectRef idx="0">
+            <a:schemeClr val="accent1"/>
+          </a:effectRef>
+          <a:fontRef idx="minor">
+            <a:schemeClr val="tx1"/>
+          </a:fontRef>
+        </p:style>
+      </p:cxnSp>
     </p:spTree>
     <p:extLst>
       <p:ext uri="{BB962C8B-B14F-4D97-AF65-F5344CB8AC3E}">
@@ -12573,18 +12723,18 @@
           <a:lstStyle/>
           <a:p>
             <a:r>
-              <a:rPr kumimoji="1" lang="ja-JP" altLang="en-US"/>
+              <a:rPr kumimoji="1" lang="ja-JP" altLang="en-US" dirty="0"/>
               <a:t>課題</a:t>
             </a:r>
             <a:r>
-              <a:rPr lang="en-US" altLang="ja-JP"/>
+              <a:rPr lang="en-US" altLang="ja-JP" dirty="0"/>
               <a:t>2</a:t>
             </a:r>
             <a:r>
-              <a:rPr kumimoji="1" lang="en-US" altLang="ja-JP"/>
+              <a:rPr kumimoji="1" lang="en-US" altLang="ja-JP" dirty="0"/>
               <a:t> – Step 2</a:t>
             </a:r>
-            <a:endParaRPr kumimoji="1" lang="ja-JP" altLang="en-US"/>
+            <a:endParaRPr kumimoji="1" lang="ja-JP" altLang="en-US" dirty="0"/>
           </a:p>
         </p:txBody>
       </p:sp>
@@ -13173,6 +13323,156 @@
             <a:ext cx="1368152" cy="131635"/>
           </a:xfrm>
           <a:prstGeom prst="bentConnector2">
+            <a:avLst/>
+          </a:prstGeom>
+          <a:ln>
+            <a:solidFill>
+              <a:schemeClr val="tx1"/>
+            </a:solidFill>
+            <a:headEnd type="none" w="med" len="med"/>
+            <a:tailEnd type="triangle"/>
+          </a:ln>
+        </p:spPr>
+        <p:style>
+          <a:lnRef idx="1">
+            <a:schemeClr val="accent1"/>
+          </a:lnRef>
+          <a:fillRef idx="0">
+            <a:schemeClr val="accent1"/>
+          </a:fillRef>
+          <a:effectRef idx="0">
+            <a:schemeClr val="accent1"/>
+          </a:effectRef>
+          <a:fontRef idx="minor">
+            <a:schemeClr val="tx1"/>
+          </a:fontRef>
+        </p:style>
+      </p:cxnSp>
+      <p:sp>
+        <p:nvSpPr>
+          <p:cNvPr id="4" name="四角形: 角を丸くする 3">
+            <a:extLst>
+              <a:ext uri="{FF2B5EF4-FFF2-40B4-BE49-F238E27FC236}">
+                <a16:creationId xmlns:a16="http://schemas.microsoft.com/office/drawing/2014/main" id="{22F8B2FB-D61C-0F75-F336-FC71832D3D1D}"/>
+              </a:ext>
+            </a:extLst>
+          </p:cNvPr>
+          <p:cNvSpPr/>
+          <p:nvPr/>
+        </p:nvSpPr>
+        <p:spPr>
+          <a:xfrm>
+            <a:off x="1979712" y="2348880"/>
+            <a:ext cx="1656184" cy="216024"/>
+          </a:xfrm>
+          <a:prstGeom prst="roundRect">
+            <a:avLst/>
+          </a:prstGeom>
+          <a:noFill/>
+          <a:ln w="38100">
+            <a:solidFill>
+              <a:srgbClr val="FF0000"/>
+            </a:solidFill>
+          </a:ln>
+        </p:spPr>
+        <p:style>
+          <a:lnRef idx="2">
+            <a:schemeClr val="accent1">
+              <a:shade val="50000"/>
+            </a:schemeClr>
+          </a:lnRef>
+          <a:fillRef idx="1">
+            <a:schemeClr val="accent1"/>
+          </a:fillRef>
+          <a:effectRef idx="0">
+            <a:schemeClr val="accent1"/>
+          </a:effectRef>
+          <a:fontRef idx="minor">
+            <a:schemeClr val="lt1"/>
+          </a:fontRef>
+        </p:style>
+        <p:txBody>
+          <a:bodyPr rtlCol="0" anchor="ctr"/>
+          <a:lstStyle/>
+          <a:p>
+            <a:pPr algn="ctr"/>
+            <a:endParaRPr kumimoji="1" lang="ja-JP" altLang="en-US"/>
+          </a:p>
+        </p:txBody>
+      </p:sp>
+      <p:sp>
+        <p:nvSpPr>
+          <p:cNvPr id="5" name="テキスト ボックス 4">
+            <a:extLst>
+              <a:ext uri="{FF2B5EF4-FFF2-40B4-BE49-F238E27FC236}">
+                <a16:creationId xmlns:a16="http://schemas.microsoft.com/office/drawing/2014/main" id="{B08E0094-4E8D-F049-BF41-BDCFDDCA5B6B}"/>
+              </a:ext>
+            </a:extLst>
+          </p:cNvPr>
+          <p:cNvSpPr txBox="1"/>
+          <p:nvPr/>
+        </p:nvSpPr>
+        <p:spPr>
+          <a:xfrm>
+            <a:off x="6660232" y="2276872"/>
+            <a:ext cx="2031325" cy="646331"/>
+          </a:xfrm>
+          <a:prstGeom prst="rect">
+            <a:avLst/>
+          </a:prstGeom>
+          <a:noFill/>
+        </p:spPr>
+        <p:txBody>
+          <a:bodyPr wrap="none" rtlCol="0">
+            <a:spAutoFit/>
+          </a:bodyPr>
+          <a:lstStyle/>
+          <a:p>
+            <a:r>
+              <a:rPr kumimoji="1" lang="ja-JP" altLang="en-US" dirty="0"/>
+              <a:t>リポジトリの名前</a:t>
+            </a:r>
+            <a:endParaRPr kumimoji="1" lang="en-US" altLang="ja-JP" dirty="0"/>
+          </a:p>
+          <a:p>
+            <a:r>
+              <a:rPr lang="ja-JP" altLang="en-US" dirty="0"/>
+              <a:t>「</a:t>
+            </a:r>
+            <a:r>
+              <a:rPr lang="en-US" altLang="ja-JP" dirty="0"/>
+              <a:t>test2</a:t>
+            </a:r>
+            <a:r>
+              <a:rPr lang="ja-JP" altLang="en-US" dirty="0"/>
+              <a:t>」とする</a:t>
+            </a:r>
+            <a:endParaRPr kumimoji="1" lang="ja-JP" altLang="en-US" dirty="0"/>
+          </a:p>
+        </p:txBody>
+      </p:sp>
+      <p:cxnSp>
+        <p:nvCxnSpPr>
+          <p:cNvPr id="11" name="コネクタ: カギ線 10">
+            <a:extLst>
+              <a:ext uri="{FF2B5EF4-FFF2-40B4-BE49-F238E27FC236}">
+                <a16:creationId xmlns:a16="http://schemas.microsoft.com/office/drawing/2014/main" id="{0DE61EAB-9F4C-E77B-F1B9-DAA7F458612C}"/>
+              </a:ext>
+            </a:extLst>
+          </p:cNvPr>
+          <p:cNvCxnSpPr>
+            <a:cxnSpLocks/>
+            <a:stCxn id="5" idx="1"/>
+            <a:endCxn id="4" idx="3"/>
+          </p:cNvCxnSpPr>
+          <p:nvPr/>
+        </p:nvCxnSpPr>
+        <p:spPr>
+          <a:xfrm rot="10800000">
+            <a:off x="3635896" y="2456892"/>
+            <a:ext cx="3024336" cy="143146"/>
+          </a:xfrm>
+          <a:prstGeom prst="bentConnector3">
             <a:avLst/>
           </a:prstGeom>
           <a:ln>
@@ -13309,7 +13609,7 @@
         </p:nvSpPr>
         <p:spPr>
           <a:xfrm>
-            <a:off x="7812360" y="2924944"/>
+            <a:off x="7812360" y="4365104"/>
             <a:ext cx="360040" cy="360040"/>
           </a:xfrm>
           <a:prstGeom prst="roundRect">
@@ -13414,8 +13714,8 @@
         </p:nvCxnSpPr>
         <p:spPr>
           <a:xfrm flipH="1" flipV="1">
-            <a:off x="8172400" y="3104964"/>
-            <a:ext cx="473145" cy="2956974"/>
+            <a:off x="8172400" y="4545124"/>
+            <a:ext cx="473145" cy="1516814"/>
           </a:xfrm>
           <a:prstGeom prst="bentConnector3">
             <a:avLst>
@@ -20944,7 +21244,7 @@
         <p:spPr>
           <a:xfrm>
             <a:off x="3419872" y="3212976"/>
-            <a:ext cx="4339650" cy="369332"/>
+            <a:ext cx="4339650" cy="646331"/>
           </a:xfrm>
           <a:prstGeom prst="rect">
             <a:avLst/>
@@ -20958,10 +21258,20 @@
           <a:lstStyle/>
           <a:p>
             <a:r>
-              <a:rPr lang="ja-JP" altLang="en-US"/>
+              <a:rPr lang="ja-JP" altLang="en-US" dirty="0"/>
               <a:t>コミットメッセージを間違えないこと！</a:t>
             </a:r>
-            <a:endParaRPr kumimoji="1" lang="ja-JP" altLang="en-US"/>
+            <a:endParaRPr lang="en-US" altLang="ja-JP" dirty="0"/>
+          </a:p>
+          <a:p>
+            <a:r>
+              <a:rPr kumimoji="1" lang="en-US" altLang="ja-JP" dirty="0"/>
+              <a:t>#1</a:t>
+            </a:r>
+            <a:r>
+              <a:rPr kumimoji="1" lang="ja-JP" altLang="en-US" dirty="0"/>
+              <a:t>の前に空白を入れること。</a:t>
+            </a:r>
           </a:p>
         </p:txBody>
       </p:sp>
@@ -24671,7 +24981,7 @@
         </p:blipFill>
         <p:spPr bwMode="auto">
           <a:xfrm>
-            <a:off x="1043608" y="1196752"/>
+            <a:off x="1043608" y="1700808"/>
             <a:ext cx="6676492" cy="4968552"/>
           </a:xfrm>
           <a:prstGeom prst="rect">
@@ -24703,7 +25013,7 @@
         </p:nvSpPr>
         <p:spPr>
           <a:xfrm>
-            <a:off x="1043608" y="2492896"/>
+            <a:off x="1043608" y="2996952"/>
             <a:ext cx="1728192" cy="360040"/>
           </a:xfrm>
           <a:prstGeom prst="roundRect">
@@ -24755,7 +25065,7 @@
         </p:nvSpPr>
         <p:spPr>
           <a:xfrm>
-            <a:off x="6660232" y="5661248"/>
+            <a:off x="6660232" y="6165304"/>
             <a:ext cx="1008112" cy="432048"/>
           </a:xfrm>
           <a:prstGeom prst="roundRect">
@@ -24807,7 +25117,7 @@
         </p:nvSpPr>
         <p:spPr>
           <a:xfrm>
-            <a:off x="2267744" y="1988840"/>
+            <a:off x="2267744" y="2492896"/>
             <a:ext cx="432048" cy="438572"/>
           </a:xfrm>
           <a:prstGeom prst="ellipse">
@@ -24865,7 +25175,7 @@
         </p:nvSpPr>
         <p:spPr>
           <a:xfrm>
-            <a:off x="6084168" y="5661248"/>
+            <a:off x="6084168" y="6165304"/>
             <a:ext cx="432048" cy="438572"/>
           </a:xfrm>
           <a:prstGeom prst="ellipse">
@@ -24909,6 +25219,97 @@
           </a:p>
         </p:txBody>
       </p:sp>
+      <p:sp>
+        <p:nvSpPr>
+          <p:cNvPr id="7" name="テキスト ボックス 6">
+            <a:extLst>
+              <a:ext uri="{FF2B5EF4-FFF2-40B4-BE49-F238E27FC236}">
+                <a16:creationId xmlns:a16="http://schemas.microsoft.com/office/drawing/2014/main" id="{10C7FE04-B468-B3BE-4681-D5206ED6F7DB}"/>
+              </a:ext>
+            </a:extLst>
+          </p:cNvPr>
+          <p:cNvSpPr txBox="1"/>
+          <p:nvPr/>
+        </p:nvSpPr>
+        <p:spPr>
+          <a:xfrm>
+            <a:off x="1115616" y="1124744"/>
+            <a:ext cx="2877711" cy="369332"/>
+          </a:xfrm>
+          <a:prstGeom prst="rect">
+            <a:avLst/>
+          </a:prstGeom>
+          <a:noFill/>
+        </p:spPr>
+        <p:txBody>
+          <a:bodyPr wrap="none" rtlCol="0">
+            <a:spAutoFit/>
+          </a:bodyPr>
+          <a:lstStyle/>
+          <a:p>
+            <a:r>
+              <a:rPr kumimoji="1" lang="ja-JP" altLang="en-US" dirty="0"/>
+              <a:t>必ず「</a:t>
+            </a:r>
+            <a:r>
+              <a:rPr kumimoji="1" lang="en-US" altLang="ja-JP" dirty="0"/>
+              <a:t>Board</a:t>
+            </a:r>
+            <a:r>
+              <a:rPr kumimoji="1" lang="ja-JP" altLang="en-US" dirty="0"/>
+              <a:t>」を選ぶこと</a:t>
+            </a:r>
+          </a:p>
+        </p:txBody>
+      </p:sp>
+      <p:cxnSp>
+        <p:nvCxnSpPr>
+          <p:cNvPr id="9" name="コネクタ: カギ線 8">
+            <a:extLst>
+              <a:ext uri="{FF2B5EF4-FFF2-40B4-BE49-F238E27FC236}">
+                <a16:creationId xmlns:a16="http://schemas.microsoft.com/office/drawing/2014/main" id="{DB309087-7778-FCF3-A8F3-9DB0D0FAF184}"/>
+              </a:ext>
+            </a:extLst>
+          </p:cNvPr>
+          <p:cNvCxnSpPr>
+            <a:stCxn id="7" idx="1"/>
+            <a:endCxn id="3" idx="1"/>
+          </p:cNvCxnSpPr>
+          <p:nvPr/>
+        </p:nvCxnSpPr>
+        <p:spPr>
+          <a:xfrm rot="10800000" flipV="1">
+            <a:off x="1043608" y="1309410"/>
+            <a:ext cx="72008" cy="1867562"/>
+          </a:xfrm>
+          <a:prstGeom prst="bentConnector3">
+            <a:avLst>
+              <a:gd name="adj1" fmla="val 417465"/>
+            </a:avLst>
+          </a:prstGeom>
+          <a:ln>
+            <a:solidFill>
+              <a:schemeClr val="tx1"/>
+            </a:solidFill>
+            <a:headEnd type="none" w="med" len="med"/>
+            <a:tailEnd type="triangle"/>
+          </a:ln>
+        </p:spPr>
+        <p:style>
+          <a:lnRef idx="1">
+            <a:schemeClr val="accent1"/>
+          </a:lnRef>
+          <a:fillRef idx="0">
+            <a:schemeClr val="accent1"/>
+          </a:fillRef>
+          <a:effectRef idx="0">
+            <a:schemeClr val="accent1"/>
+          </a:effectRef>
+          <a:fontRef idx="minor">
+            <a:schemeClr val="tx1"/>
+          </a:fontRef>
+        </p:style>
+      </p:cxnSp>
     </p:spTree>
     <p:extLst>
       <p:ext uri="{BB962C8B-B14F-4D97-AF65-F5344CB8AC3E}">
@@ -29856,7 +30257,7 @@
         <p:spPr>
           <a:xfrm>
             <a:off x="755576" y="3573016"/>
-            <a:ext cx="7656263" cy="1477328"/>
+            <a:ext cx="7023076" cy="1477328"/>
           </a:xfrm>
           <a:prstGeom prst="rect">
             <a:avLst/>
@@ -29898,7 +30299,7 @@
               <a:rPr kumimoji="1" lang="en-US" altLang="ja-JP" dirty="0">
                 <a:latin typeface="Consolas" panose="020B0609020204030204" pitchFamily="49" charset="0"/>
               </a:rPr>
-              <a:t>Enter file in which to save the key (/path/to/.</a:t>
+              <a:t>Enter file in which to save the key (/z//.</a:t>
             </a:r>
             <a:r>
               <a:rPr kumimoji="1" lang="en-US" altLang="ja-JP" dirty="0" err="1">
@@ -29930,7 +30331,7 @@
               <a:rPr kumimoji="1" lang="en-US" altLang="ja-JP" dirty="0">
                 <a:latin typeface="Consolas" panose="020B0609020204030204" pitchFamily="49" charset="0"/>
               </a:rPr>
-              <a:t>Created directory '/c/Users/watanabe/.</a:t>
+              <a:t>Created directory ‘/z/.</a:t>
             </a:r>
             <a:r>
               <a:rPr kumimoji="1" lang="en-US" altLang="ja-JP" dirty="0" err="1">
@@ -30026,7 +30427,7 @@
         <p:spPr>
           <a:xfrm>
             <a:off x="467544" y="3861048"/>
-            <a:ext cx="312906" cy="1200329"/>
+            <a:ext cx="311304" cy="1200329"/>
           </a:xfrm>
           <a:prstGeom prst="rect">
             <a:avLst/>
@@ -30050,6 +30451,14 @@
             </a:r>
           </a:p>
           <a:p>
+            <a:endParaRPr lang="en-US" altLang="ja-JP" dirty="0">
+              <a:solidFill>
+                <a:srgbClr val="FF0000"/>
+              </a:solidFill>
+              <a:latin typeface="Consolas" panose="020B0609020204030204" pitchFamily="49" charset="0"/>
+            </a:endParaRPr>
+          </a:p>
+          <a:p>
             <a:r>
               <a:rPr lang="en-US" altLang="ja-JP" dirty="0">
                 <a:solidFill>
@@ -30061,14 +30470,6 @@
             </a:r>
           </a:p>
           <a:p>
-            <a:endParaRPr lang="en-US" altLang="ja-JP" dirty="0">
-              <a:solidFill>
-                <a:srgbClr val="FF0000"/>
-              </a:solidFill>
-              <a:latin typeface="Consolas" panose="020B0609020204030204" pitchFamily="49" charset="0"/>
-            </a:endParaRPr>
-          </a:p>
-          <a:p>
             <a:r>
               <a:rPr lang="en-US" altLang="ja-JP" dirty="0">
                 <a:solidFill>
@@ -30101,39 +30502,32 @@
         </p:nvSpPr>
         <p:spPr>
           <a:xfrm>
-            <a:off x="467544" y="5373216"/>
-            <a:ext cx="6981398" cy="1200329"/>
-          </a:xfrm>
-          <a:prstGeom prst="rect">
-            <a:avLst/>
-          </a:prstGeom>
-          <a:noFill/>
-        </p:spPr>
-        <p:txBody>
-          <a:bodyPr wrap="none" rtlCol="0">
+            <a:off x="539552" y="5253007"/>
+            <a:ext cx="7416824" cy="1200329"/>
+          </a:xfrm>
+          <a:prstGeom prst="rect">
+            <a:avLst/>
+          </a:prstGeom>
+          <a:noFill/>
+        </p:spPr>
+        <p:txBody>
+          <a:bodyPr wrap="square" rtlCol="0">
             <a:spAutoFit/>
           </a:bodyPr>
           <a:lstStyle/>
           <a:p>
+            <a:pPr marL="342900" indent="-342900">
+              <a:buAutoNum type="arabicPeriod"/>
+            </a:pPr>
+            <a:r>
+              <a:rPr lang="ja-JP" altLang="en-US" dirty="0">
+                <a:sym typeface="Wingdings" panose="05000000000000000000" pitchFamily="2" charset="2"/>
+              </a:rPr>
+              <a:t>「</a:t>
+            </a:r>
             <a:r>
               <a:rPr kumimoji="1" lang="en-US" altLang="ja-JP" dirty="0"/>
-              <a:t>1: </a:t>
-            </a:r>
-            <a:r>
-              <a:rPr kumimoji="1" lang="ja-JP" altLang="en-US" dirty="0"/>
-              <a:t>どこに鍵のペアを保存するか。</a:t>
-            </a:r>
-            <a:r>
-              <a:rPr kumimoji="1" lang="en-US" altLang="ja-JP" dirty="0"/>
-              <a:t>z/</a:t>
-            </a:r>
-            <a:r>
-              <a:rPr kumimoji="1" lang="ja-JP" altLang="en-US" dirty="0"/>
-              <a:t>ユーザ名</a:t>
-            </a:r>
-            <a:r>
-              <a:rPr kumimoji="1" lang="en-US" altLang="ja-JP" dirty="0"/>
-              <a:t>/.</a:t>
+              <a:t>/z/.</a:t>
             </a:r>
             <a:r>
               <a:rPr kumimoji="1" lang="en-US" altLang="ja-JP" dirty="0" err="1"/>
@@ -30149,34 +30543,14 @@
             </a:r>
             <a:r>
               <a:rPr kumimoji="1" lang="ja-JP" altLang="en-US" dirty="0"/>
-              <a:t>とする。</a:t>
-            </a:r>
-            <a:endParaRPr kumimoji="1" lang="en-US" altLang="ja-JP" dirty="0"/>
-          </a:p>
-          <a:p>
-            <a:r>
-              <a:rPr lang="en-US" altLang="ja-JP" dirty="0"/>
-              <a:t>     </a:t>
-            </a:r>
-            <a:r>
-              <a:rPr lang="ja-JP" altLang="en-US" dirty="0"/>
-              <a:t>「</a:t>
-            </a:r>
-            <a:r>
-              <a:rPr lang="en-US" altLang="ja-JP" dirty="0"/>
-              <a:t>z//</a:t>
-            </a:r>
-            <a:r>
-              <a:rPr lang="ja-JP" altLang="en-US" dirty="0"/>
-              <a:t>」とスラッシュが二つ続いているので、一つにすること。</a:t>
+              <a:t>」と入力すること</a:t>
             </a:r>
             <a:endParaRPr lang="en-US" altLang="ja-JP" dirty="0"/>
           </a:p>
           <a:p>
-            <a:r>
-              <a:rPr kumimoji="1" lang="en-US" altLang="ja-JP" dirty="0"/>
-              <a:t>2: </a:t>
-            </a:r>
+            <a:pPr marL="342900" indent="-342900">
+              <a:buAutoNum type="arabicPeriod"/>
+            </a:pPr>
             <a:r>
               <a:rPr kumimoji="1" lang="ja-JP" altLang="en-US" dirty="0"/>
               <a:t>パスフレーズ</a:t>
@@ -30203,22 +30577,21 @@
                   <a:srgbClr val="FF0000"/>
                 </a:solidFill>
               </a:rPr>
-              <a:t>必ず入力すること。</a:t>
-            </a:r>
-            <a:endParaRPr kumimoji="1" lang="en-US" altLang="ja-JP" dirty="0">
+              <a:t>必ず入力すること。なお、ここで入力した文字は画面に表示されない。</a:t>
+            </a:r>
+            <a:endParaRPr lang="en-US" altLang="ja-JP" dirty="0">
               <a:solidFill>
                 <a:srgbClr val="FF0000"/>
               </a:solidFill>
             </a:endParaRPr>
           </a:p>
           <a:p>
-            <a:r>
-              <a:rPr lang="en-US" altLang="ja-JP" dirty="0"/>
-              <a:t>3: </a:t>
-            </a:r>
+            <a:pPr marL="342900" indent="-342900">
+              <a:buAutoNum type="arabicPeriod"/>
+            </a:pPr>
             <a:r>
               <a:rPr lang="ja-JP" altLang="en-US" dirty="0"/>
-              <a:t>同じパスフレーズを入力。</a:t>
+              <a:t>同じパスフレーズを入力。ここでも文字は表示されない</a:t>
             </a:r>
             <a:endParaRPr lang="en-US" altLang="ja-JP" dirty="0"/>
           </a:p>

--- a/practice_github_basic/fig/slide.pptx
+++ b/practice_github_basic/fig/slide.pptx
@@ -6847,12 +6847,13 @@
             </a:pPr>
             <a:r>
               <a:rPr kumimoji="1" lang="en-US" altLang="ja-JP" sz="2400" dirty="0"/>
-              <a:t>Project(Automated Kanban)</a:t>
+              <a:t>Project</a:t>
             </a:r>
             <a:r>
               <a:rPr kumimoji="1" lang="ja-JP" altLang="en-US" sz="2400" dirty="0"/>
               <a:t>の使い方を覚える</a:t>
             </a:r>
+            <a:endParaRPr kumimoji="1" lang="en-US" altLang="ja-JP" sz="2400" dirty="0"/>
           </a:p>
           <a:p>
             <a:pPr marL="342900" indent="-342900">
@@ -6860,13 +6861,22 @@
               <a:buChar char="•"/>
             </a:pPr>
             <a:r>
-              <a:rPr kumimoji="1" lang="en-US" altLang="ja-JP" sz="2400" dirty="0"/>
-              <a:t>GitHub Pages</a:t>
-            </a:r>
-            <a:r>
-              <a:rPr kumimoji="1" lang="ja-JP" altLang="en-US" sz="2400" dirty="0"/>
-              <a:t>の公開を体験する</a:t>
-            </a:r>
+              <a:rPr lang="en-US" altLang="ja-JP" sz="2400" dirty="0"/>
+              <a:t>(</a:t>
+            </a:r>
+            <a:r>
+              <a:rPr lang="ja-JP" altLang="en-US" sz="2400" dirty="0"/>
+              <a:t>発展課題</a:t>
+            </a:r>
+            <a:r>
+              <a:rPr lang="en-US" altLang="ja-JP" sz="2400" dirty="0"/>
+              <a:t>)</a:t>
+            </a:r>
+            <a:r>
+              <a:rPr lang="ja-JP" altLang="en-US" sz="2400" dirty="0"/>
+              <a:t>プルリクを体験する</a:t>
+            </a:r>
+            <a:endParaRPr kumimoji="1" lang="ja-JP" altLang="en-US" sz="2400" dirty="0"/>
           </a:p>
         </p:txBody>
       </p:sp>
@@ -29906,7 +29916,7 @@
         </p:blipFill>
         <p:spPr>
           <a:xfrm>
-            <a:off x="611560" y="2420888"/>
+            <a:off x="395536" y="2924944"/>
             <a:ext cx="8100392" cy="2380811"/>
           </a:xfrm>
           <a:prstGeom prst="rect">
@@ -29928,8 +29938,8 @@
         </p:nvSpPr>
         <p:spPr>
           <a:xfrm>
-            <a:off x="467544" y="980728"/>
-            <a:ext cx="3647152" cy="1200329"/>
+            <a:off x="323528" y="1052736"/>
+            <a:ext cx="8186857" cy="1754326"/>
           </a:xfrm>
           <a:prstGeom prst="rect">
             <a:avLst/>
@@ -29985,6 +29995,44 @@
             </a:r>
             <a:endParaRPr lang="en-US" altLang="ja-JP" dirty="0"/>
           </a:p>
+          <a:p>
+            <a:r>
+              <a:rPr lang="ja-JP" altLang="en-US" dirty="0"/>
+              <a:t>「製品のアップデート情報をメールで受け取るか」については「</a:t>
+            </a:r>
+            <a:r>
+              <a:rPr lang="en-US" altLang="ja-JP" dirty="0"/>
+              <a:t>n</a:t>
+            </a:r>
+            <a:r>
+              <a:rPr lang="ja-JP" altLang="en-US" dirty="0"/>
+              <a:t>」でＯＫ</a:t>
+            </a:r>
+            <a:endParaRPr lang="en-US" altLang="ja-JP" dirty="0"/>
+          </a:p>
+          <a:p>
+            <a:r>
+              <a:rPr lang="ja-JP" altLang="en-US" dirty="0"/>
+              <a:t>ロボットでないことの認証</a:t>
+            </a:r>
+            <a:r>
+              <a:rPr lang="en-US" altLang="ja-JP" dirty="0"/>
+              <a:t>(</a:t>
+            </a:r>
+            <a:r>
+              <a:rPr lang="ja-JP" altLang="en-US" dirty="0"/>
+              <a:t>例えば渦巻銀河をクリックするタスク</a:t>
+            </a:r>
+            <a:r>
+              <a:rPr lang="en-US" altLang="ja-JP" dirty="0"/>
+              <a:t>)</a:t>
+            </a:r>
+            <a:r>
+              <a:rPr lang="ja-JP" altLang="en-US" dirty="0"/>
+              <a:t>を実行</a:t>
+            </a:r>
+            <a:endParaRPr lang="en-US" altLang="ja-JP" dirty="0"/>
+          </a:p>
         </p:txBody>
       </p:sp>
       <p:sp>
@@ -30001,8 +30049,8 @@
         </p:nvSpPr>
         <p:spPr>
           <a:xfrm>
-            <a:off x="539552" y="5085184"/>
-            <a:ext cx="7686720" cy="646331"/>
+            <a:off x="395536" y="5949280"/>
+            <a:ext cx="2954655" cy="369332"/>
           </a:xfrm>
           <a:prstGeom prst="rect">
             <a:avLst/>
@@ -30014,21 +30062,6 @@
             <a:spAutoFit/>
           </a:bodyPr>
           <a:lstStyle/>
-          <a:p>
-            <a:r>
-              <a:rPr lang="ja-JP" altLang="en-US" dirty="0"/>
-              <a:t>「</a:t>
-            </a:r>
-            <a:r>
-              <a:rPr lang="en-US" altLang="ja-JP" dirty="0"/>
-              <a:t>Learn Git and GitHub without any code!</a:t>
-            </a:r>
-            <a:r>
-              <a:rPr lang="ja-JP" altLang="en-US" dirty="0"/>
-              <a:t>」という画面が出たら登録完了</a:t>
-            </a:r>
-            <a:endParaRPr lang="en-US" altLang="ja-JP" dirty="0"/>
-          </a:p>
           <a:p>
             <a:r>
               <a:rPr kumimoji="1" lang="ja-JP" altLang="en-US" dirty="0">
@@ -30038,6 +30071,42 @@
               </a:rPr>
               <a:t>ブラウザをまだ閉じない事</a:t>
             </a:r>
+          </a:p>
+        </p:txBody>
+      </p:sp>
+      <p:sp>
+        <p:nvSpPr>
+          <p:cNvPr id="3" name="テキスト ボックス 2">
+            <a:extLst>
+              <a:ext uri="{FF2B5EF4-FFF2-40B4-BE49-F238E27FC236}">
+                <a16:creationId xmlns:a16="http://schemas.microsoft.com/office/drawing/2014/main" id="{B55E00BC-E5F4-1BE3-C8E2-DEA03C2D2806}"/>
+              </a:ext>
+            </a:extLst>
+          </p:cNvPr>
+          <p:cNvSpPr txBox="1"/>
+          <p:nvPr/>
+        </p:nvSpPr>
+        <p:spPr>
+          <a:xfrm>
+            <a:off x="251520" y="5445224"/>
+            <a:ext cx="8494633" cy="369332"/>
+          </a:xfrm>
+          <a:prstGeom prst="rect">
+            <a:avLst/>
+          </a:prstGeom>
+          <a:noFill/>
+        </p:spPr>
+        <p:txBody>
+          <a:bodyPr wrap="none" rtlCol="0">
+            <a:spAutoFit/>
+          </a:bodyPr>
+          <a:lstStyle/>
+          <a:p>
+            <a:r>
+              <a:rPr lang="ja-JP" altLang="en-US" dirty="0"/>
+              <a:t>最後に登録のためのコードがメールで送られるので、それを入力すれば登録完了</a:t>
+            </a:r>
+            <a:endParaRPr lang="en-US" altLang="ja-JP" dirty="0"/>
           </a:p>
         </p:txBody>
       </p:sp>
